--- a/forex_binary_trading_classification/forex_model_presentation.pptx
+++ b/forex_binary_trading_classification/forex_model_presentation.pptx
@@ -6,7 +6,18 @@
   </p:sldMasterIdLst>
   <p:sldIdLst>
     <p:sldId id="256" r:id="rId2"/>
-    <p:sldId id="257" r:id="rId3"/>
+    <p:sldId id="268" r:id="rId3"/>
+    <p:sldId id="257" r:id="rId4"/>
+    <p:sldId id="258" r:id="rId5"/>
+    <p:sldId id="259" r:id="rId6"/>
+    <p:sldId id="260" r:id="rId7"/>
+    <p:sldId id="261" r:id="rId8"/>
+    <p:sldId id="262" r:id="rId9"/>
+    <p:sldId id="263" r:id="rId10"/>
+    <p:sldId id="264" r:id="rId11"/>
+    <p:sldId id="266" r:id="rId12"/>
+    <p:sldId id="265" r:id="rId13"/>
+    <p:sldId id="267" r:id="rId14"/>
   </p:sldIdLst>
   <p:sldSz cx="12192000" cy="6858000"/>
   <p:notesSz cx="6858000" cy="9144000"/>
@@ -105,6 +116,11 @@
       </a:defRPr>
     </a:lvl9pPr>
   </p:defaultTextStyle>
+  <p:extLst>
+    <p:ext uri="{EFAFB233-063F-42B5-8137-9DF3F51BA10A}">
+      <p15:sldGuideLst xmlns:p15="http://schemas.microsoft.com/office/powerpoint/2012/main"/>
+    </p:ext>
+  </p:extLst>
 </p:presentation>
 </file>
 
@@ -112,19 +128,35 @@
 <pc:chgInfo xmlns:a="http://schemas.openxmlformats.org/drawingml/2006/main" xmlns:r="http://schemas.openxmlformats.org/officeDocument/2006/relationships" xmlns:ac="http://schemas.microsoft.com/office/drawing/2013/main/command" xmlns:pc="http://schemas.microsoft.com/office/powerpoint/2013/main/command">
   <pc:docChgLst>
     <pc:chgData name="Sam Domeier" userId="155abacd3a2e82ce" providerId="LiveId" clId="{52D49773-3330-45B1-8C15-3BDBA551940F}"/>
-    <pc:docChg chg="undo custSel modSld modMainMaster">
-      <pc:chgData name="Sam Domeier" userId="155abacd3a2e82ce" providerId="LiveId" clId="{52D49773-3330-45B1-8C15-3BDBA551940F}" dt="2021-03-12T17:00:59.981" v="64" actId="1076"/>
+    <pc:docChg chg="undo custSel addSld modSld modMainMaster">
+      <pc:chgData name="Sam Domeier" userId="155abacd3a2e82ce" providerId="LiveId" clId="{52D49773-3330-45B1-8C15-3BDBA551940F}" dt="2021-03-12T20:12:06.070" v="8357" actId="20577"/>
       <pc:docMkLst>
         <pc:docMk/>
       </pc:docMkLst>
       <pc:sldChg chg="addSp modSp mod setBg">
-        <pc:chgData name="Sam Domeier" userId="155abacd3a2e82ce" providerId="LiveId" clId="{52D49773-3330-45B1-8C15-3BDBA551940F}" dt="2021-03-12T17:00:22.221" v="60"/>
+        <pc:chgData name="Sam Domeier" userId="155abacd3a2e82ce" providerId="LiveId" clId="{52D49773-3330-45B1-8C15-3BDBA551940F}" dt="2021-03-12T17:28:32.526" v="754" actId="1076"/>
         <pc:sldMkLst>
           <pc:docMk/>
           <pc:sldMk cId="4290329499" sldId="256"/>
         </pc:sldMkLst>
+        <pc:spChg chg="mod">
+          <ac:chgData name="Sam Domeier" userId="155abacd3a2e82ce" providerId="LiveId" clId="{52D49773-3330-45B1-8C15-3BDBA551940F}" dt="2021-03-12T17:27:00.854" v="737" actId="403"/>
+          <ac:spMkLst>
+            <pc:docMk/>
+            <pc:sldMk cId="4290329499" sldId="256"/>
+            <ac:spMk id="2" creationId="{5B1BFDE3-E55E-4926-B5E7-A7A8F02B600C}"/>
+          </ac:spMkLst>
+        </pc:spChg>
+        <pc:spChg chg="mod">
+          <ac:chgData name="Sam Domeier" userId="155abacd3a2e82ce" providerId="LiveId" clId="{52D49773-3330-45B1-8C15-3BDBA551940F}" dt="2021-03-12T17:17:35.604" v="105" actId="2711"/>
+          <ac:spMkLst>
+            <pc:docMk/>
+            <pc:sldMk cId="4290329499" sldId="256"/>
+            <ac:spMk id="3" creationId="{18B0F7F2-BE23-48DF-B7B7-E58F78A3C6FC}"/>
+          </ac:spMkLst>
+        </pc:spChg>
         <pc:cxnChg chg="mod">
-          <ac:chgData name="Sam Domeier" userId="155abacd3a2e82ce" providerId="LiveId" clId="{52D49773-3330-45B1-8C15-3BDBA551940F}" dt="2021-03-12T16:59:32.735" v="30" actId="1076"/>
+          <ac:chgData name="Sam Domeier" userId="155abacd3a2e82ce" providerId="LiveId" clId="{52D49773-3330-45B1-8C15-3BDBA551940F}" dt="2021-03-12T17:28:30.856" v="753" actId="1076"/>
           <ac:cxnSpMkLst>
             <pc:docMk/>
             <pc:sldMk cId="4290329499" sldId="256"/>
@@ -132,7 +164,7 @@
           </ac:cxnSpMkLst>
         </pc:cxnChg>
         <pc:cxnChg chg="add mod">
-          <ac:chgData name="Sam Domeier" userId="155abacd3a2e82ce" providerId="LiveId" clId="{52D49773-3330-45B1-8C15-3BDBA551940F}" dt="2021-03-12T16:59:06.926" v="28" actId="14100"/>
+          <ac:chgData name="Sam Domeier" userId="155abacd3a2e82ce" providerId="LiveId" clId="{52D49773-3330-45B1-8C15-3BDBA551940F}" dt="2021-03-12T17:28:32.526" v="754" actId="1076"/>
           <ac:cxnSpMkLst>
             <pc:docMk/>
             <pc:sldMk cId="4290329499" sldId="256"/>
@@ -141,11 +173,27 @@
         </pc:cxnChg>
       </pc:sldChg>
       <pc:sldChg chg="addSp delSp modSp mod">
-        <pc:chgData name="Sam Domeier" userId="155abacd3a2e82ce" providerId="LiveId" clId="{52D49773-3330-45B1-8C15-3BDBA551940F}" dt="2021-03-12T17:00:59.981" v="64" actId="1076"/>
+        <pc:chgData name="Sam Domeier" userId="155abacd3a2e82ce" providerId="LiveId" clId="{52D49773-3330-45B1-8C15-3BDBA551940F}" dt="2021-03-12T18:44:07.510" v="845" actId="207"/>
         <pc:sldMkLst>
           <pc:docMk/>
           <pc:sldMk cId="2435557583" sldId="257"/>
         </pc:sldMkLst>
+        <pc:spChg chg="mod">
+          <ac:chgData name="Sam Domeier" userId="155abacd3a2e82ce" providerId="LiveId" clId="{52D49773-3330-45B1-8C15-3BDBA551940F}" dt="2021-03-12T17:27:07.292" v="739" actId="255"/>
+          <ac:spMkLst>
+            <pc:docMk/>
+            <pc:sldMk cId="2435557583" sldId="257"/>
+            <ac:spMk id="2" creationId="{14D7F815-5759-47F9-9869-6369B4CA43E0}"/>
+          </ac:spMkLst>
+        </pc:spChg>
+        <pc:spChg chg="mod">
+          <ac:chgData name="Sam Domeier" userId="155abacd3a2e82ce" providerId="LiveId" clId="{52D49773-3330-45B1-8C15-3BDBA551940F}" dt="2021-03-12T18:44:07.510" v="845" actId="207"/>
+          <ac:spMkLst>
+            <pc:docMk/>
+            <pc:sldMk cId="2435557583" sldId="257"/>
+            <ac:spMk id="3" creationId="{82B2897E-E6AE-422C-9ACD-46565D3C578F}"/>
+          </ac:spMkLst>
+        </pc:spChg>
         <pc:cxnChg chg="del">
           <ac:chgData name="Sam Domeier" userId="155abacd3a2e82ce" providerId="LiveId" clId="{52D49773-3330-45B1-8C15-3BDBA551940F}" dt="2021-03-12T17:00:36.071" v="61" actId="478"/>
           <ac:cxnSpMkLst>
@@ -155,7 +203,7 @@
           </ac:cxnSpMkLst>
         </pc:cxnChg>
         <pc:cxnChg chg="add mod">
-          <ac:chgData name="Sam Domeier" userId="155abacd3a2e82ce" providerId="LiveId" clId="{52D49773-3330-45B1-8C15-3BDBA551940F}" dt="2021-03-12T17:00:51.614" v="63" actId="1076"/>
+          <ac:chgData name="Sam Domeier" userId="155abacd3a2e82ce" providerId="LiveId" clId="{52D49773-3330-45B1-8C15-3BDBA551940F}" dt="2021-03-12T17:28:41.336" v="755" actId="1076"/>
           <ac:cxnSpMkLst>
             <pc:docMk/>
             <pc:sldMk cId="2435557583" sldId="257"/>
@@ -163,11 +211,600 @@
           </ac:cxnSpMkLst>
         </pc:cxnChg>
         <pc:cxnChg chg="add mod">
-          <ac:chgData name="Sam Domeier" userId="155abacd3a2e82ce" providerId="LiveId" clId="{52D49773-3330-45B1-8C15-3BDBA551940F}" dt="2021-03-12T17:00:59.981" v="64" actId="1076"/>
+          <ac:chgData name="Sam Domeier" userId="155abacd3a2e82ce" providerId="LiveId" clId="{52D49773-3330-45B1-8C15-3BDBA551940F}" dt="2021-03-12T17:28:47.178" v="756" actId="1076"/>
           <ac:cxnSpMkLst>
             <pc:docMk/>
             <pc:sldMk cId="2435557583" sldId="257"/>
             <ac:cxnSpMk id="7" creationId="{AF82BC78-AC21-4DD8-9769-DAC4DAB99FA6}"/>
+          </ac:cxnSpMkLst>
+        </pc:cxnChg>
+      </pc:sldChg>
+      <pc:sldChg chg="addSp delSp modSp new mod">
+        <pc:chgData name="Sam Domeier" userId="155abacd3a2e82ce" providerId="LiveId" clId="{52D49773-3330-45B1-8C15-3BDBA551940F}" dt="2021-03-12T19:06:22.382" v="2708" actId="1076"/>
+        <pc:sldMkLst>
+          <pc:docMk/>
+          <pc:sldMk cId="2791946749" sldId="258"/>
+        </pc:sldMkLst>
+        <pc:spChg chg="mod">
+          <ac:chgData name="Sam Domeier" userId="155abacd3a2e82ce" providerId="LiveId" clId="{52D49773-3330-45B1-8C15-3BDBA551940F}" dt="2021-03-12T17:29:35.905" v="772" actId="20577"/>
+          <ac:spMkLst>
+            <pc:docMk/>
+            <pc:sldMk cId="2791946749" sldId="258"/>
+            <ac:spMk id="2" creationId="{8F1AB34B-6DCA-48DF-8C1C-907EBED7EADD}"/>
+          </ac:spMkLst>
+        </pc:spChg>
+        <pc:spChg chg="mod">
+          <ac:chgData name="Sam Domeier" userId="155abacd3a2e82ce" providerId="LiveId" clId="{52D49773-3330-45B1-8C15-3BDBA551940F}" dt="2021-03-12T18:59:54.101" v="2063" actId="20577"/>
+          <ac:spMkLst>
+            <pc:docMk/>
+            <pc:sldMk cId="2791946749" sldId="258"/>
+            <ac:spMk id="3" creationId="{EC38404B-8F4C-474C-9B42-EA001F19779E}"/>
+          </ac:spMkLst>
+        </pc:spChg>
+        <pc:cxnChg chg="add del mod">
+          <ac:chgData name="Sam Domeier" userId="155abacd3a2e82ce" providerId="LiveId" clId="{52D49773-3330-45B1-8C15-3BDBA551940F}" dt="2021-03-12T17:28:04.983" v="748" actId="478"/>
+          <ac:cxnSpMkLst>
+            <pc:docMk/>
+            <pc:sldMk cId="2791946749" sldId="258"/>
+            <ac:cxnSpMk id="4" creationId="{963C0538-9AE5-4BC6-A5DB-CE96F7F3D04D}"/>
+          </ac:cxnSpMkLst>
+        </pc:cxnChg>
+        <pc:cxnChg chg="add del mod">
+          <ac:chgData name="Sam Domeier" userId="155abacd3a2e82ce" providerId="LiveId" clId="{52D49773-3330-45B1-8C15-3BDBA551940F}" dt="2021-03-12T17:28:05.733" v="749" actId="478"/>
+          <ac:cxnSpMkLst>
+            <pc:docMk/>
+            <pc:sldMk cId="2791946749" sldId="258"/>
+            <ac:cxnSpMk id="5" creationId="{B183571D-CDA4-476A-AE03-17D4668C0841}"/>
+          </ac:cxnSpMkLst>
+        </pc:cxnChg>
+        <pc:cxnChg chg="add del mod">
+          <ac:chgData name="Sam Domeier" userId="155abacd3a2e82ce" providerId="LiveId" clId="{52D49773-3330-45B1-8C15-3BDBA551940F}" dt="2021-03-12T17:28:54.860" v="757" actId="478"/>
+          <ac:cxnSpMkLst>
+            <pc:docMk/>
+            <pc:sldMk cId="2791946749" sldId="258"/>
+            <ac:cxnSpMk id="6" creationId="{34DEB7EA-91C9-4817-9584-1CAA25584E79}"/>
+          </ac:cxnSpMkLst>
+        </pc:cxnChg>
+        <pc:cxnChg chg="add del mod">
+          <ac:chgData name="Sam Domeier" userId="155abacd3a2e82ce" providerId="LiveId" clId="{52D49773-3330-45B1-8C15-3BDBA551940F}" dt="2021-03-12T17:28:54.860" v="757" actId="478"/>
+          <ac:cxnSpMkLst>
+            <pc:docMk/>
+            <pc:sldMk cId="2791946749" sldId="258"/>
+            <ac:cxnSpMk id="7" creationId="{43AEAAE6-E4D0-43F2-9F85-5A9186903B38}"/>
+          </ac:cxnSpMkLst>
+        </pc:cxnChg>
+        <pc:cxnChg chg="add mod">
+          <ac:chgData name="Sam Domeier" userId="155abacd3a2e82ce" providerId="LiveId" clId="{52D49773-3330-45B1-8C15-3BDBA551940F}" dt="2021-03-12T17:28:55.461" v="758"/>
+          <ac:cxnSpMkLst>
+            <pc:docMk/>
+            <pc:sldMk cId="2791946749" sldId="258"/>
+            <ac:cxnSpMk id="8" creationId="{A7CD9A17-AA88-4C0D-8E68-B23241880081}"/>
+          </ac:cxnSpMkLst>
+        </pc:cxnChg>
+        <pc:cxnChg chg="add mod">
+          <ac:chgData name="Sam Domeier" userId="155abacd3a2e82ce" providerId="LiveId" clId="{52D49773-3330-45B1-8C15-3BDBA551940F}" dt="2021-03-12T19:06:22.382" v="2708" actId="1076"/>
+          <ac:cxnSpMkLst>
+            <pc:docMk/>
+            <pc:sldMk cId="2791946749" sldId="258"/>
+            <ac:cxnSpMk id="9" creationId="{0FEB4CB8-348D-4B84-B9FD-4DF9A43C9380}"/>
+          </ac:cxnSpMkLst>
+        </pc:cxnChg>
+      </pc:sldChg>
+      <pc:sldChg chg="addSp delSp modSp new mod">
+        <pc:chgData name="Sam Domeier" userId="155abacd3a2e82ce" providerId="LiveId" clId="{52D49773-3330-45B1-8C15-3BDBA551940F}" dt="2021-03-12T19:06:24.321" v="2709"/>
+        <pc:sldMkLst>
+          <pc:docMk/>
+          <pc:sldMk cId="3344483658" sldId="259"/>
+        </pc:sldMkLst>
+        <pc:spChg chg="mod">
+          <ac:chgData name="Sam Domeier" userId="155abacd3a2e82ce" providerId="LiveId" clId="{52D49773-3330-45B1-8C15-3BDBA551940F}" dt="2021-03-12T18:53:03.850" v="1627"/>
+          <ac:spMkLst>
+            <pc:docMk/>
+            <pc:sldMk cId="3344483658" sldId="259"/>
+            <ac:spMk id="2" creationId="{B815774C-447B-49BE-8B9C-6746355C17E6}"/>
+          </ac:spMkLst>
+        </pc:spChg>
+        <pc:spChg chg="mod">
+          <ac:chgData name="Sam Domeier" userId="155abacd3a2e82ce" providerId="LiveId" clId="{52D49773-3330-45B1-8C15-3BDBA551940F}" dt="2021-03-12T19:05:35.554" v="2705" actId="20577"/>
+          <ac:spMkLst>
+            <pc:docMk/>
+            <pc:sldMk cId="3344483658" sldId="259"/>
+            <ac:spMk id="3" creationId="{2976F89E-2B65-4C06-9677-2FCACD699696}"/>
+          </ac:spMkLst>
+        </pc:spChg>
+        <pc:picChg chg="add mod">
+          <ac:chgData name="Sam Domeier" userId="155abacd3a2e82ce" providerId="LiveId" clId="{52D49773-3330-45B1-8C15-3BDBA551940F}" dt="2021-03-12T19:04:34.639" v="2501" actId="1076"/>
+          <ac:picMkLst>
+            <pc:docMk/>
+            <pc:sldMk cId="3344483658" sldId="259"/>
+            <ac:picMk id="7" creationId="{9C038F9D-E3C2-42E5-8237-164BD7A953FF}"/>
+          </ac:picMkLst>
+        </pc:picChg>
+        <pc:cxnChg chg="add mod">
+          <ac:chgData name="Sam Domeier" userId="155abacd3a2e82ce" providerId="LiveId" clId="{52D49773-3330-45B1-8C15-3BDBA551940F}" dt="2021-03-12T18:53:09.221" v="1628"/>
+          <ac:cxnSpMkLst>
+            <pc:docMk/>
+            <pc:sldMk cId="3344483658" sldId="259"/>
+            <ac:cxnSpMk id="4" creationId="{2F02B04B-1139-4F04-B584-347D3F4D3766}"/>
+          </ac:cxnSpMkLst>
+        </pc:cxnChg>
+        <pc:cxnChg chg="add del mod">
+          <ac:chgData name="Sam Domeier" userId="155abacd3a2e82ce" providerId="LiveId" clId="{52D49773-3330-45B1-8C15-3BDBA551940F}" dt="2021-03-12T19:06:16.528" v="2707" actId="478"/>
+          <ac:cxnSpMkLst>
+            <pc:docMk/>
+            <pc:sldMk cId="3344483658" sldId="259"/>
+            <ac:cxnSpMk id="5" creationId="{21569B6D-1952-4BD7-BAC3-2FD1019D26BB}"/>
+          </ac:cxnSpMkLst>
+        </pc:cxnChg>
+        <pc:cxnChg chg="add mod">
+          <ac:chgData name="Sam Domeier" userId="155abacd3a2e82ce" providerId="LiveId" clId="{52D49773-3330-45B1-8C15-3BDBA551940F}" dt="2021-03-12T19:06:24.321" v="2709"/>
+          <ac:cxnSpMkLst>
+            <pc:docMk/>
+            <pc:sldMk cId="3344483658" sldId="259"/>
+            <ac:cxnSpMk id="8" creationId="{C7C06BF9-FCC7-4D57-AFB4-CEE5386D947C}"/>
+          </ac:cxnSpMkLst>
+        </pc:cxnChg>
+      </pc:sldChg>
+      <pc:sldChg chg="addSp modSp new mod">
+        <pc:chgData name="Sam Domeier" userId="155abacd3a2e82ce" providerId="LiveId" clId="{52D49773-3330-45B1-8C15-3BDBA551940F}" dt="2021-03-12T19:11:56.213" v="3348" actId="207"/>
+        <pc:sldMkLst>
+          <pc:docMk/>
+          <pc:sldMk cId="2970251820" sldId="260"/>
+        </pc:sldMkLst>
+        <pc:spChg chg="mod">
+          <ac:chgData name="Sam Domeier" userId="155abacd3a2e82ce" providerId="LiveId" clId="{52D49773-3330-45B1-8C15-3BDBA551940F}" dt="2021-03-12T19:06:59.972" v="2721" actId="20577"/>
+          <ac:spMkLst>
+            <pc:docMk/>
+            <pc:sldMk cId="2970251820" sldId="260"/>
+            <ac:spMk id="2" creationId="{2C6EE046-4BBD-4EFF-B5B2-FC6525FC6CA1}"/>
+          </ac:spMkLst>
+        </pc:spChg>
+        <pc:spChg chg="mod">
+          <ac:chgData name="Sam Domeier" userId="155abacd3a2e82ce" providerId="LiveId" clId="{52D49773-3330-45B1-8C15-3BDBA551940F}" dt="2021-03-12T19:11:56.213" v="3348" actId="207"/>
+          <ac:spMkLst>
+            <pc:docMk/>
+            <pc:sldMk cId="2970251820" sldId="260"/>
+            <ac:spMk id="3" creationId="{DD892FA0-3165-4727-8D69-A79176A6116B}"/>
+          </ac:spMkLst>
+        </pc:spChg>
+        <pc:cxnChg chg="add mod">
+          <ac:chgData name="Sam Domeier" userId="155abacd3a2e82ce" providerId="LiveId" clId="{52D49773-3330-45B1-8C15-3BDBA551940F}" dt="2021-03-12T19:06:48.522" v="2711"/>
+          <ac:cxnSpMkLst>
+            <pc:docMk/>
+            <pc:sldMk cId="2970251820" sldId="260"/>
+            <ac:cxnSpMk id="4" creationId="{FD7B0349-B650-476A-BCC4-B01767C69688}"/>
+          </ac:cxnSpMkLst>
+        </pc:cxnChg>
+        <pc:cxnChg chg="add mod">
+          <ac:chgData name="Sam Domeier" userId="155abacd3a2e82ce" providerId="LiveId" clId="{52D49773-3330-45B1-8C15-3BDBA551940F}" dt="2021-03-12T19:06:48.522" v="2711"/>
+          <ac:cxnSpMkLst>
+            <pc:docMk/>
+            <pc:sldMk cId="2970251820" sldId="260"/>
+            <ac:cxnSpMk id="5" creationId="{15710D15-C544-4A75-8401-5D3C1E96E64D}"/>
+          </ac:cxnSpMkLst>
+        </pc:cxnChg>
+      </pc:sldChg>
+      <pc:sldChg chg="addSp delSp modSp new mod">
+        <pc:chgData name="Sam Domeier" userId="155abacd3a2e82ce" providerId="LiveId" clId="{52D49773-3330-45B1-8C15-3BDBA551940F}" dt="2021-03-12T19:26:55.318" v="5374"/>
+        <pc:sldMkLst>
+          <pc:docMk/>
+          <pc:sldMk cId="1843811840" sldId="261"/>
+        </pc:sldMkLst>
+        <pc:spChg chg="mod">
+          <ac:chgData name="Sam Domeier" userId="155abacd3a2e82ce" providerId="LiveId" clId="{52D49773-3330-45B1-8C15-3BDBA551940F}" dt="2021-03-12T19:12:45.351" v="3372" actId="20577"/>
+          <ac:spMkLst>
+            <pc:docMk/>
+            <pc:sldMk cId="1843811840" sldId="261"/>
+            <ac:spMk id="2" creationId="{DEB113F4-2E7D-4B97-96DB-19692D33234C}"/>
+          </ac:spMkLst>
+        </pc:spChg>
+        <pc:spChg chg="mod">
+          <ac:chgData name="Sam Domeier" userId="155abacd3a2e82ce" providerId="LiveId" clId="{52D49773-3330-45B1-8C15-3BDBA551940F}" dt="2021-03-12T19:22:48.433" v="4891" actId="207"/>
+          <ac:spMkLst>
+            <pc:docMk/>
+            <pc:sldMk cId="1843811840" sldId="261"/>
+            <ac:spMk id="3" creationId="{82402780-1D67-4FC4-89C9-2900ED736438}"/>
+          </ac:spMkLst>
+        </pc:spChg>
+        <pc:cxnChg chg="add mod">
+          <ac:chgData name="Sam Domeier" userId="155abacd3a2e82ce" providerId="LiveId" clId="{52D49773-3330-45B1-8C15-3BDBA551940F}" dt="2021-03-12T19:12:34.166" v="3350"/>
+          <ac:cxnSpMkLst>
+            <pc:docMk/>
+            <pc:sldMk cId="1843811840" sldId="261"/>
+            <ac:cxnSpMk id="4" creationId="{CC9B38D6-D000-42E1-B19C-BF709E3DF056}"/>
+          </ac:cxnSpMkLst>
+        </pc:cxnChg>
+        <pc:cxnChg chg="add mod">
+          <ac:chgData name="Sam Domeier" userId="155abacd3a2e82ce" providerId="LiveId" clId="{52D49773-3330-45B1-8C15-3BDBA551940F}" dt="2021-03-12T19:21:47.414" v="4841" actId="1076"/>
+          <ac:cxnSpMkLst>
+            <pc:docMk/>
+            <pc:sldMk cId="1843811840" sldId="261"/>
+            <ac:cxnSpMk id="5" creationId="{0A783138-3189-48D0-AE91-D6FF6CC234BD}"/>
+          </ac:cxnSpMkLst>
+        </pc:cxnChg>
+        <pc:cxnChg chg="add del mod">
+          <ac:chgData name="Sam Domeier" userId="155abacd3a2e82ce" providerId="LiveId" clId="{52D49773-3330-45B1-8C15-3BDBA551940F}" dt="2021-03-12T19:26:55.318" v="5374"/>
+          <ac:cxnSpMkLst>
+            <pc:docMk/>
+            <pc:sldMk cId="1843811840" sldId="261"/>
+            <ac:cxnSpMk id="6" creationId="{61B7EA61-7200-4004-BAFB-0411A58E5336}"/>
+          </ac:cxnSpMkLst>
+        </pc:cxnChg>
+      </pc:sldChg>
+      <pc:sldChg chg="addSp delSp modSp add mod">
+        <pc:chgData name="Sam Domeier" userId="155abacd3a2e82ce" providerId="LiveId" clId="{52D49773-3330-45B1-8C15-3BDBA551940F}" dt="2021-03-12T20:05:47.555" v="8189" actId="207"/>
+        <pc:sldMkLst>
+          <pc:docMk/>
+          <pc:sldMk cId="2896637304" sldId="262"/>
+        </pc:sldMkLst>
+        <pc:spChg chg="mod">
+          <ac:chgData name="Sam Domeier" userId="155abacd3a2e82ce" providerId="LiveId" clId="{52D49773-3330-45B1-8C15-3BDBA551940F}" dt="2021-03-12T19:22:29.347" v="4859" actId="20577"/>
+          <ac:spMkLst>
+            <pc:docMk/>
+            <pc:sldMk cId="2896637304" sldId="262"/>
+            <ac:spMk id="2" creationId="{DEB113F4-2E7D-4B97-96DB-19692D33234C}"/>
+          </ac:spMkLst>
+        </pc:spChg>
+        <pc:spChg chg="mod">
+          <ac:chgData name="Sam Domeier" userId="155abacd3a2e82ce" providerId="LiveId" clId="{52D49773-3330-45B1-8C15-3BDBA551940F}" dt="2021-03-12T20:05:47.555" v="8189" actId="207"/>
+          <ac:spMkLst>
+            <pc:docMk/>
+            <pc:sldMk cId="2896637304" sldId="262"/>
+            <ac:spMk id="3" creationId="{82402780-1D67-4FC4-89C9-2900ED736438}"/>
+          </ac:spMkLst>
+        </pc:spChg>
+        <pc:cxnChg chg="del mod">
+          <ac:chgData name="Sam Domeier" userId="155abacd3a2e82ce" providerId="LiveId" clId="{52D49773-3330-45B1-8C15-3BDBA551940F}" dt="2021-03-12T19:30:37.808" v="5717" actId="478"/>
+          <ac:cxnSpMkLst>
+            <pc:docMk/>
+            <pc:sldMk cId="2896637304" sldId="262"/>
+            <ac:cxnSpMk id="5" creationId="{0A783138-3189-48D0-AE91-D6FF6CC234BD}"/>
+          </ac:cxnSpMkLst>
+        </pc:cxnChg>
+        <pc:cxnChg chg="add mod">
+          <ac:chgData name="Sam Domeier" userId="155abacd3a2e82ce" providerId="LiveId" clId="{52D49773-3330-45B1-8C15-3BDBA551940F}" dt="2021-03-12T19:32:09.406" v="5844" actId="1076"/>
+          <ac:cxnSpMkLst>
+            <pc:docMk/>
+            <pc:sldMk cId="2896637304" sldId="262"/>
+            <ac:cxnSpMk id="6" creationId="{370D5E76-6676-4E9F-9B90-426539D66633}"/>
+          </ac:cxnSpMkLst>
+        </pc:cxnChg>
+        <pc:cxnChg chg="add del mod">
+          <ac:chgData name="Sam Domeier" userId="155abacd3a2e82ce" providerId="LiveId" clId="{52D49773-3330-45B1-8C15-3BDBA551940F}" dt="2021-03-12T19:32:07.024" v="5843"/>
+          <ac:cxnSpMkLst>
+            <pc:docMk/>
+            <pc:sldMk cId="2896637304" sldId="262"/>
+            <ac:cxnSpMk id="7" creationId="{DA6962A3-1478-43F3-8B92-3B6400FD2449}"/>
+          </ac:cxnSpMkLst>
+        </pc:cxnChg>
+      </pc:sldChg>
+      <pc:sldChg chg="addSp delSp modSp add mod">
+        <pc:chgData name="Sam Domeier" userId="155abacd3a2e82ce" providerId="LiveId" clId="{52D49773-3330-45B1-8C15-3BDBA551940F}" dt="2021-03-12T20:05:39.735" v="8188" actId="207"/>
+        <pc:sldMkLst>
+          <pc:docMk/>
+          <pc:sldMk cId="635666173" sldId="263"/>
+        </pc:sldMkLst>
+        <pc:spChg chg="mod">
+          <ac:chgData name="Sam Domeier" userId="155abacd3a2e82ce" providerId="LiveId" clId="{52D49773-3330-45B1-8C15-3BDBA551940F}" dt="2021-03-12T19:32:33.677" v="5851" actId="20577"/>
+          <ac:spMkLst>
+            <pc:docMk/>
+            <pc:sldMk cId="635666173" sldId="263"/>
+            <ac:spMk id="2" creationId="{DEB113F4-2E7D-4B97-96DB-19692D33234C}"/>
+          </ac:spMkLst>
+        </pc:spChg>
+        <pc:spChg chg="del mod">
+          <ac:chgData name="Sam Domeier" userId="155abacd3a2e82ce" providerId="LiveId" clId="{52D49773-3330-45B1-8C15-3BDBA551940F}" dt="2021-03-12T19:32:50.926" v="5854" actId="931"/>
+          <ac:spMkLst>
+            <pc:docMk/>
+            <pc:sldMk cId="635666173" sldId="263"/>
+            <ac:spMk id="3" creationId="{82402780-1D67-4FC4-89C9-2900ED736438}"/>
+          </ac:spMkLst>
+        </pc:spChg>
+        <pc:spChg chg="add mod">
+          <ac:chgData name="Sam Domeier" userId="155abacd3a2e82ce" providerId="LiveId" clId="{52D49773-3330-45B1-8C15-3BDBA551940F}" dt="2021-03-12T19:38:23.649" v="6046" actId="14100"/>
+          <ac:spMkLst>
+            <pc:docMk/>
+            <pc:sldMk cId="635666173" sldId="263"/>
+            <ac:spMk id="12" creationId="{E271C425-22C0-46B6-863D-5329B1580870}"/>
+          </ac:spMkLst>
+        </pc:spChg>
+        <pc:spChg chg="add del mod ord">
+          <ac:chgData name="Sam Domeier" userId="155abacd3a2e82ce" providerId="LiveId" clId="{52D49773-3330-45B1-8C15-3BDBA551940F}" dt="2021-03-12T19:44:17.968" v="6454" actId="478"/>
+          <ac:spMkLst>
+            <pc:docMk/>
+            <pc:sldMk cId="635666173" sldId="263"/>
+            <ac:spMk id="13" creationId="{6BE25B13-4B2B-4638-A836-4CDB294C18CE}"/>
+          </ac:spMkLst>
+        </pc:spChg>
+        <pc:spChg chg="add mod">
+          <ac:chgData name="Sam Domeier" userId="155abacd3a2e82ce" providerId="LiveId" clId="{52D49773-3330-45B1-8C15-3BDBA551940F}" dt="2021-03-12T19:45:17.573" v="6464" actId="1076"/>
+          <ac:spMkLst>
+            <pc:docMk/>
+            <pc:sldMk cId="635666173" sldId="263"/>
+            <ac:spMk id="14" creationId="{A25A95B9-C033-4A19-A3CD-339193B9464E}"/>
+          </ac:spMkLst>
+        </pc:spChg>
+        <pc:spChg chg="add mod">
+          <ac:chgData name="Sam Domeier" userId="155abacd3a2e82ce" providerId="LiveId" clId="{52D49773-3330-45B1-8C15-3BDBA551940F}" dt="2021-03-12T19:45:17.573" v="6464" actId="1076"/>
+          <ac:spMkLst>
+            <pc:docMk/>
+            <pc:sldMk cId="635666173" sldId="263"/>
+            <ac:spMk id="15" creationId="{A6A0F7B1-0502-496C-84A0-6BD993B73459}"/>
+          </ac:spMkLst>
+        </pc:spChg>
+        <pc:spChg chg="add mod">
+          <ac:chgData name="Sam Domeier" userId="155abacd3a2e82ce" providerId="LiveId" clId="{52D49773-3330-45B1-8C15-3BDBA551940F}" dt="2021-03-12T19:45:17.573" v="6464" actId="1076"/>
+          <ac:spMkLst>
+            <pc:docMk/>
+            <pc:sldMk cId="635666173" sldId="263"/>
+            <ac:spMk id="16" creationId="{B3949E1C-F191-4B0B-B961-0B9967A0637E}"/>
+          </ac:spMkLst>
+        </pc:spChg>
+        <pc:spChg chg="add mod">
+          <ac:chgData name="Sam Domeier" userId="155abacd3a2e82ce" providerId="LiveId" clId="{52D49773-3330-45B1-8C15-3BDBA551940F}" dt="2021-03-12T20:05:39.735" v="8188" actId="207"/>
+          <ac:spMkLst>
+            <pc:docMk/>
+            <pc:sldMk cId="635666173" sldId="263"/>
+            <ac:spMk id="17" creationId="{4B16726C-5DE7-40E3-BDB3-E249EC1D027C}"/>
+          </ac:spMkLst>
+        </pc:spChg>
+        <pc:picChg chg="add mod">
+          <ac:chgData name="Sam Domeier" userId="155abacd3a2e82ce" providerId="LiveId" clId="{52D49773-3330-45B1-8C15-3BDBA551940F}" dt="2021-03-12T19:45:17.573" v="6464" actId="1076"/>
+          <ac:picMkLst>
+            <pc:docMk/>
+            <pc:sldMk cId="635666173" sldId="263"/>
+            <ac:picMk id="7" creationId="{55BA9B40-7834-48CB-A258-C0072B44E4FA}"/>
+          </ac:picMkLst>
+        </pc:picChg>
+        <pc:picChg chg="add mod">
+          <ac:chgData name="Sam Domeier" userId="155abacd3a2e82ce" providerId="LiveId" clId="{52D49773-3330-45B1-8C15-3BDBA551940F}" dt="2021-03-12T19:45:17.573" v="6464" actId="1076"/>
+          <ac:picMkLst>
+            <pc:docMk/>
+            <pc:sldMk cId="635666173" sldId="263"/>
+            <ac:picMk id="9" creationId="{83CBBDC5-964B-4D39-847C-D6D019072E3C}"/>
+          </ac:picMkLst>
+        </pc:picChg>
+        <pc:picChg chg="add mod">
+          <ac:chgData name="Sam Domeier" userId="155abacd3a2e82ce" providerId="LiveId" clId="{52D49773-3330-45B1-8C15-3BDBA551940F}" dt="2021-03-12T19:45:17.573" v="6464" actId="1076"/>
+          <ac:picMkLst>
+            <pc:docMk/>
+            <pc:sldMk cId="635666173" sldId="263"/>
+            <ac:picMk id="11" creationId="{A65155AC-2B8E-43FB-91B9-57AFCEAEDC39}"/>
+          </ac:picMkLst>
+        </pc:picChg>
+      </pc:sldChg>
+      <pc:sldChg chg="addSp delSp modSp add mod">
+        <pc:chgData name="Sam Domeier" userId="155abacd3a2e82ce" providerId="LiveId" clId="{52D49773-3330-45B1-8C15-3BDBA551940F}" dt="2021-03-12T19:45:50.949" v="6466" actId="1076"/>
+        <pc:sldMkLst>
+          <pc:docMk/>
+          <pc:sldMk cId="4292843537" sldId="264"/>
+        </pc:sldMkLst>
+        <pc:spChg chg="mod">
+          <ac:chgData name="Sam Domeier" userId="155abacd3a2e82ce" providerId="LiveId" clId="{52D49773-3330-45B1-8C15-3BDBA551940F}" dt="2021-03-12T19:37:54.217" v="6042"/>
+          <ac:spMkLst>
+            <pc:docMk/>
+            <pc:sldMk cId="4292843537" sldId="264"/>
+            <ac:spMk id="2" creationId="{DEB113F4-2E7D-4B97-96DB-19692D33234C}"/>
+          </ac:spMkLst>
+        </pc:spChg>
+        <pc:spChg chg="del">
+          <ac:chgData name="Sam Domeier" userId="155abacd3a2e82ce" providerId="LiveId" clId="{52D49773-3330-45B1-8C15-3BDBA551940F}" dt="2021-03-12T19:41:00.480" v="6202" actId="931"/>
+          <ac:spMkLst>
+            <pc:docMk/>
+            <pc:sldMk cId="4292843537" sldId="264"/>
+            <ac:spMk id="3" creationId="{82402780-1D67-4FC4-89C9-2900ED736438}"/>
+          </ac:spMkLst>
+        </pc:spChg>
+        <pc:spChg chg="add mod">
+          <ac:chgData name="Sam Domeier" userId="155abacd3a2e82ce" providerId="LiveId" clId="{52D49773-3330-45B1-8C15-3BDBA551940F}" dt="2021-03-12T19:42:37.827" v="6430" actId="20577"/>
+          <ac:spMkLst>
+            <pc:docMk/>
+            <pc:sldMk cId="4292843537" sldId="264"/>
+            <ac:spMk id="8" creationId="{48BB30EC-BEF6-4A01-91DE-0293B08E0B07}"/>
+          </ac:spMkLst>
+        </pc:spChg>
+        <pc:spChg chg="add del mod ord">
+          <ac:chgData name="Sam Domeier" userId="155abacd3a2e82ce" providerId="LiveId" clId="{52D49773-3330-45B1-8C15-3BDBA551940F}" dt="2021-03-12T19:43:18.238" v="6441" actId="478"/>
+          <ac:spMkLst>
+            <pc:docMk/>
+            <pc:sldMk cId="4292843537" sldId="264"/>
+            <ac:spMk id="9" creationId="{59FD7A26-7593-4023-A858-DFE9B99DF155}"/>
+          </ac:spMkLst>
+        </pc:spChg>
+        <pc:picChg chg="add mod">
+          <ac:chgData name="Sam Domeier" userId="155abacd3a2e82ce" providerId="LiveId" clId="{52D49773-3330-45B1-8C15-3BDBA551940F}" dt="2021-03-12T19:45:29.158" v="6465" actId="1076"/>
+          <ac:picMkLst>
+            <pc:docMk/>
+            <pc:sldMk cId="4292843537" sldId="264"/>
+            <ac:picMk id="7" creationId="{A2FBBB17-CBC1-4ABB-A787-1A75EC91557D}"/>
+          </ac:picMkLst>
+        </pc:picChg>
+        <pc:cxnChg chg="mod">
+          <ac:chgData name="Sam Domeier" userId="155abacd3a2e82ce" providerId="LiveId" clId="{52D49773-3330-45B1-8C15-3BDBA551940F}" dt="2021-03-12T19:45:50.949" v="6466" actId="1076"/>
+          <ac:cxnSpMkLst>
+            <pc:docMk/>
+            <pc:sldMk cId="4292843537" sldId="264"/>
+            <ac:cxnSpMk id="5" creationId="{0A783138-3189-48D0-AE91-D6FF6CC234BD}"/>
+          </ac:cxnSpMkLst>
+        </pc:cxnChg>
+      </pc:sldChg>
+      <pc:sldChg chg="addSp modSp new mod">
+        <pc:chgData name="Sam Domeier" userId="155abacd3a2e82ce" providerId="LiveId" clId="{52D49773-3330-45B1-8C15-3BDBA551940F}" dt="2021-03-12T20:12:06.070" v="8357" actId="20577"/>
+        <pc:sldMkLst>
+          <pc:docMk/>
+          <pc:sldMk cId="4166095811" sldId="265"/>
+        </pc:sldMkLst>
+        <pc:spChg chg="mod">
+          <ac:chgData name="Sam Domeier" userId="155abacd3a2e82ce" providerId="LiveId" clId="{52D49773-3330-45B1-8C15-3BDBA551940F}" dt="2021-03-12T20:12:06.070" v="8357" actId="20577"/>
+          <ac:spMkLst>
+            <pc:docMk/>
+            <pc:sldMk cId="4166095811" sldId="265"/>
+            <ac:spMk id="2" creationId="{D077C384-6C42-4BAA-BCD1-D42D0C47BF18}"/>
+          </ac:spMkLst>
+        </pc:spChg>
+        <pc:spChg chg="mod">
+          <ac:chgData name="Sam Domeier" userId="155abacd3a2e82ce" providerId="LiveId" clId="{52D49773-3330-45B1-8C15-3BDBA551940F}" dt="2021-03-12T20:05:21.934" v="8186" actId="207"/>
+          <ac:spMkLst>
+            <pc:docMk/>
+            <pc:sldMk cId="4166095811" sldId="265"/>
+            <ac:spMk id="3" creationId="{7DE83440-6CDE-411F-A41C-F26049E006C0}"/>
+          </ac:spMkLst>
+        </pc:spChg>
+        <pc:cxnChg chg="add mod">
+          <ac:chgData name="Sam Domeier" userId="155abacd3a2e82ce" providerId="LiveId" clId="{52D49773-3330-45B1-8C15-3BDBA551940F}" dt="2021-03-12T19:46:22.188" v="6468"/>
+          <ac:cxnSpMkLst>
+            <pc:docMk/>
+            <pc:sldMk cId="4166095811" sldId="265"/>
+            <ac:cxnSpMk id="4" creationId="{146824E6-55E8-4DF4-9CAB-8C0504A4F0A3}"/>
+          </ac:cxnSpMkLst>
+        </pc:cxnChg>
+        <pc:cxnChg chg="add mod">
+          <ac:chgData name="Sam Domeier" userId="155abacd3a2e82ce" providerId="LiveId" clId="{52D49773-3330-45B1-8C15-3BDBA551940F}" dt="2021-03-12T19:57:20.422" v="7566" actId="1076"/>
+          <ac:cxnSpMkLst>
+            <pc:docMk/>
+            <pc:sldMk cId="4166095811" sldId="265"/>
+            <ac:cxnSpMk id="5" creationId="{E0144A09-F34D-4042-B28F-0205AE61D216}"/>
+          </ac:cxnSpMkLst>
+        </pc:cxnChg>
+      </pc:sldChg>
+      <pc:sldChg chg="addSp modSp new mod">
+        <pc:chgData name="Sam Domeier" userId="155abacd3a2e82ce" providerId="LiveId" clId="{52D49773-3330-45B1-8C15-3BDBA551940F}" dt="2021-03-12T20:05:30.090" v="8187" actId="207"/>
+        <pc:sldMkLst>
+          <pc:docMk/>
+          <pc:sldMk cId="827961660" sldId="266"/>
+        </pc:sldMkLst>
+        <pc:spChg chg="mod">
+          <ac:chgData name="Sam Domeier" userId="155abacd3a2e82ce" providerId="LiveId" clId="{52D49773-3330-45B1-8C15-3BDBA551940F}" dt="2021-03-12T19:58:25.247" v="7629" actId="20577"/>
+          <ac:spMkLst>
+            <pc:docMk/>
+            <pc:sldMk cId="827961660" sldId="266"/>
+            <ac:spMk id="2" creationId="{6C5E2690-DD71-432A-97F6-B7B99DAF334F}"/>
+          </ac:spMkLst>
+        </pc:spChg>
+        <pc:spChg chg="mod">
+          <ac:chgData name="Sam Domeier" userId="155abacd3a2e82ce" providerId="LiveId" clId="{52D49773-3330-45B1-8C15-3BDBA551940F}" dt="2021-03-12T20:05:30.090" v="8187" actId="207"/>
+          <ac:spMkLst>
+            <pc:docMk/>
+            <pc:sldMk cId="827961660" sldId="266"/>
+            <ac:spMk id="3" creationId="{E061ABE3-8D6A-427F-8AA8-2892B46C4C88}"/>
+          </ac:spMkLst>
+        </pc:spChg>
+        <pc:cxnChg chg="add mod">
+          <ac:chgData name="Sam Domeier" userId="155abacd3a2e82ce" providerId="LiveId" clId="{52D49773-3330-45B1-8C15-3BDBA551940F}" dt="2021-03-12T19:57:15.182" v="7565"/>
+          <ac:cxnSpMkLst>
+            <pc:docMk/>
+            <pc:sldMk cId="827961660" sldId="266"/>
+            <ac:cxnSpMk id="4" creationId="{2F9466A3-2644-48BB-BCBE-8309398F64C7}"/>
+          </ac:cxnSpMkLst>
+        </pc:cxnChg>
+        <pc:cxnChg chg="add mod">
+          <ac:chgData name="Sam Domeier" userId="155abacd3a2e82ce" providerId="LiveId" clId="{52D49773-3330-45B1-8C15-3BDBA551940F}" dt="2021-03-12T20:00:25.258" v="8041" actId="1076"/>
+          <ac:cxnSpMkLst>
+            <pc:docMk/>
+            <pc:sldMk cId="827961660" sldId="266"/>
+            <ac:cxnSpMk id="5" creationId="{C9B45BAE-ED0D-47BB-89BF-2702A6DD8528}"/>
+          </ac:cxnSpMkLst>
+        </pc:cxnChg>
+      </pc:sldChg>
+      <pc:sldChg chg="addSp delSp modSp new mod setBg">
+        <pc:chgData name="Sam Domeier" userId="155abacd3a2e82ce" providerId="LiveId" clId="{52D49773-3330-45B1-8C15-3BDBA551940F}" dt="2021-03-12T20:04:55.198" v="8185" actId="208"/>
+        <pc:sldMkLst>
+          <pc:docMk/>
+          <pc:sldMk cId="1781820224" sldId="267"/>
+        </pc:sldMkLst>
+        <pc:spChg chg="mod">
+          <ac:chgData name="Sam Domeier" userId="155abacd3a2e82ce" providerId="LiveId" clId="{52D49773-3330-45B1-8C15-3BDBA551940F}" dt="2021-03-12T20:04:12.095" v="8181" actId="1076"/>
+          <ac:spMkLst>
+            <pc:docMk/>
+            <pc:sldMk cId="1781820224" sldId="267"/>
+            <ac:spMk id="2" creationId="{006B2C27-9AB3-4714-B3FE-E3A0D1AAED1E}"/>
+          </ac:spMkLst>
+        </pc:spChg>
+        <pc:spChg chg="del">
+          <ac:chgData name="Sam Domeier" userId="155abacd3a2e82ce" providerId="LiveId" clId="{52D49773-3330-45B1-8C15-3BDBA551940F}" dt="2021-03-12T20:00:46.675" v="8043" actId="478"/>
+          <ac:spMkLst>
+            <pc:docMk/>
+            <pc:sldMk cId="1781820224" sldId="267"/>
+            <ac:spMk id="3" creationId="{4DFDF918-450F-4EAD-97FE-FEAF6EF85C81}"/>
+          </ac:spMkLst>
+        </pc:spChg>
+        <pc:picChg chg="add mod">
+          <ac:chgData name="Sam Domeier" userId="155abacd3a2e82ce" providerId="LiveId" clId="{52D49773-3330-45B1-8C15-3BDBA551940F}" dt="2021-03-12T20:04:20.016" v="8182" actId="1076"/>
+          <ac:picMkLst>
+            <pc:docMk/>
+            <pc:sldMk cId="1781820224" sldId="267"/>
+            <ac:picMk id="5" creationId="{E06102B1-957A-44E6-8755-508465B401C0}"/>
+          </ac:picMkLst>
+        </pc:picChg>
+        <pc:picChg chg="add mod">
+          <ac:chgData name="Sam Domeier" userId="155abacd3a2e82ce" providerId="LiveId" clId="{52D49773-3330-45B1-8C15-3BDBA551940F}" dt="2021-03-12T20:04:20.016" v="8182" actId="1076"/>
+          <ac:picMkLst>
+            <pc:docMk/>
+            <pc:sldMk cId="1781820224" sldId="267"/>
+            <ac:picMk id="7" creationId="{1044622E-A0F3-4F0E-BF16-76BBF7838D6F}"/>
+          </ac:picMkLst>
+        </pc:picChg>
+        <pc:cxnChg chg="add mod">
+          <ac:chgData name="Sam Domeier" userId="155abacd3a2e82ce" providerId="LiveId" clId="{52D49773-3330-45B1-8C15-3BDBA551940F}" dt="2021-03-12T20:04:55.198" v="8185" actId="208"/>
+          <ac:cxnSpMkLst>
+            <pc:docMk/>
+            <pc:sldMk cId="1781820224" sldId="267"/>
+            <ac:cxnSpMk id="9" creationId="{7048CEBA-7E5F-4CEE-B95D-4EBD1FE409D3}"/>
+          </ac:cxnSpMkLst>
+        </pc:cxnChg>
+      </pc:sldChg>
+      <pc:sldChg chg="addSp delSp modSp new mod">
+        <pc:chgData name="Sam Domeier" userId="155abacd3a2e82ce" providerId="LiveId" clId="{52D49773-3330-45B1-8C15-3BDBA551940F}" dt="2021-03-12T20:11:50.668" v="8353" actId="20577"/>
+        <pc:sldMkLst>
+          <pc:docMk/>
+          <pc:sldMk cId="4275927704" sldId="268"/>
+        </pc:sldMkLst>
+        <pc:spChg chg="mod">
+          <ac:chgData name="Sam Domeier" userId="155abacd3a2e82ce" providerId="LiveId" clId="{52D49773-3330-45B1-8C15-3BDBA551940F}" dt="2021-03-12T20:06:31.593" v="8199" actId="20577"/>
+          <ac:spMkLst>
+            <pc:docMk/>
+            <pc:sldMk cId="4275927704" sldId="268"/>
+            <ac:spMk id="2" creationId="{53E4F832-6FE9-403D-ACEF-1A25ABBD8B32}"/>
+          </ac:spMkLst>
+        </pc:spChg>
+        <pc:spChg chg="mod">
+          <ac:chgData name="Sam Domeier" userId="155abacd3a2e82ce" providerId="LiveId" clId="{52D49773-3330-45B1-8C15-3BDBA551940F}" dt="2021-03-12T20:11:50.668" v="8353" actId="20577"/>
+          <ac:spMkLst>
+            <pc:docMk/>
+            <pc:sldMk cId="4275927704" sldId="268"/>
+            <ac:spMk id="3" creationId="{EE3D0882-9095-433B-B09C-4118461E068B}"/>
+          </ac:spMkLst>
+        </pc:spChg>
+        <pc:picChg chg="add del mod">
+          <ac:chgData name="Sam Domeier" userId="155abacd3a2e82ce" providerId="LiveId" clId="{52D49773-3330-45B1-8C15-3BDBA551940F}" dt="2021-03-12T20:10:48.621" v="8348" actId="478"/>
+          <ac:picMkLst>
+            <pc:docMk/>
+            <pc:sldMk cId="4275927704" sldId="268"/>
+            <ac:picMk id="1026" creationId="{3503A07C-B5E1-4682-9762-CC2893E2DBBE}"/>
+          </ac:picMkLst>
+        </pc:picChg>
+        <pc:picChg chg="add mod">
+          <ac:chgData name="Sam Domeier" userId="155abacd3a2e82ce" providerId="LiveId" clId="{52D49773-3330-45B1-8C15-3BDBA551940F}" dt="2021-03-12T20:11:18.142" v="8352" actId="1076"/>
+          <ac:picMkLst>
+            <pc:docMk/>
+            <pc:sldMk cId="4275927704" sldId="268"/>
+            <ac:picMk id="1028" creationId="{DBCF0FF7-EF8D-48FD-84A7-FE636D8CE545}"/>
+          </ac:picMkLst>
+        </pc:picChg>
+        <pc:cxnChg chg="add mod">
+          <ac:chgData name="Sam Domeier" userId="155abacd3a2e82ce" providerId="LiveId" clId="{52D49773-3330-45B1-8C15-3BDBA551940F}" dt="2021-03-12T20:06:28.197" v="8191"/>
+          <ac:cxnSpMkLst>
+            <pc:docMk/>
+            <pc:sldMk cId="4275927704" sldId="268"/>
+            <ac:cxnSpMk id="4" creationId="{D3A15C19-FF15-43A6-89C6-89A276EE535C}"/>
+          </ac:cxnSpMkLst>
+        </pc:cxnChg>
+        <pc:cxnChg chg="add mod">
+          <ac:chgData name="Sam Domeier" userId="155abacd3a2e82ce" providerId="LiveId" clId="{52D49773-3330-45B1-8C15-3BDBA551940F}" dt="2021-03-12T20:07:34.438" v="8342" actId="1076"/>
+          <ac:cxnSpMkLst>
+            <pc:docMk/>
+            <pc:sldMk cId="4275927704" sldId="268"/>
+            <ac:cxnSpMk id="5" creationId="{FA774B16-E1D0-4739-92C9-624005CD370D}"/>
           </ac:cxnSpMkLst>
         </pc:cxnChg>
       </pc:sldChg>
@@ -3535,8 +4172,7 @@
           <a:lstStyle/>
           <a:p>
             <a:r>
-              <a:rPr lang="en-US" sz="3600" dirty="0">
-                <a:latin typeface="Arial" panose="020B0604020202020204" pitchFamily="34" charset="0"/>
+              <a:rPr lang="en-US" sz="4400" dirty="0">
                 <a:cs typeface="Arial" panose="020B0604020202020204" pitchFamily="34" charset="0"/>
               </a:rPr>
               <a:t>Foreign Exchange Binary Trading Model</a:t>
@@ -3578,7 +4214,6 @@
                     <a:lumMod val="50000"/>
                   </a:schemeClr>
                 </a:solidFill>
-                <a:latin typeface="Arial" panose="020B0604020202020204" pitchFamily="34" charset="0"/>
                 <a:cs typeface="Arial" panose="020B0604020202020204" pitchFamily="34" charset="0"/>
               </a:rPr>
               <a:t>Data Science Career Track</a:t>
@@ -3592,7 +4227,6 @@
                     <a:lumMod val="50000"/>
                   </a:schemeClr>
                 </a:solidFill>
-                <a:latin typeface="Arial" panose="020B0604020202020204" pitchFamily="34" charset="0"/>
                 <a:cs typeface="Arial" panose="020B0604020202020204" pitchFamily="34" charset="0"/>
               </a:rPr>
               <a:t>Sam Domeier</a:t>
@@ -3606,7 +4240,6 @@
                     <a:lumMod val="50000"/>
                   </a:schemeClr>
                 </a:solidFill>
-                <a:latin typeface="Arial" panose="020B0604020202020204" pitchFamily="34" charset="0"/>
                 <a:cs typeface="Arial" panose="020B0604020202020204" pitchFamily="34" charset="0"/>
               </a:rPr>
               <a:t>March 2021</a:t>
@@ -3630,7 +4263,7 @@
         </p:nvCxnSpPr>
         <p:spPr>
           <a:xfrm>
-            <a:off x="2037806" y="2572324"/>
+            <a:off x="1677079" y="2478818"/>
             <a:ext cx="4830619" cy="0"/>
           </a:xfrm>
           <a:prstGeom prst="line">
@@ -3675,7 +4308,7 @@
         </p:nvCxnSpPr>
         <p:spPr>
           <a:xfrm>
-            <a:off x="5432169" y="5077689"/>
+            <a:off x="5837381" y="5102855"/>
             <a:ext cx="4830619" cy="0"/>
           </a:xfrm>
           <a:prstGeom prst="line">
@@ -3717,6 +4350,1176 @@
 </p:sld>
 </file>
 
+<file path=ppt/slides/slide10.xml><?xml version="1.0" encoding="utf-8"?>
+<p:sld xmlns:a="http://schemas.openxmlformats.org/drawingml/2006/main" xmlns:r="http://schemas.openxmlformats.org/officeDocument/2006/relationships" xmlns:p="http://schemas.openxmlformats.org/presentationml/2006/main">
+  <p:cSld>
+    <p:spTree>
+      <p:nvGrpSpPr>
+        <p:cNvPr id="1" name=""/>
+        <p:cNvGrpSpPr/>
+        <p:nvPr/>
+      </p:nvGrpSpPr>
+      <p:grpSpPr>
+        <a:xfrm>
+          <a:off x="0" y="0"/>
+          <a:ext cx="0" cy="0"/>
+          <a:chOff x="0" y="0"/>
+          <a:chExt cx="0" cy="0"/>
+        </a:xfrm>
+      </p:grpSpPr>
+      <p:sp>
+        <p:nvSpPr>
+          <p:cNvPr id="2" name="Title 1">
+            <a:extLst>
+              <a:ext uri="{FF2B5EF4-FFF2-40B4-BE49-F238E27FC236}">
+                <a16:creationId xmlns:a16="http://schemas.microsoft.com/office/drawing/2014/main" id="{DEB113F4-2E7D-4B97-96DB-19692D33234C}"/>
+              </a:ext>
+            </a:extLst>
+          </p:cNvPr>
+          <p:cNvSpPr>
+            <a:spLocks noGrp="1"/>
+          </p:cNvSpPr>
+          <p:nvPr>
+            <p:ph type="title"/>
+          </p:nvPr>
+        </p:nvSpPr>
+        <p:spPr/>
+        <p:txBody>
+          <a:bodyPr/>
+          <a:lstStyle/>
+          <a:p>
+            <a:r>
+              <a:rPr lang="en-US" dirty="0"/>
+              <a:t>Modeling Results</a:t>
+            </a:r>
+          </a:p>
+        </p:txBody>
+      </p:sp>
+      <p:pic>
+        <p:nvPicPr>
+          <p:cNvPr id="7" name="Content Placeholder 6">
+            <a:extLst>
+              <a:ext uri="{FF2B5EF4-FFF2-40B4-BE49-F238E27FC236}">
+                <a16:creationId xmlns:a16="http://schemas.microsoft.com/office/drawing/2014/main" id="{A2FBBB17-CBC1-4ABB-A787-1A75EC91557D}"/>
+              </a:ext>
+            </a:extLst>
+          </p:cNvPr>
+          <p:cNvPicPr>
+            <a:picLocks noGrp="1" noChangeAspect="1"/>
+          </p:cNvPicPr>
+          <p:nvPr>
+            <p:ph idx="1"/>
+          </p:nvPr>
+        </p:nvPicPr>
+        <p:blipFill>
+          <a:blip r:embed="rId2">
+            <a:extLst>
+              <a:ext uri="{28A0092B-C50C-407E-A947-70E740481C1C}">
+                <a14:useLocalDpi xmlns:a14="http://schemas.microsoft.com/office/drawing/2010/main" val="0"/>
+              </a:ext>
+            </a:extLst>
+          </a:blip>
+          <a:stretch>
+            <a:fillRect/>
+          </a:stretch>
+        </p:blipFill>
+        <p:spPr>
+          <a:xfrm>
+            <a:off x="2371205" y="3429000"/>
+            <a:ext cx="7449590" cy="1705213"/>
+          </a:xfrm>
+          <a:prstGeom prst="rect">
+            <a:avLst/>
+          </a:prstGeom>
+          <a:solidFill>
+            <a:srgbClr val="FFFFFF">
+              <a:shade val="85000"/>
+            </a:srgbClr>
+          </a:solidFill>
+          <a:ln w="88900" cap="sq">
+            <a:solidFill>
+              <a:srgbClr val="FFFFFF"/>
+            </a:solidFill>
+            <a:miter lim="800000"/>
+          </a:ln>
+          <a:effectLst>
+            <a:outerShdw blurRad="55000" dist="18000" dir="5400000" algn="tl" rotWithShape="0">
+              <a:srgbClr val="000000">
+                <a:alpha val="40000"/>
+              </a:srgbClr>
+            </a:outerShdw>
+          </a:effectLst>
+          <a:scene3d>
+            <a:camera prst="orthographicFront"/>
+            <a:lightRig rig="twoPt" dir="t">
+              <a:rot lat="0" lon="0" rev="7200000"/>
+            </a:lightRig>
+          </a:scene3d>
+          <a:sp3d>
+            <a:bevelT w="25400" h="19050"/>
+            <a:contourClr>
+              <a:srgbClr val="FFFFFF"/>
+            </a:contourClr>
+          </a:sp3d>
+        </p:spPr>
+      </p:pic>
+      <p:cxnSp>
+        <p:nvCxnSpPr>
+          <p:cNvPr id="4" name="Straight Connector 3">
+            <a:extLst>
+              <a:ext uri="{FF2B5EF4-FFF2-40B4-BE49-F238E27FC236}">
+                <a16:creationId xmlns:a16="http://schemas.microsoft.com/office/drawing/2014/main" id="{CC9B38D6-D000-42E1-B19C-BF709E3DF056}"/>
+              </a:ext>
+            </a:extLst>
+          </p:cNvPr>
+          <p:cNvCxnSpPr>
+            <a:cxnSpLocks/>
+          </p:cNvCxnSpPr>
+          <p:nvPr/>
+        </p:nvCxnSpPr>
+        <p:spPr>
+          <a:xfrm>
+            <a:off x="896923" y="526589"/>
+            <a:ext cx="5721991" cy="0"/>
+          </a:xfrm>
+          <a:prstGeom prst="line">
+            <a:avLst/>
+          </a:prstGeom>
+          <a:ln w="19050">
+            <a:solidFill>
+              <a:srgbClr val="FF0000">
+                <a:alpha val="50196"/>
+              </a:srgbClr>
+            </a:solidFill>
+          </a:ln>
+        </p:spPr>
+        <p:style>
+          <a:lnRef idx="1">
+            <a:schemeClr val="accent2"/>
+          </a:lnRef>
+          <a:fillRef idx="0">
+            <a:schemeClr val="accent2"/>
+          </a:fillRef>
+          <a:effectRef idx="0">
+            <a:schemeClr val="accent2"/>
+          </a:effectRef>
+          <a:fontRef idx="minor">
+            <a:schemeClr val="tx1"/>
+          </a:fontRef>
+        </p:style>
+      </p:cxnSp>
+      <p:cxnSp>
+        <p:nvCxnSpPr>
+          <p:cNvPr id="5" name="Straight Connector 4">
+            <a:extLst>
+              <a:ext uri="{FF2B5EF4-FFF2-40B4-BE49-F238E27FC236}">
+                <a16:creationId xmlns:a16="http://schemas.microsoft.com/office/drawing/2014/main" id="{0A783138-3189-48D0-AE91-D6FF6CC234BD}"/>
+              </a:ext>
+            </a:extLst>
+          </p:cNvPr>
+          <p:cNvCxnSpPr>
+            <a:cxnSpLocks/>
+          </p:cNvCxnSpPr>
+          <p:nvPr/>
+        </p:nvCxnSpPr>
+        <p:spPr>
+          <a:xfrm>
+            <a:off x="5552811" y="5478007"/>
+            <a:ext cx="5721991" cy="0"/>
+          </a:xfrm>
+          <a:prstGeom prst="line">
+            <a:avLst/>
+          </a:prstGeom>
+          <a:ln w="19050">
+            <a:solidFill>
+              <a:srgbClr val="A9D18E">
+                <a:alpha val="74902"/>
+              </a:srgbClr>
+            </a:solidFill>
+          </a:ln>
+        </p:spPr>
+        <p:style>
+          <a:lnRef idx="1">
+            <a:schemeClr val="accent6"/>
+          </a:lnRef>
+          <a:fillRef idx="0">
+            <a:schemeClr val="accent6"/>
+          </a:fillRef>
+          <a:effectRef idx="0">
+            <a:schemeClr val="accent6"/>
+          </a:effectRef>
+          <a:fontRef idx="minor">
+            <a:schemeClr val="tx1"/>
+          </a:fontRef>
+        </p:style>
+      </p:cxnSp>
+      <p:sp>
+        <p:nvSpPr>
+          <p:cNvPr id="8" name="Content Placeholder 2">
+            <a:extLst>
+              <a:ext uri="{FF2B5EF4-FFF2-40B4-BE49-F238E27FC236}">
+                <a16:creationId xmlns:a16="http://schemas.microsoft.com/office/drawing/2014/main" id="{48BB30EC-BEF6-4A01-91DE-0293B08E0B07}"/>
+              </a:ext>
+            </a:extLst>
+          </p:cNvPr>
+          <p:cNvSpPr txBox="1">
+            <a:spLocks/>
+          </p:cNvSpPr>
+          <p:nvPr/>
+        </p:nvSpPr>
+        <p:spPr>
+          <a:xfrm>
+            <a:off x="838200" y="1825625"/>
+            <a:ext cx="10515600" cy="3652382"/>
+          </a:xfrm>
+          <a:prstGeom prst="rect">
+            <a:avLst/>
+          </a:prstGeom>
+        </p:spPr>
+        <p:txBody>
+          <a:bodyPr vert="horz" lIns="91440" tIns="45720" rIns="91440" bIns="45720" rtlCol="0">
+            <a:normAutofit/>
+          </a:bodyPr>
+          <a:lstStyle>
+            <a:lvl1pPr marL="228600" indent="-228600" algn="l" defTabSz="914400" rtl="0" eaLnBrk="1" latinLnBrk="0" hangingPunct="1">
+              <a:lnSpc>
+                <a:spcPct val="90000"/>
+              </a:lnSpc>
+              <a:spcBef>
+                <a:spcPts val="1000"/>
+              </a:spcBef>
+              <a:buFont typeface="Arial" panose="020B0604020202020204" pitchFamily="34" charset="0"/>
+              <a:buChar char="•"/>
+              <a:defRPr sz="2800" kern="1200">
+                <a:solidFill>
+                  <a:schemeClr val="tx1"/>
+                </a:solidFill>
+                <a:latin typeface="+mn-lt"/>
+                <a:ea typeface="+mn-ea"/>
+                <a:cs typeface="+mn-cs"/>
+              </a:defRPr>
+            </a:lvl1pPr>
+            <a:lvl2pPr marL="685800" indent="-228600" algn="l" defTabSz="914400" rtl="0" eaLnBrk="1" latinLnBrk="0" hangingPunct="1">
+              <a:lnSpc>
+                <a:spcPct val="90000"/>
+              </a:lnSpc>
+              <a:spcBef>
+                <a:spcPts val="500"/>
+              </a:spcBef>
+              <a:buFont typeface="Arial" panose="020B0604020202020204" pitchFamily="34" charset="0"/>
+              <a:buChar char="•"/>
+              <a:defRPr sz="2400" kern="1200">
+                <a:solidFill>
+                  <a:schemeClr val="tx1"/>
+                </a:solidFill>
+                <a:latin typeface="+mn-lt"/>
+                <a:ea typeface="+mn-ea"/>
+                <a:cs typeface="+mn-cs"/>
+              </a:defRPr>
+            </a:lvl2pPr>
+            <a:lvl3pPr marL="1143000" indent="-228600" algn="l" defTabSz="914400" rtl="0" eaLnBrk="1" latinLnBrk="0" hangingPunct="1">
+              <a:lnSpc>
+                <a:spcPct val="90000"/>
+              </a:lnSpc>
+              <a:spcBef>
+                <a:spcPts val="500"/>
+              </a:spcBef>
+              <a:buFont typeface="Arial" panose="020B0604020202020204" pitchFamily="34" charset="0"/>
+              <a:buChar char="•"/>
+              <a:defRPr sz="2000" kern="1200">
+                <a:solidFill>
+                  <a:schemeClr val="tx1"/>
+                </a:solidFill>
+                <a:latin typeface="+mn-lt"/>
+                <a:ea typeface="+mn-ea"/>
+                <a:cs typeface="+mn-cs"/>
+              </a:defRPr>
+            </a:lvl3pPr>
+            <a:lvl4pPr marL="1600200" indent="-228600" algn="l" defTabSz="914400" rtl="0" eaLnBrk="1" latinLnBrk="0" hangingPunct="1">
+              <a:lnSpc>
+                <a:spcPct val="90000"/>
+              </a:lnSpc>
+              <a:spcBef>
+                <a:spcPts val="500"/>
+              </a:spcBef>
+              <a:buFont typeface="Arial" panose="020B0604020202020204" pitchFamily="34" charset="0"/>
+              <a:buChar char="•"/>
+              <a:defRPr sz="1800" kern="1200">
+                <a:solidFill>
+                  <a:schemeClr val="tx1"/>
+                </a:solidFill>
+                <a:latin typeface="+mn-lt"/>
+                <a:ea typeface="+mn-ea"/>
+                <a:cs typeface="+mn-cs"/>
+              </a:defRPr>
+            </a:lvl4pPr>
+            <a:lvl5pPr marL="2057400" indent="-228600" algn="l" defTabSz="914400" rtl="0" eaLnBrk="1" latinLnBrk="0" hangingPunct="1">
+              <a:lnSpc>
+                <a:spcPct val="90000"/>
+              </a:lnSpc>
+              <a:spcBef>
+                <a:spcPts val="500"/>
+              </a:spcBef>
+              <a:buFont typeface="Arial" panose="020B0604020202020204" pitchFamily="34" charset="0"/>
+              <a:buChar char="•"/>
+              <a:defRPr sz="1800" kern="1200">
+                <a:solidFill>
+                  <a:schemeClr val="tx1"/>
+                </a:solidFill>
+                <a:latin typeface="+mn-lt"/>
+                <a:ea typeface="+mn-ea"/>
+                <a:cs typeface="+mn-cs"/>
+              </a:defRPr>
+            </a:lvl5pPr>
+            <a:lvl6pPr marL="2514600" indent="-228600" algn="l" defTabSz="914400" rtl="0" eaLnBrk="1" latinLnBrk="0" hangingPunct="1">
+              <a:lnSpc>
+                <a:spcPct val="90000"/>
+              </a:lnSpc>
+              <a:spcBef>
+                <a:spcPts val="500"/>
+              </a:spcBef>
+              <a:buFont typeface="Arial" panose="020B0604020202020204" pitchFamily="34" charset="0"/>
+              <a:buChar char="•"/>
+              <a:defRPr sz="1800" kern="1200">
+                <a:solidFill>
+                  <a:schemeClr val="tx1"/>
+                </a:solidFill>
+                <a:latin typeface="+mn-lt"/>
+                <a:ea typeface="+mn-ea"/>
+                <a:cs typeface="+mn-cs"/>
+              </a:defRPr>
+            </a:lvl6pPr>
+            <a:lvl7pPr marL="2971800" indent="-228600" algn="l" defTabSz="914400" rtl="0" eaLnBrk="1" latinLnBrk="0" hangingPunct="1">
+              <a:lnSpc>
+                <a:spcPct val="90000"/>
+              </a:lnSpc>
+              <a:spcBef>
+                <a:spcPts val="500"/>
+              </a:spcBef>
+              <a:buFont typeface="Arial" panose="020B0604020202020204" pitchFamily="34" charset="0"/>
+              <a:buChar char="•"/>
+              <a:defRPr sz="1800" kern="1200">
+                <a:solidFill>
+                  <a:schemeClr val="tx1"/>
+                </a:solidFill>
+                <a:latin typeface="+mn-lt"/>
+                <a:ea typeface="+mn-ea"/>
+                <a:cs typeface="+mn-cs"/>
+              </a:defRPr>
+            </a:lvl7pPr>
+            <a:lvl8pPr marL="3429000" indent="-228600" algn="l" defTabSz="914400" rtl="0" eaLnBrk="1" latinLnBrk="0" hangingPunct="1">
+              <a:lnSpc>
+                <a:spcPct val="90000"/>
+              </a:lnSpc>
+              <a:spcBef>
+                <a:spcPts val="500"/>
+              </a:spcBef>
+              <a:buFont typeface="Arial" panose="020B0604020202020204" pitchFamily="34" charset="0"/>
+              <a:buChar char="•"/>
+              <a:defRPr sz="1800" kern="1200">
+                <a:solidFill>
+                  <a:schemeClr val="tx1"/>
+                </a:solidFill>
+                <a:latin typeface="+mn-lt"/>
+                <a:ea typeface="+mn-ea"/>
+                <a:cs typeface="+mn-cs"/>
+              </a:defRPr>
+            </a:lvl8pPr>
+            <a:lvl9pPr marL="3886200" indent="-228600" algn="l" defTabSz="914400" rtl="0" eaLnBrk="1" latinLnBrk="0" hangingPunct="1">
+              <a:lnSpc>
+                <a:spcPct val="90000"/>
+              </a:lnSpc>
+              <a:spcBef>
+                <a:spcPts val="500"/>
+              </a:spcBef>
+              <a:buFont typeface="Arial" panose="020B0604020202020204" pitchFamily="34" charset="0"/>
+              <a:buChar char="•"/>
+              <a:defRPr sz="1800" kern="1200">
+                <a:solidFill>
+                  <a:schemeClr val="tx1"/>
+                </a:solidFill>
+                <a:latin typeface="+mn-lt"/>
+                <a:ea typeface="+mn-ea"/>
+                <a:cs typeface="+mn-cs"/>
+              </a:defRPr>
+            </a:lvl9pPr>
+          </a:lstStyle>
+          <a:p>
+            <a:pPr marL="0" indent="0">
+              <a:buNone/>
+            </a:pPr>
+            <a:r>
+              <a:rPr lang="en-US" dirty="0"/>
+              <a:t>Hyperparameter tuning using </a:t>
+            </a:r>
+            <a:r>
+              <a:rPr lang="en-US" dirty="0" err="1"/>
+              <a:t>RandomSearchCV</a:t>
+            </a:r>
+            <a:endParaRPr lang="en-US" dirty="0"/>
+          </a:p>
+          <a:p>
+            <a:r>
+              <a:rPr lang="en-US" dirty="0">
+                <a:solidFill>
+                  <a:schemeClr val="bg2">
+                    <a:lumMod val="50000"/>
+                  </a:schemeClr>
+                </a:solidFill>
+              </a:rPr>
+              <a:t>The final model was created using an ensemble of </a:t>
+            </a:r>
+            <a:r>
+              <a:rPr lang="en-US" dirty="0" err="1">
+                <a:solidFill>
+                  <a:schemeClr val="bg2">
+                    <a:lumMod val="50000"/>
+                  </a:schemeClr>
+                </a:solidFill>
+              </a:rPr>
+              <a:t>AdaBoostClassifier</a:t>
+            </a:r>
+            <a:r>
+              <a:rPr lang="en-US" dirty="0">
+                <a:solidFill>
+                  <a:schemeClr val="bg2">
+                    <a:lumMod val="50000"/>
+                  </a:schemeClr>
+                </a:solidFill>
+              </a:rPr>
+              <a:t> and </a:t>
+            </a:r>
+            <a:r>
+              <a:rPr lang="en-US" dirty="0" err="1">
+                <a:solidFill>
+                  <a:schemeClr val="bg2">
+                    <a:lumMod val="50000"/>
+                  </a:schemeClr>
+                </a:solidFill>
+              </a:rPr>
+              <a:t>RandomForestClassifier</a:t>
+            </a:r>
+            <a:endParaRPr lang="en-US" dirty="0">
+              <a:solidFill>
+                <a:schemeClr val="bg2">
+                  <a:lumMod val="50000"/>
+                </a:schemeClr>
+              </a:solidFill>
+            </a:endParaRPr>
+          </a:p>
+        </p:txBody>
+      </p:sp>
+    </p:spTree>
+    <p:extLst>
+      <p:ext uri="{BB962C8B-B14F-4D97-AF65-F5344CB8AC3E}">
+        <p14:creationId xmlns:p14="http://schemas.microsoft.com/office/powerpoint/2010/main" val="4292843537"/>
+      </p:ext>
+    </p:extLst>
+  </p:cSld>
+  <p:clrMapOvr>
+    <a:masterClrMapping/>
+  </p:clrMapOvr>
+</p:sld>
+</file>
+
+<file path=ppt/slides/slide11.xml><?xml version="1.0" encoding="utf-8"?>
+<p:sld xmlns:a="http://schemas.openxmlformats.org/drawingml/2006/main" xmlns:r="http://schemas.openxmlformats.org/officeDocument/2006/relationships" xmlns:p="http://schemas.openxmlformats.org/presentationml/2006/main">
+  <p:cSld>
+    <p:spTree>
+      <p:nvGrpSpPr>
+        <p:cNvPr id="1" name=""/>
+        <p:cNvGrpSpPr/>
+        <p:nvPr/>
+      </p:nvGrpSpPr>
+      <p:grpSpPr>
+        <a:xfrm>
+          <a:off x="0" y="0"/>
+          <a:ext cx="0" cy="0"/>
+          <a:chOff x="0" y="0"/>
+          <a:chExt cx="0" cy="0"/>
+        </a:xfrm>
+      </p:grpSpPr>
+      <p:sp>
+        <p:nvSpPr>
+          <p:cNvPr id="2" name="Title 1">
+            <a:extLst>
+              <a:ext uri="{FF2B5EF4-FFF2-40B4-BE49-F238E27FC236}">
+                <a16:creationId xmlns:a16="http://schemas.microsoft.com/office/drawing/2014/main" id="{6C5E2690-DD71-432A-97F6-B7B99DAF334F}"/>
+              </a:ext>
+            </a:extLst>
+          </p:cNvPr>
+          <p:cNvSpPr>
+            <a:spLocks noGrp="1"/>
+          </p:cNvSpPr>
+          <p:nvPr>
+            <p:ph type="title"/>
+          </p:nvPr>
+        </p:nvSpPr>
+        <p:spPr/>
+        <p:txBody>
+          <a:bodyPr/>
+          <a:lstStyle/>
+          <a:p>
+            <a:r>
+              <a:rPr lang="en-US" dirty="0"/>
+              <a:t>Recommendation</a:t>
+            </a:r>
+          </a:p>
+        </p:txBody>
+      </p:sp>
+      <p:sp>
+        <p:nvSpPr>
+          <p:cNvPr id="3" name="Content Placeholder 2">
+            <a:extLst>
+              <a:ext uri="{FF2B5EF4-FFF2-40B4-BE49-F238E27FC236}">
+                <a16:creationId xmlns:a16="http://schemas.microsoft.com/office/drawing/2014/main" id="{E061ABE3-8D6A-427F-8AA8-2892B46C4C88}"/>
+              </a:ext>
+            </a:extLst>
+          </p:cNvPr>
+          <p:cNvSpPr>
+            <a:spLocks noGrp="1"/>
+          </p:cNvSpPr>
+          <p:nvPr>
+            <p:ph idx="1"/>
+          </p:nvPr>
+        </p:nvSpPr>
+        <p:spPr/>
+        <p:txBody>
+          <a:bodyPr/>
+          <a:lstStyle/>
+          <a:p>
+            <a:r>
+              <a:rPr lang="en-US" dirty="0">
+                <a:solidFill>
+                  <a:schemeClr val="bg2">
+                    <a:lumMod val="50000"/>
+                  </a:schemeClr>
+                </a:solidFill>
+              </a:rPr>
+              <a:t>I recommend using this model solely as an indicator, not a tool for executing trades</a:t>
+            </a:r>
+          </a:p>
+          <a:p>
+            <a:r>
+              <a:rPr lang="en-US" dirty="0">
+                <a:solidFill>
+                  <a:schemeClr val="bg2">
+                    <a:lumMod val="50000"/>
+                  </a:schemeClr>
+                </a:solidFill>
+              </a:rPr>
+              <a:t>Although 60% accuracy is good for trading models, my success while using for predictions was very weak</a:t>
+            </a:r>
+          </a:p>
+          <a:p>
+            <a:pPr lvl="1"/>
+            <a:r>
+              <a:rPr lang="en-US" dirty="0">
+                <a:solidFill>
+                  <a:schemeClr val="bg2">
+                    <a:lumMod val="50000"/>
+                  </a:schemeClr>
+                </a:solidFill>
+              </a:rPr>
+              <a:t>I think this is due to lack of robustness in database</a:t>
+            </a:r>
+          </a:p>
+        </p:txBody>
+      </p:sp>
+      <p:cxnSp>
+        <p:nvCxnSpPr>
+          <p:cNvPr id="4" name="Straight Connector 3">
+            <a:extLst>
+              <a:ext uri="{FF2B5EF4-FFF2-40B4-BE49-F238E27FC236}">
+                <a16:creationId xmlns:a16="http://schemas.microsoft.com/office/drawing/2014/main" id="{2F9466A3-2644-48BB-BCBE-8309398F64C7}"/>
+              </a:ext>
+            </a:extLst>
+          </p:cNvPr>
+          <p:cNvCxnSpPr>
+            <a:cxnSpLocks/>
+          </p:cNvCxnSpPr>
+          <p:nvPr/>
+        </p:nvCxnSpPr>
+        <p:spPr>
+          <a:xfrm>
+            <a:off x="896923" y="526589"/>
+            <a:ext cx="5721991" cy="0"/>
+          </a:xfrm>
+          <a:prstGeom prst="line">
+            <a:avLst/>
+          </a:prstGeom>
+          <a:ln w="19050">
+            <a:solidFill>
+              <a:srgbClr val="FF0000">
+                <a:alpha val="50196"/>
+              </a:srgbClr>
+            </a:solidFill>
+          </a:ln>
+        </p:spPr>
+        <p:style>
+          <a:lnRef idx="1">
+            <a:schemeClr val="accent2"/>
+          </a:lnRef>
+          <a:fillRef idx="0">
+            <a:schemeClr val="accent2"/>
+          </a:fillRef>
+          <a:effectRef idx="0">
+            <a:schemeClr val="accent2"/>
+          </a:effectRef>
+          <a:fontRef idx="minor">
+            <a:schemeClr val="tx1"/>
+          </a:fontRef>
+        </p:style>
+      </p:cxnSp>
+      <p:cxnSp>
+        <p:nvCxnSpPr>
+          <p:cNvPr id="5" name="Straight Connector 4">
+            <a:extLst>
+              <a:ext uri="{FF2B5EF4-FFF2-40B4-BE49-F238E27FC236}">
+                <a16:creationId xmlns:a16="http://schemas.microsoft.com/office/drawing/2014/main" id="{C9B45BAE-ED0D-47BB-89BF-2702A6DD8528}"/>
+              </a:ext>
+            </a:extLst>
+          </p:cNvPr>
+          <p:cNvCxnSpPr>
+            <a:cxnSpLocks/>
+          </p:cNvCxnSpPr>
+          <p:nvPr/>
+        </p:nvCxnSpPr>
+        <p:spPr>
+          <a:xfrm>
+            <a:off x="5524849" y="4121660"/>
+            <a:ext cx="5721991" cy="0"/>
+          </a:xfrm>
+          <a:prstGeom prst="line">
+            <a:avLst/>
+          </a:prstGeom>
+          <a:ln w="19050">
+            <a:solidFill>
+              <a:srgbClr val="A9D18E">
+                <a:alpha val="74902"/>
+              </a:srgbClr>
+            </a:solidFill>
+          </a:ln>
+        </p:spPr>
+        <p:style>
+          <a:lnRef idx="1">
+            <a:schemeClr val="accent6"/>
+          </a:lnRef>
+          <a:fillRef idx="0">
+            <a:schemeClr val="accent6"/>
+          </a:fillRef>
+          <a:effectRef idx="0">
+            <a:schemeClr val="accent6"/>
+          </a:effectRef>
+          <a:fontRef idx="minor">
+            <a:schemeClr val="tx1"/>
+          </a:fontRef>
+        </p:style>
+      </p:cxnSp>
+    </p:spTree>
+    <p:extLst>
+      <p:ext uri="{BB962C8B-B14F-4D97-AF65-F5344CB8AC3E}">
+        <p14:creationId xmlns:p14="http://schemas.microsoft.com/office/powerpoint/2010/main" val="827961660"/>
+      </p:ext>
+    </p:extLst>
+  </p:cSld>
+  <p:clrMapOvr>
+    <a:masterClrMapping/>
+  </p:clrMapOvr>
+</p:sld>
+</file>
+
+<file path=ppt/slides/slide12.xml><?xml version="1.0" encoding="utf-8"?>
+<p:sld xmlns:a="http://schemas.openxmlformats.org/drawingml/2006/main" xmlns:r="http://schemas.openxmlformats.org/officeDocument/2006/relationships" xmlns:p="http://schemas.openxmlformats.org/presentationml/2006/main">
+  <p:cSld>
+    <p:spTree>
+      <p:nvGrpSpPr>
+        <p:cNvPr id="1" name=""/>
+        <p:cNvGrpSpPr/>
+        <p:nvPr/>
+      </p:nvGrpSpPr>
+      <p:grpSpPr>
+        <a:xfrm>
+          <a:off x="0" y="0"/>
+          <a:ext cx="0" cy="0"/>
+          <a:chOff x="0" y="0"/>
+          <a:chExt cx="0" cy="0"/>
+        </a:xfrm>
+      </p:grpSpPr>
+      <p:sp>
+        <p:nvSpPr>
+          <p:cNvPr id="2" name="Title 1">
+            <a:extLst>
+              <a:ext uri="{FF2B5EF4-FFF2-40B4-BE49-F238E27FC236}">
+                <a16:creationId xmlns:a16="http://schemas.microsoft.com/office/drawing/2014/main" id="{D077C384-6C42-4BAA-BCD1-D42D0C47BF18}"/>
+              </a:ext>
+            </a:extLst>
+          </p:cNvPr>
+          <p:cNvSpPr>
+            <a:spLocks noGrp="1"/>
+          </p:cNvSpPr>
+          <p:nvPr>
+            <p:ph type="title"/>
+          </p:nvPr>
+        </p:nvSpPr>
+        <p:spPr/>
+        <p:txBody>
+          <a:bodyPr/>
+          <a:lstStyle/>
+          <a:p>
+            <a:r>
+              <a:rPr lang="en-US" dirty="0"/>
+              <a:t>Future Considerations</a:t>
+            </a:r>
+          </a:p>
+        </p:txBody>
+      </p:sp>
+      <p:sp>
+        <p:nvSpPr>
+          <p:cNvPr id="3" name="Content Placeholder 2">
+            <a:extLst>
+              <a:ext uri="{FF2B5EF4-FFF2-40B4-BE49-F238E27FC236}">
+                <a16:creationId xmlns:a16="http://schemas.microsoft.com/office/drawing/2014/main" id="{7DE83440-6CDE-411F-A41C-F26049E006C0}"/>
+              </a:ext>
+            </a:extLst>
+          </p:cNvPr>
+          <p:cNvSpPr>
+            <a:spLocks noGrp="1"/>
+          </p:cNvSpPr>
+          <p:nvPr>
+            <p:ph idx="1"/>
+          </p:nvPr>
+        </p:nvSpPr>
+        <p:spPr/>
+        <p:txBody>
+          <a:bodyPr/>
+          <a:lstStyle/>
+          <a:p>
+            <a:r>
+              <a:rPr lang="en-US" dirty="0">
+                <a:solidFill>
+                  <a:schemeClr val="bg2">
+                    <a:lumMod val="50000"/>
+                  </a:schemeClr>
+                </a:solidFill>
+              </a:rPr>
+              <a:t>Improvements</a:t>
+            </a:r>
+          </a:p>
+          <a:p>
+            <a:pPr lvl="1"/>
+            <a:r>
+              <a:rPr lang="en-US" dirty="0">
+                <a:solidFill>
+                  <a:schemeClr val="bg2">
+                    <a:lumMod val="50000"/>
+                  </a:schemeClr>
+                </a:solidFill>
+              </a:rPr>
+              <a:t>Create a more robust database over a longer period</a:t>
+            </a:r>
+          </a:p>
+          <a:p>
+            <a:pPr lvl="1"/>
+            <a:r>
+              <a:rPr lang="en-US" dirty="0">
+                <a:solidFill>
+                  <a:schemeClr val="bg2">
+                    <a:lumMod val="50000"/>
+                  </a:schemeClr>
+                </a:solidFill>
+              </a:rPr>
+              <a:t>Build our features off of a longer period candle chart</a:t>
+            </a:r>
+          </a:p>
+          <a:p>
+            <a:pPr lvl="2"/>
+            <a:r>
+              <a:rPr lang="en-US" dirty="0">
+                <a:solidFill>
+                  <a:schemeClr val="bg2">
+                    <a:lumMod val="50000"/>
+                  </a:schemeClr>
+                </a:solidFill>
+              </a:rPr>
+              <a:t>1 minute chart lacks depth, would use 15 minute chart</a:t>
+            </a:r>
+          </a:p>
+          <a:p>
+            <a:pPr lvl="1"/>
+            <a:r>
+              <a:rPr lang="en-US" dirty="0">
+                <a:solidFill>
+                  <a:schemeClr val="bg2">
+                    <a:lumMod val="50000"/>
+                  </a:schemeClr>
+                </a:solidFill>
+              </a:rPr>
+              <a:t>Create lexicon database using NLP to provide a better sentiment from twitter and </a:t>
+            </a:r>
+            <a:r>
+              <a:rPr lang="en-US" dirty="0" err="1">
+                <a:solidFill>
+                  <a:schemeClr val="bg2">
+                    <a:lumMod val="50000"/>
+                  </a:schemeClr>
+                </a:solidFill>
+              </a:rPr>
+              <a:t>forexfactory</a:t>
+            </a:r>
+            <a:endParaRPr lang="en-US" dirty="0">
+              <a:solidFill>
+                <a:schemeClr val="bg2">
+                  <a:lumMod val="50000"/>
+                </a:schemeClr>
+              </a:solidFill>
+            </a:endParaRPr>
+          </a:p>
+          <a:p>
+            <a:pPr lvl="1"/>
+            <a:r>
+              <a:rPr lang="en-US" dirty="0">
+                <a:solidFill>
+                  <a:schemeClr val="bg2">
+                    <a:lumMod val="50000"/>
+                  </a:schemeClr>
+                </a:solidFill>
+              </a:rPr>
+              <a:t>Look into creating a multi-classification model and looking at entries that have bigger movement </a:t>
+            </a:r>
+          </a:p>
+          <a:p>
+            <a:pPr lvl="1"/>
+            <a:endParaRPr lang="en-US" dirty="0">
+              <a:solidFill>
+                <a:schemeClr val="bg2">
+                  <a:lumMod val="50000"/>
+                </a:schemeClr>
+              </a:solidFill>
+            </a:endParaRPr>
+          </a:p>
+          <a:p>
+            <a:pPr lvl="1"/>
+            <a:endParaRPr lang="en-US" dirty="0">
+              <a:solidFill>
+                <a:schemeClr val="bg2">
+                  <a:lumMod val="50000"/>
+                </a:schemeClr>
+              </a:solidFill>
+            </a:endParaRPr>
+          </a:p>
+        </p:txBody>
+      </p:sp>
+      <p:cxnSp>
+        <p:nvCxnSpPr>
+          <p:cNvPr id="4" name="Straight Connector 3">
+            <a:extLst>
+              <a:ext uri="{FF2B5EF4-FFF2-40B4-BE49-F238E27FC236}">
+                <a16:creationId xmlns:a16="http://schemas.microsoft.com/office/drawing/2014/main" id="{146824E6-55E8-4DF4-9CAB-8C0504A4F0A3}"/>
+              </a:ext>
+            </a:extLst>
+          </p:cNvPr>
+          <p:cNvCxnSpPr>
+            <a:cxnSpLocks/>
+          </p:cNvCxnSpPr>
+          <p:nvPr/>
+        </p:nvCxnSpPr>
+        <p:spPr>
+          <a:xfrm>
+            <a:off x="896923" y="526589"/>
+            <a:ext cx="5721991" cy="0"/>
+          </a:xfrm>
+          <a:prstGeom prst="line">
+            <a:avLst/>
+          </a:prstGeom>
+          <a:ln w="19050">
+            <a:solidFill>
+              <a:srgbClr val="FF0000">
+                <a:alpha val="50196"/>
+              </a:srgbClr>
+            </a:solidFill>
+          </a:ln>
+        </p:spPr>
+        <p:style>
+          <a:lnRef idx="1">
+            <a:schemeClr val="accent2"/>
+          </a:lnRef>
+          <a:fillRef idx="0">
+            <a:schemeClr val="accent2"/>
+          </a:fillRef>
+          <a:effectRef idx="0">
+            <a:schemeClr val="accent2"/>
+          </a:effectRef>
+          <a:fontRef idx="minor">
+            <a:schemeClr val="tx1"/>
+          </a:fontRef>
+        </p:style>
+      </p:cxnSp>
+      <p:cxnSp>
+        <p:nvCxnSpPr>
+          <p:cNvPr id="5" name="Straight Connector 4">
+            <a:extLst>
+              <a:ext uri="{FF2B5EF4-FFF2-40B4-BE49-F238E27FC236}">
+                <a16:creationId xmlns:a16="http://schemas.microsoft.com/office/drawing/2014/main" id="{E0144A09-F34D-4042-B28F-0205AE61D216}"/>
+              </a:ext>
+            </a:extLst>
+          </p:cNvPr>
+          <p:cNvCxnSpPr>
+            <a:cxnSpLocks/>
+          </p:cNvCxnSpPr>
+          <p:nvPr/>
+        </p:nvCxnSpPr>
+        <p:spPr>
+          <a:xfrm>
+            <a:off x="5631809" y="5203840"/>
+            <a:ext cx="5721991" cy="0"/>
+          </a:xfrm>
+          <a:prstGeom prst="line">
+            <a:avLst/>
+          </a:prstGeom>
+          <a:ln w="19050">
+            <a:solidFill>
+              <a:srgbClr val="A9D18E">
+                <a:alpha val="74902"/>
+              </a:srgbClr>
+            </a:solidFill>
+          </a:ln>
+        </p:spPr>
+        <p:style>
+          <a:lnRef idx="1">
+            <a:schemeClr val="accent6"/>
+          </a:lnRef>
+          <a:fillRef idx="0">
+            <a:schemeClr val="accent6"/>
+          </a:fillRef>
+          <a:effectRef idx="0">
+            <a:schemeClr val="accent6"/>
+          </a:effectRef>
+          <a:fontRef idx="minor">
+            <a:schemeClr val="tx1"/>
+          </a:fontRef>
+        </p:style>
+      </p:cxnSp>
+    </p:spTree>
+    <p:extLst>
+      <p:ext uri="{BB962C8B-B14F-4D97-AF65-F5344CB8AC3E}">
+        <p14:creationId xmlns:p14="http://schemas.microsoft.com/office/powerpoint/2010/main" val="4166095811"/>
+      </p:ext>
+    </p:extLst>
+  </p:cSld>
+  <p:clrMapOvr>
+    <a:masterClrMapping/>
+  </p:clrMapOvr>
+</p:sld>
+</file>
+
+<file path=ppt/slides/slide13.xml><?xml version="1.0" encoding="utf-8"?>
+<p:sld xmlns:a="http://schemas.openxmlformats.org/drawingml/2006/main" xmlns:r="http://schemas.openxmlformats.org/officeDocument/2006/relationships" xmlns:p="http://schemas.openxmlformats.org/presentationml/2006/main">
+  <p:cSld>
+    <p:bg>
+      <p:bgPr>
+        <a:blipFill dpi="0" rotWithShape="1">
+          <a:blip r:embed="rId2">
+            <a:lum/>
+          </a:blip>
+          <a:srcRect/>
+          <a:stretch>
+            <a:fillRect t="-2000" b="-2000"/>
+          </a:stretch>
+        </a:blipFill>
+        <a:effectLst/>
+      </p:bgPr>
+    </p:bg>
+    <p:spTree>
+      <p:nvGrpSpPr>
+        <p:cNvPr id="1" name=""/>
+        <p:cNvGrpSpPr/>
+        <p:nvPr/>
+      </p:nvGrpSpPr>
+      <p:grpSpPr>
+        <a:xfrm>
+          <a:off x="0" y="0"/>
+          <a:ext cx="0" cy="0"/>
+          <a:chOff x="0" y="0"/>
+          <a:chExt cx="0" cy="0"/>
+        </a:xfrm>
+      </p:grpSpPr>
+      <p:sp>
+        <p:nvSpPr>
+          <p:cNvPr id="2" name="Title 1">
+            <a:extLst>
+              <a:ext uri="{FF2B5EF4-FFF2-40B4-BE49-F238E27FC236}">
+                <a16:creationId xmlns:a16="http://schemas.microsoft.com/office/drawing/2014/main" id="{006B2C27-9AB3-4714-B3FE-E3A0D1AAED1E}"/>
+              </a:ext>
+            </a:extLst>
+          </p:cNvPr>
+          <p:cNvSpPr>
+            <a:spLocks noGrp="1"/>
+          </p:cNvSpPr>
+          <p:nvPr>
+            <p:ph type="title"/>
+          </p:nvPr>
+        </p:nvSpPr>
+        <p:spPr>
+          <a:xfrm>
+            <a:off x="2147213" y="650131"/>
+            <a:ext cx="3255628" cy="1495440"/>
+          </a:xfrm>
+        </p:spPr>
+        <p:txBody>
+          <a:bodyPr>
+            <a:normAutofit/>
+          </a:bodyPr>
+          <a:lstStyle/>
+          <a:p>
+            <a:pPr algn="ctr"/>
+            <a:r>
+              <a:rPr lang="en-US" dirty="0"/>
+              <a:t>THANK YOU -</a:t>
+            </a:r>
+            <a:br>
+              <a:rPr lang="en-US" dirty="0"/>
+            </a:br>
+            <a:r>
+              <a:rPr lang="en-US" dirty="0"/>
+              <a:t>STONKS</a:t>
+            </a:r>
+          </a:p>
+        </p:txBody>
+      </p:sp>
+      <p:pic>
+        <p:nvPicPr>
+          <p:cNvPr id="5" name="Graphic 4" descr="Rocket">
+            <a:extLst>
+              <a:ext uri="{FF2B5EF4-FFF2-40B4-BE49-F238E27FC236}">
+                <a16:creationId xmlns:a16="http://schemas.microsoft.com/office/drawing/2014/main" id="{E06102B1-957A-44E6-8755-508465B401C0}"/>
+              </a:ext>
+            </a:extLst>
+          </p:cNvPr>
+          <p:cNvPicPr>
+            <a:picLocks noChangeAspect="1"/>
+          </p:cNvPicPr>
+          <p:nvPr/>
+        </p:nvPicPr>
+        <p:blipFill>
+          <a:blip r:embed="rId3">
+            <a:extLst>
+              <a:ext uri="{28A0092B-C50C-407E-A947-70E740481C1C}">
+                <a14:useLocalDpi xmlns:a14="http://schemas.microsoft.com/office/drawing/2010/main" val="0"/>
+              </a:ext>
+              <a:ext uri="{96DAC541-7B7A-43D3-8B79-37D633B846F1}">
+                <asvg:svgBlip xmlns:asvg="http://schemas.microsoft.com/office/drawing/2016/SVG/main" r:embed="rId4"/>
+              </a:ext>
+            </a:extLst>
+          </a:blip>
+          <a:stretch>
+            <a:fillRect/>
+          </a:stretch>
+        </p:blipFill>
+        <p:spPr>
+          <a:xfrm>
+            <a:off x="8713455" y="286327"/>
+            <a:ext cx="963317" cy="963317"/>
+          </a:xfrm>
+          <a:prstGeom prst="rect">
+            <a:avLst/>
+          </a:prstGeom>
+        </p:spPr>
+      </p:pic>
+      <p:pic>
+        <p:nvPicPr>
+          <p:cNvPr id="7" name="Graphic 6" descr="Fire">
+            <a:extLst>
+              <a:ext uri="{FF2B5EF4-FFF2-40B4-BE49-F238E27FC236}">
+                <a16:creationId xmlns:a16="http://schemas.microsoft.com/office/drawing/2014/main" id="{1044622E-A0F3-4F0E-BF16-76BBF7838D6F}"/>
+              </a:ext>
+            </a:extLst>
+          </p:cNvPr>
+          <p:cNvPicPr>
+            <a:picLocks noChangeAspect="1"/>
+          </p:cNvPicPr>
+          <p:nvPr/>
+        </p:nvPicPr>
+        <p:blipFill>
+          <a:blip r:embed="rId5">
+            <a:extLst>
+              <a:ext uri="{28A0092B-C50C-407E-A947-70E740481C1C}">
+                <a14:useLocalDpi xmlns:a14="http://schemas.microsoft.com/office/drawing/2010/main" val="0"/>
+              </a:ext>
+              <a:ext uri="{96DAC541-7B7A-43D3-8B79-37D633B846F1}">
+                <asvg:svgBlip xmlns:asvg="http://schemas.microsoft.com/office/drawing/2016/SVG/main" r:embed="rId6"/>
+              </a:ext>
+            </a:extLst>
+          </a:blip>
+          <a:stretch>
+            <a:fillRect/>
+          </a:stretch>
+        </p:blipFill>
+        <p:spPr>
+          <a:xfrm rot="13474170">
+            <a:off x="8337592" y="882545"/>
+            <a:ext cx="733797" cy="733797"/>
+          </a:xfrm>
+          <a:prstGeom prst="rect">
+            <a:avLst/>
+          </a:prstGeom>
+        </p:spPr>
+      </p:pic>
+      <p:cxnSp>
+        <p:nvCxnSpPr>
+          <p:cNvPr id="9" name="Straight Arrow Connector 8">
+            <a:extLst>
+              <a:ext uri="{FF2B5EF4-FFF2-40B4-BE49-F238E27FC236}">
+                <a16:creationId xmlns:a16="http://schemas.microsoft.com/office/drawing/2014/main" id="{7048CEBA-7E5F-4CEE-B95D-4EBD1FE409D3}"/>
+              </a:ext>
+            </a:extLst>
+          </p:cNvPr>
+          <p:cNvCxnSpPr/>
+          <p:nvPr/>
+        </p:nvCxnSpPr>
+        <p:spPr>
+          <a:xfrm flipV="1">
+            <a:off x="6253018" y="286327"/>
+            <a:ext cx="3999346" cy="4350328"/>
+          </a:xfrm>
+          <a:prstGeom prst="straightConnector1">
+            <a:avLst/>
+          </a:prstGeom>
+          <a:ln w="28575">
+            <a:solidFill>
+              <a:srgbClr val="009999"/>
+            </a:solidFill>
+            <a:tailEnd type="triangle"/>
+          </a:ln>
+        </p:spPr>
+        <p:style>
+          <a:lnRef idx="1">
+            <a:schemeClr val="accent1"/>
+          </a:lnRef>
+          <a:fillRef idx="0">
+            <a:schemeClr val="accent1"/>
+          </a:fillRef>
+          <a:effectRef idx="0">
+            <a:schemeClr val="accent1"/>
+          </a:effectRef>
+          <a:fontRef idx="minor">
+            <a:schemeClr val="tx1"/>
+          </a:fontRef>
+        </p:style>
+      </p:cxnSp>
+    </p:spTree>
+    <p:extLst>
+      <p:ext uri="{BB962C8B-B14F-4D97-AF65-F5344CB8AC3E}">
+        <p14:creationId xmlns:p14="http://schemas.microsoft.com/office/powerpoint/2010/main" val="1781820224"/>
+      </p:ext>
+    </p:extLst>
+  </p:cSld>
+  <p:clrMapOvr>
+    <a:masterClrMapping/>
+  </p:clrMapOvr>
+</p:sld>
+</file>
+
 <file path=ppt/slides/slide2.xml><?xml version="1.0" encoding="utf-8"?>
 <p:sld xmlns:a="http://schemas.openxmlformats.org/drawingml/2006/main" xmlns:r="http://schemas.openxmlformats.org/officeDocument/2006/relationships" xmlns:p="http://schemas.openxmlformats.org/presentationml/2006/main">
   <p:cSld>
@@ -3739,7 +5542,7 @@
           <p:cNvPr id="2" name="Title 1">
             <a:extLst>
               <a:ext uri="{FF2B5EF4-FFF2-40B4-BE49-F238E27FC236}">
-                <a16:creationId xmlns:a16="http://schemas.microsoft.com/office/drawing/2014/main" id="{14D7F815-5759-47F9-9869-6369B4CA43E0}"/>
+                <a16:creationId xmlns:a16="http://schemas.microsoft.com/office/drawing/2014/main" id="{53E4F832-6FE9-403D-ACEF-1A25ABBD8B32}"/>
               </a:ext>
             </a:extLst>
           </p:cNvPr>
@@ -3755,7 +5558,10 @@
           <a:bodyPr/>
           <a:lstStyle/>
           <a:p>
-            <a:endParaRPr lang="en-US" dirty="0"/>
+            <a:r>
+              <a:rPr lang="en-US" dirty="0"/>
+              <a:t>Contents</a:t>
+            </a:r>
           </a:p>
         </p:txBody>
       </p:sp>
@@ -3764,7 +5570,7 @@
           <p:cNvPr id="3" name="Content Placeholder 2">
             <a:extLst>
               <a:ext uri="{FF2B5EF4-FFF2-40B4-BE49-F238E27FC236}">
-                <a16:creationId xmlns:a16="http://schemas.microsoft.com/office/drawing/2014/main" id="{82B2897E-E6AE-422C-9ACD-46565D3C578F}"/>
+                <a16:creationId xmlns:a16="http://schemas.microsoft.com/office/drawing/2014/main" id="{EE3D0882-9095-433B-B09C-4118461E068B}"/>
               </a:ext>
             </a:extLst>
           </p:cNvPr>
@@ -3780,16 +5586,83 @@
           <a:bodyPr/>
           <a:lstStyle/>
           <a:p>
-            <a:endParaRPr lang="en-US" dirty="0"/>
+            <a:pPr marL="514350" indent="-514350">
+              <a:buFont typeface="+mj-lt"/>
+              <a:buAutoNum type="arabicPeriod"/>
+            </a:pPr>
+            <a:r>
+              <a:rPr lang="en-US" dirty="0"/>
+              <a:t>Problem Overview</a:t>
+            </a:r>
+          </a:p>
+          <a:p>
+            <a:pPr marL="514350" indent="-514350">
+              <a:buFont typeface="+mj-lt"/>
+              <a:buAutoNum type="arabicPeriod"/>
+            </a:pPr>
+            <a:r>
+              <a:rPr lang="en-US" dirty="0"/>
+              <a:t>The Data</a:t>
+            </a:r>
+          </a:p>
+          <a:p>
+            <a:pPr marL="514350" indent="-514350">
+              <a:buFont typeface="+mj-lt"/>
+              <a:buAutoNum type="arabicPeriod"/>
+            </a:pPr>
+            <a:r>
+              <a:rPr lang="en-US" dirty="0"/>
+              <a:t>Feature Engineering</a:t>
+            </a:r>
+          </a:p>
+          <a:p>
+            <a:pPr marL="514350" indent="-514350">
+              <a:buFont typeface="+mj-lt"/>
+              <a:buAutoNum type="arabicPeriod"/>
+            </a:pPr>
+            <a:r>
+              <a:rPr lang="en-US" dirty="0"/>
+              <a:t>Modeling Process</a:t>
+            </a:r>
+          </a:p>
+          <a:p>
+            <a:pPr marL="514350" indent="-514350">
+              <a:buFont typeface="+mj-lt"/>
+              <a:buAutoNum type="arabicPeriod"/>
+            </a:pPr>
+            <a:r>
+              <a:rPr lang="en-US" dirty="0"/>
+              <a:t>Modeling Results</a:t>
+            </a:r>
+          </a:p>
+          <a:p>
+            <a:pPr marL="514350" indent="-514350">
+              <a:buFont typeface="+mj-lt"/>
+              <a:buAutoNum type="arabicPeriod"/>
+            </a:pPr>
+            <a:r>
+              <a:rPr lang="en-US" dirty="0"/>
+              <a:t>Recommendation</a:t>
+            </a:r>
+          </a:p>
+          <a:p>
+            <a:pPr marL="514350" indent="-514350">
+              <a:buFont typeface="+mj-lt"/>
+              <a:buAutoNum type="arabicPeriod"/>
+            </a:pPr>
+            <a:r>
+              <a:rPr lang="en-US" dirty="0"/>
+              <a:t>Future Considerations</a:t>
+            </a:r>
           </a:p>
         </p:txBody>
       </p:sp>
       <p:cxnSp>
         <p:nvCxnSpPr>
-          <p:cNvPr id="6" name="Straight Connector 5">
-            <a:extLst>
-              <a:ext uri="{FF2B5EF4-FFF2-40B4-BE49-F238E27FC236}">
-                <a16:creationId xmlns:a16="http://schemas.microsoft.com/office/drawing/2014/main" id="{2A23E1C2-D9D2-4301-8CE2-1B50D6F327D4}"/>
+          <p:cNvPr id="4" name="Straight Connector 3">
+            <a:extLst>
+              <a:ext uri="{FF2B5EF4-FFF2-40B4-BE49-F238E27FC236}">
+                <a16:creationId xmlns:a16="http://schemas.microsoft.com/office/drawing/2014/main" id="{D3A15C19-FF15-43A6-89C6-89A276EE535C}"/>
               </a:ext>
             </a:extLst>
           </p:cNvPr>
@@ -3800,8 +5673,285 @@
         </p:nvCxnSpPr>
         <p:spPr>
           <a:xfrm>
-            <a:off x="838200" y="342031"/>
-            <a:ext cx="4830619" cy="0"/>
+            <a:off x="896923" y="526589"/>
+            <a:ext cx="5721991" cy="0"/>
+          </a:xfrm>
+          <a:prstGeom prst="line">
+            <a:avLst/>
+          </a:prstGeom>
+          <a:ln w="19050">
+            <a:solidFill>
+              <a:srgbClr val="FF0000">
+                <a:alpha val="50196"/>
+              </a:srgbClr>
+            </a:solidFill>
+          </a:ln>
+        </p:spPr>
+        <p:style>
+          <a:lnRef idx="1">
+            <a:schemeClr val="accent2"/>
+          </a:lnRef>
+          <a:fillRef idx="0">
+            <a:schemeClr val="accent2"/>
+          </a:fillRef>
+          <a:effectRef idx="0">
+            <a:schemeClr val="accent2"/>
+          </a:effectRef>
+          <a:fontRef idx="minor">
+            <a:schemeClr val="tx1"/>
+          </a:fontRef>
+        </p:style>
+      </p:cxnSp>
+      <p:cxnSp>
+        <p:nvCxnSpPr>
+          <p:cNvPr id="5" name="Straight Connector 4">
+            <a:extLst>
+              <a:ext uri="{FF2B5EF4-FFF2-40B4-BE49-F238E27FC236}">
+                <a16:creationId xmlns:a16="http://schemas.microsoft.com/office/drawing/2014/main" id="{FA774B16-E1D0-4739-92C9-624005CD370D}"/>
+              </a:ext>
+            </a:extLst>
+          </p:cNvPr>
+          <p:cNvCxnSpPr>
+            <a:cxnSpLocks/>
+          </p:cNvCxnSpPr>
+          <p:nvPr/>
+        </p:nvCxnSpPr>
+        <p:spPr>
+          <a:xfrm>
+            <a:off x="5200474" y="5824625"/>
+            <a:ext cx="5721991" cy="0"/>
+          </a:xfrm>
+          <a:prstGeom prst="line">
+            <a:avLst/>
+          </a:prstGeom>
+          <a:ln w="19050">
+            <a:solidFill>
+              <a:srgbClr val="A9D18E">
+                <a:alpha val="74902"/>
+              </a:srgbClr>
+            </a:solidFill>
+          </a:ln>
+        </p:spPr>
+        <p:style>
+          <a:lnRef idx="1">
+            <a:schemeClr val="accent6"/>
+          </a:lnRef>
+          <a:fillRef idx="0">
+            <a:schemeClr val="accent6"/>
+          </a:fillRef>
+          <a:effectRef idx="0">
+            <a:schemeClr val="accent6"/>
+          </a:effectRef>
+          <a:fontRef idx="minor">
+            <a:schemeClr val="tx1"/>
+          </a:fontRef>
+        </p:style>
+      </p:cxnSp>
+      <p:pic>
+        <p:nvPicPr>
+          <p:cNvPr id="1028" name="Picture 4" descr="What Is a Bull and Bear Market?">
+            <a:extLst>
+              <a:ext uri="{FF2B5EF4-FFF2-40B4-BE49-F238E27FC236}">
+                <a16:creationId xmlns:a16="http://schemas.microsoft.com/office/drawing/2014/main" id="{DBCF0FF7-EF8D-48FD-84A7-FE636D8CE545}"/>
+              </a:ext>
+            </a:extLst>
+          </p:cNvPr>
+          <p:cNvPicPr>
+            <a:picLocks noChangeAspect="1" noChangeArrowheads="1"/>
+          </p:cNvPicPr>
+          <p:nvPr/>
+        </p:nvPicPr>
+        <p:blipFill>
+          <a:blip r:embed="rId2">
+            <a:extLst>
+              <a:ext uri="{28A0092B-C50C-407E-A947-70E740481C1C}">
+                <a14:useLocalDpi xmlns:a14="http://schemas.microsoft.com/office/drawing/2010/main" val="0"/>
+              </a:ext>
+            </a:extLst>
+          </a:blip>
+          <a:srcRect/>
+          <a:stretch>
+            <a:fillRect/>
+          </a:stretch>
+        </p:blipFill>
+        <p:spPr bwMode="auto">
+          <a:xfrm>
+            <a:off x="5321939" y="2139762"/>
+            <a:ext cx="5716138" cy="2808913"/>
+          </a:xfrm>
+          <a:prstGeom prst="rect">
+            <a:avLst/>
+          </a:prstGeom>
+          <a:noFill/>
+          <a:extLst>
+            <a:ext uri="{909E8E84-426E-40DD-AFC4-6F175D3DCCD1}">
+              <a14:hiddenFill xmlns:a14="http://schemas.microsoft.com/office/drawing/2010/main">
+                <a:solidFill>
+                  <a:srgbClr val="FFFFFF"/>
+                </a:solidFill>
+              </a14:hiddenFill>
+            </a:ext>
+          </a:extLst>
+        </p:spPr>
+      </p:pic>
+    </p:spTree>
+    <p:extLst>
+      <p:ext uri="{BB962C8B-B14F-4D97-AF65-F5344CB8AC3E}">
+        <p14:creationId xmlns:p14="http://schemas.microsoft.com/office/powerpoint/2010/main" val="4275927704"/>
+      </p:ext>
+    </p:extLst>
+  </p:cSld>
+  <p:clrMapOvr>
+    <a:masterClrMapping/>
+  </p:clrMapOvr>
+</p:sld>
+</file>
+
+<file path=ppt/slides/slide3.xml><?xml version="1.0" encoding="utf-8"?>
+<p:sld xmlns:a="http://schemas.openxmlformats.org/drawingml/2006/main" xmlns:r="http://schemas.openxmlformats.org/officeDocument/2006/relationships" xmlns:p="http://schemas.openxmlformats.org/presentationml/2006/main">
+  <p:cSld>
+    <p:spTree>
+      <p:nvGrpSpPr>
+        <p:cNvPr id="1" name=""/>
+        <p:cNvGrpSpPr/>
+        <p:nvPr/>
+      </p:nvGrpSpPr>
+      <p:grpSpPr>
+        <a:xfrm>
+          <a:off x="0" y="0"/>
+          <a:ext cx="0" cy="0"/>
+          <a:chOff x="0" y="0"/>
+          <a:chExt cx="0" cy="0"/>
+        </a:xfrm>
+      </p:grpSpPr>
+      <p:sp>
+        <p:nvSpPr>
+          <p:cNvPr id="2" name="Title 1">
+            <a:extLst>
+              <a:ext uri="{FF2B5EF4-FFF2-40B4-BE49-F238E27FC236}">
+                <a16:creationId xmlns:a16="http://schemas.microsoft.com/office/drawing/2014/main" id="{14D7F815-5759-47F9-9869-6369B4CA43E0}"/>
+              </a:ext>
+            </a:extLst>
+          </p:cNvPr>
+          <p:cNvSpPr>
+            <a:spLocks noGrp="1"/>
+          </p:cNvSpPr>
+          <p:nvPr>
+            <p:ph type="title"/>
+          </p:nvPr>
+        </p:nvSpPr>
+        <p:spPr/>
+        <p:txBody>
+          <a:bodyPr>
+            <a:normAutofit/>
+          </a:bodyPr>
+          <a:lstStyle/>
+          <a:p>
+            <a:r>
+              <a:rPr lang="en-US" dirty="0"/>
+              <a:t>Problem Overview</a:t>
+            </a:r>
+          </a:p>
+        </p:txBody>
+      </p:sp>
+      <p:sp>
+        <p:nvSpPr>
+          <p:cNvPr id="3" name="Content Placeholder 2">
+            <a:extLst>
+              <a:ext uri="{FF2B5EF4-FFF2-40B4-BE49-F238E27FC236}">
+                <a16:creationId xmlns:a16="http://schemas.microsoft.com/office/drawing/2014/main" id="{82B2897E-E6AE-422C-9ACD-46565D3C578F}"/>
+              </a:ext>
+            </a:extLst>
+          </p:cNvPr>
+          <p:cNvSpPr>
+            <a:spLocks noGrp="1"/>
+          </p:cNvSpPr>
+          <p:nvPr>
+            <p:ph idx="1"/>
+          </p:nvPr>
+        </p:nvSpPr>
+        <p:spPr/>
+        <p:txBody>
+          <a:bodyPr/>
+          <a:lstStyle/>
+          <a:p>
+            <a:pPr marL="0" indent="0">
+              <a:buNone/>
+            </a:pPr>
+            <a:r>
+              <a:rPr lang="en-US" dirty="0"/>
+              <a:t>Goal</a:t>
+            </a:r>
+          </a:p>
+          <a:p>
+            <a:r>
+              <a:rPr lang="en-US" dirty="0">
+                <a:solidFill>
+                  <a:schemeClr val="bg2">
+                    <a:lumMod val="50000"/>
+                  </a:schemeClr>
+                </a:solidFill>
+              </a:rPr>
+              <a:t>Build a classification model for trading foreign exchange currencies</a:t>
+            </a:r>
+          </a:p>
+          <a:p>
+            <a:r>
+              <a:rPr lang="en-US" dirty="0">
+                <a:solidFill>
+                  <a:schemeClr val="bg2">
+                    <a:lumMod val="50000"/>
+                  </a:schemeClr>
+                </a:solidFill>
+              </a:rPr>
+              <a:t>Model will identify whether or not price will go up or down from current value</a:t>
+            </a:r>
+          </a:p>
+          <a:p>
+            <a:r>
+              <a:rPr lang="en-US" dirty="0">
+                <a:solidFill>
+                  <a:schemeClr val="bg2">
+                    <a:lumMod val="50000"/>
+                  </a:schemeClr>
+                </a:solidFill>
+              </a:rPr>
+              <a:t>Designed for binary trading strategy</a:t>
+            </a:r>
+          </a:p>
+          <a:p>
+            <a:pPr lvl="1"/>
+            <a:r>
+              <a:rPr lang="en-US" dirty="0">
+                <a:solidFill>
+                  <a:schemeClr val="bg2">
+                    <a:lumMod val="50000"/>
+                  </a:schemeClr>
+                </a:solidFill>
+              </a:rPr>
+              <a:t>Binary trading consists of buying a contract for a specified period with the idea that price will go up on a BUY option and down on a SELL option</a:t>
+            </a:r>
+          </a:p>
+        </p:txBody>
+      </p:sp>
+      <p:cxnSp>
+        <p:nvCxnSpPr>
+          <p:cNvPr id="6" name="Straight Connector 5">
+            <a:extLst>
+              <a:ext uri="{FF2B5EF4-FFF2-40B4-BE49-F238E27FC236}">
+                <a16:creationId xmlns:a16="http://schemas.microsoft.com/office/drawing/2014/main" id="{2A23E1C2-D9D2-4301-8CE2-1B50D6F327D4}"/>
+              </a:ext>
+            </a:extLst>
+          </p:cNvPr>
+          <p:cNvCxnSpPr>
+            <a:cxnSpLocks/>
+          </p:cNvCxnSpPr>
+          <p:nvPr/>
+        </p:nvCxnSpPr>
+        <p:spPr>
+          <a:xfrm>
+            <a:off x="896923" y="526589"/>
+            <a:ext cx="5721991" cy="0"/>
           </a:xfrm>
           <a:prstGeom prst="line">
             <a:avLst/>
@@ -3845,8 +5995,8 @@
         </p:nvCxnSpPr>
         <p:spPr>
           <a:xfrm>
-            <a:off x="6523181" y="6176963"/>
-            <a:ext cx="4830619" cy="0"/>
+            <a:off x="5175308" y="5212228"/>
+            <a:ext cx="5721991" cy="0"/>
           </a:xfrm>
           <a:prstGeom prst="line">
             <a:avLst/>
@@ -3878,6 +6028,2850 @@
     <p:extLst>
       <p:ext uri="{BB962C8B-B14F-4D97-AF65-F5344CB8AC3E}">
         <p14:creationId xmlns:p14="http://schemas.microsoft.com/office/powerpoint/2010/main" val="2435557583"/>
+      </p:ext>
+    </p:extLst>
+  </p:cSld>
+  <p:clrMapOvr>
+    <a:masterClrMapping/>
+  </p:clrMapOvr>
+</p:sld>
+</file>
+
+<file path=ppt/slides/slide4.xml><?xml version="1.0" encoding="utf-8"?>
+<p:sld xmlns:a="http://schemas.openxmlformats.org/drawingml/2006/main" xmlns:r="http://schemas.openxmlformats.org/officeDocument/2006/relationships" xmlns:p="http://schemas.openxmlformats.org/presentationml/2006/main">
+  <p:cSld>
+    <p:spTree>
+      <p:nvGrpSpPr>
+        <p:cNvPr id="1" name=""/>
+        <p:cNvGrpSpPr/>
+        <p:nvPr/>
+      </p:nvGrpSpPr>
+      <p:grpSpPr>
+        <a:xfrm>
+          <a:off x="0" y="0"/>
+          <a:ext cx="0" cy="0"/>
+          <a:chOff x="0" y="0"/>
+          <a:chExt cx="0" cy="0"/>
+        </a:xfrm>
+      </p:grpSpPr>
+      <p:sp>
+        <p:nvSpPr>
+          <p:cNvPr id="2" name="Title 1">
+            <a:extLst>
+              <a:ext uri="{FF2B5EF4-FFF2-40B4-BE49-F238E27FC236}">
+                <a16:creationId xmlns:a16="http://schemas.microsoft.com/office/drawing/2014/main" id="{8F1AB34B-6DCA-48DF-8C1C-907EBED7EADD}"/>
+              </a:ext>
+            </a:extLst>
+          </p:cNvPr>
+          <p:cNvSpPr>
+            <a:spLocks noGrp="1"/>
+          </p:cNvSpPr>
+          <p:nvPr>
+            <p:ph type="title"/>
+          </p:nvPr>
+        </p:nvSpPr>
+        <p:spPr/>
+        <p:txBody>
+          <a:bodyPr/>
+          <a:lstStyle/>
+          <a:p>
+            <a:r>
+              <a:rPr lang="en-US" dirty="0"/>
+              <a:t>The Data</a:t>
+            </a:r>
+          </a:p>
+        </p:txBody>
+      </p:sp>
+      <p:sp>
+        <p:nvSpPr>
+          <p:cNvPr id="3" name="Content Placeholder 2">
+            <a:extLst>
+              <a:ext uri="{FF2B5EF4-FFF2-40B4-BE49-F238E27FC236}">
+                <a16:creationId xmlns:a16="http://schemas.microsoft.com/office/drawing/2014/main" id="{EC38404B-8F4C-474C-9B42-EA001F19779E}"/>
+              </a:ext>
+            </a:extLst>
+          </p:cNvPr>
+          <p:cNvSpPr>
+            <a:spLocks noGrp="1"/>
+          </p:cNvSpPr>
+          <p:nvPr>
+            <p:ph idx="1"/>
+          </p:nvPr>
+        </p:nvSpPr>
+        <p:spPr/>
+        <p:txBody>
+          <a:bodyPr/>
+          <a:lstStyle/>
+          <a:p>
+            <a:pPr marL="0" indent="0">
+              <a:buNone/>
+            </a:pPr>
+            <a:r>
+              <a:rPr lang="en-US" dirty="0"/>
+              <a:t>Source</a:t>
+            </a:r>
+          </a:p>
+          <a:p>
+            <a:r>
+              <a:rPr lang="en-US" dirty="0">
+                <a:solidFill>
+                  <a:schemeClr val="bg2">
+                    <a:lumMod val="50000"/>
+                  </a:schemeClr>
+                </a:solidFill>
+              </a:rPr>
+              <a:t>Data was compiled into a local database using the </a:t>
+            </a:r>
+            <a:r>
+              <a:rPr lang="en-US" dirty="0">
+                <a:solidFill>
+                  <a:schemeClr val="bg2">
+                    <a:lumMod val="50000"/>
+                  </a:schemeClr>
+                </a:solidFill>
+                <a:hlinkClick r:id="rId2"/>
+              </a:rPr>
+              <a:t>forex datamining</a:t>
+            </a:r>
+            <a:r>
+              <a:rPr lang="en-US" dirty="0">
+                <a:solidFill>
+                  <a:schemeClr val="bg2">
+                    <a:lumMod val="50000"/>
+                  </a:schemeClr>
+                </a:solidFill>
+              </a:rPr>
+              <a:t> notebook</a:t>
+            </a:r>
+          </a:p>
+          <a:p>
+            <a:r>
+              <a:rPr lang="en-US" dirty="0">
+                <a:solidFill>
+                  <a:schemeClr val="bg2">
+                    <a:lumMod val="50000"/>
+                  </a:schemeClr>
+                </a:solidFill>
+              </a:rPr>
+              <a:t>Majority of data created through the use of publicly available API’s</a:t>
+            </a:r>
+          </a:p>
+          <a:p>
+            <a:pPr lvl="1"/>
+            <a:r>
+              <a:rPr lang="en-US" dirty="0" err="1">
+                <a:solidFill>
+                  <a:schemeClr val="bg2">
+                    <a:lumMod val="50000"/>
+                  </a:schemeClr>
+                </a:solidFill>
+              </a:rPr>
+              <a:t>AlphaVantage</a:t>
+            </a:r>
+            <a:r>
+              <a:rPr lang="en-US" dirty="0">
+                <a:solidFill>
+                  <a:schemeClr val="bg2">
+                    <a:lumMod val="50000"/>
+                  </a:schemeClr>
+                </a:solidFill>
+              </a:rPr>
+              <a:t> API for sourcing currency data</a:t>
+            </a:r>
+          </a:p>
+          <a:p>
+            <a:pPr lvl="1"/>
+            <a:r>
+              <a:rPr lang="en-US" dirty="0">
+                <a:solidFill>
+                  <a:schemeClr val="bg2">
+                    <a:lumMod val="50000"/>
+                  </a:schemeClr>
+                </a:solidFill>
+              </a:rPr>
+              <a:t>Twitter API for sourcing tweet information for sentiment analysis</a:t>
+            </a:r>
+          </a:p>
+          <a:p>
+            <a:r>
+              <a:rPr lang="en-US" dirty="0">
+                <a:solidFill>
+                  <a:schemeClr val="bg2">
+                    <a:lumMod val="50000"/>
+                  </a:schemeClr>
+                </a:solidFill>
+              </a:rPr>
+              <a:t>Partial data was mined through scraping websites</a:t>
+            </a:r>
+          </a:p>
+          <a:p>
+            <a:pPr lvl="1"/>
+            <a:r>
+              <a:rPr lang="en-US" dirty="0">
+                <a:solidFill>
+                  <a:schemeClr val="bg2">
+                    <a:lumMod val="50000"/>
+                  </a:schemeClr>
+                </a:solidFill>
+              </a:rPr>
+              <a:t>livecharts.co.uk for currency strength data</a:t>
+            </a:r>
+          </a:p>
+          <a:p>
+            <a:pPr lvl="1"/>
+            <a:r>
+              <a:rPr lang="en-US" dirty="0">
+                <a:solidFill>
+                  <a:schemeClr val="bg2">
+                    <a:lumMod val="50000"/>
+                  </a:schemeClr>
+                </a:solidFill>
+              </a:rPr>
+              <a:t>forexfactory.com for currency event information and sentiment</a:t>
+            </a:r>
+          </a:p>
+          <a:p>
+            <a:endParaRPr lang="en-US" dirty="0">
+              <a:solidFill>
+                <a:schemeClr val="bg2">
+                  <a:lumMod val="50000"/>
+                </a:schemeClr>
+              </a:solidFill>
+            </a:endParaRPr>
+          </a:p>
+          <a:p>
+            <a:endParaRPr lang="en-US" dirty="0">
+              <a:solidFill>
+                <a:schemeClr val="bg2">
+                  <a:lumMod val="50000"/>
+                </a:schemeClr>
+              </a:solidFill>
+            </a:endParaRPr>
+          </a:p>
+          <a:p>
+            <a:endParaRPr lang="en-US" dirty="0">
+              <a:solidFill>
+                <a:schemeClr val="bg2">
+                  <a:lumMod val="50000"/>
+                </a:schemeClr>
+              </a:solidFill>
+            </a:endParaRPr>
+          </a:p>
+          <a:p>
+            <a:endParaRPr lang="en-US" dirty="0">
+              <a:solidFill>
+                <a:schemeClr val="bg2">
+                  <a:lumMod val="50000"/>
+                </a:schemeClr>
+              </a:solidFill>
+            </a:endParaRPr>
+          </a:p>
+          <a:p>
+            <a:endParaRPr lang="en-US" dirty="0">
+              <a:solidFill>
+                <a:schemeClr val="bg2">
+                  <a:lumMod val="50000"/>
+                </a:schemeClr>
+              </a:solidFill>
+            </a:endParaRPr>
+          </a:p>
+          <a:p>
+            <a:endParaRPr lang="en-US" dirty="0">
+              <a:solidFill>
+                <a:schemeClr val="bg2">
+                  <a:lumMod val="50000"/>
+                </a:schemeClr>
+              </a:solidFill>
+            </a:endParaRPr>
+          </a:p>
+        </p:txBody>
+      </p:sp>
+      <p:cxnSp>
+        <p:nvCxnSpPr>
+          <p:cNvPr id="8" name="Straight Connector 7">
+            <a:extLst>
+              <a:ext uri="{FF2B5EF4-FFF2-40B4-BE49-F238E27FC236}">
+                <a16:creationId xmlns:a16="http://schemas.microsoft.com/office/drawing/2014/main" id="{A7CD9A17-AA88-4C0D-8E68-B23241880081}"/>
+              </a:ext>
+            </a:extLst>
+          </p:cNvPr>
+          <p:cNvCxnSpPr>
+            <a:cxnSpLocks/>
+          </p:cNvCxnSpPr>
+          <p:nvPr/>
+        </p:nvCxnSpPr>
+        <p:spPr>
+          <a:xfrm>
+            <a:off x="896923" y="526589"/>
+            <a:ext cx="5721991" cy="0"/>
+          </a:xfrm>
+          <a:prstGeom prst="line">
+            <a:avLst/>
+          </a:prstGeom>
+          <a:ln w="19050">
+            <a:solidFill>
+              <a:srgbClr val="FF0000">
+                <a:alpha val="50196"/>
+              </a:srgbClr>
+            </a:solidFill>
+          </a:ln>
+        </p:spPr>
+        <p:style>
+          <a:lnRef idx="1">
+            <a:schemeClr val="accent2"/>
+          </a:lnRef>
+          <a:fillRef idx="0">
+            <a:schemeClr val="accent2"/>
+          </a:fillRef>
+          <a:effectRef idx="0">
+            <a:schemeClr val="accent2"/>
+          </a:effectRef>
+          <a:fontRef idx="minor">
+            <a:schemeClr val="tx1"/>
+          </a:fontRef>
+        </p:style>
+      </p:cxnSp>
+      <p:cxnSp>
+        <p:nvCxnSpPr>
+          <p:cNvPr id="9" name="Straight Connector 8">
+            <a:extLst>
+              <a:ext uri="{FF2B5EF4-FFF2-40B4-BE49-F238E27FC236}">
+                <a16:creationId xmlns:a16="http://schemas.microsoft.com/office/drawing/2014/main" id="{0FEB4CB8-348D-4B84-B9FD-4DF9A43C9380}"/>
+              </a:ext>
+            </a:extLst>
+          </p:cNvPr>
+          <p:cNvCxnSpPr>
+            <a:cxnSpLocks/>
+          </p:cNvCxnSpPr>
+          <p:nvPr/>
+        </p:nvCxnSpPr>
+        <p:spPr>
+          <a:xfrm>
+            <a:off x="5477311" y="6051128"/>
+            <a:ext cx="5721991" cy="0"/>
+          </a:xfrm>
+          <a:prstGeom prst="line">
+            <a:avLst/>
+          </a:prstGeom>
+          <a:ln w="19050">
+            <a:solidFill>
+              <a:srgbClr val="A9D18E">
+                <a:alpha val="74902"/>
+              </a:srgbClr>
+            </a:solidFill>
+          </a:ln>
+        </p:spPr>
+        <p:style>
+          <a:lnRef idx="1">
+            <a:schemeClr val="accent6"/>
+          </a:lnRef>
+          <a:fillRef idx="0">
+            <a:schemeClr val="accent6"/>
+          </a:fillRef>
+          <a:effectRef idx="0">
+            <a:schemeClr val="accent6"/>
+          </a:effectRef>
+          <a:fontRef idx="minor">
+            <a:schemeClr val="tx1"/>
+          </a:fontRef>
+        </p:style>
+      </p:cxnSp>
+    </p:spTree>
+    <p:extLst>
+      <p:ext uri="{BB962C8B-B14F-4D97-AF65-F5344CB8AC3E}">
+        <p14:creationId xmlns:p14="http://schemas.microsoft.com/office/powerpoint/2010/main" val="2791946749"/>
+      </p:ext>
+    </p:extLst>
+  </p:cSld>
+  <p:clrMapOvr>
+    <a:masterClrMapping/>
+  </p:clrMapOvr>
+</p:sld>
+</file>
+
+<file path=ppt/slides/slide5.xml><?xml version="1.0" encoding="utf-8"?>
+<p:sld xmlns:a="http://schemas.openxmlformats.org/drawingml/2006/main" xmlns:r="http://schemas.openxmlformats.org/officeDocument/2006/relationships" xmlns:p="http://schemas.openxmlformats.org/presentationml/2006/main">
+  <p:cSld>
+    <p:spTree>
+      <p:nvGrpSpPr>
+        <p:cNvPr id="1" name=""/>
+        <p:cNvGrpSpPr/>
+        <p:nvPr/>
+      </p:nvGrpSpPr>
+      <p:grpSpPr>
+        <a:xfrm>
+          <a:off x="0" y="0"/>
+          <a:ext cx="0" cy="0"/>
+          <a:chOff x="0" y="0"/>
+          <a:chExt cx="0" cy="0"/>
+        </a:xfrm>
+      </p:grpSpPr>
+      <p:sp>
+        <p:nvSpPr>
+          <p:cNvPr id="2" name="Title 1">
+            <a:extLst>
+              <a:ext uri="{FF2B5EF4-FFF2-40B4-BE49-F238E27FC236}">
+                <a16:creationId xmlns:a16="http://schemas.microsoft.com/office/drawing/2014/main" id="{B815774C-447B-49BE-8B9C-6746355C17E6}"/>
+              </a:ext>
+            </a:extLst>
+          </p:cNvPr>
+          <p:cNvSpPr>
+            <a:spLocks noGrp="1"/>
+          </p:cNvSpPr>
+          <p:nvPr>
+            <p:ph type="title"/>
+          </p:nvPr>
+        </p:nvSpPr>
+        <p:spPr/>
+        <p:txBody>
+          <a:bodyPr/>
+          <a:lstStyle/>
+          <a:p>
+            <a:r>
+              <a:rPr lang="en-US" dirty="0"/>
+              <a:t>The Data</a:t>
+            </a:r>
+          </a:p>
+        </p:txBody>
+      </p:sp>
+      <p:sp>
+        <p:nvSpPr>
+          <p:cNvPr id="3" name="Content Placeholder 2">
+            <a:extLst>
+              <a:ext uri="{FF2B5EF4-FFF2-40B4-BE49-F238E27FC236}">
+                <a16:creationId xmlns:a16="http://schemas.microsoft.com/office/drawing/2014/main" id="{2976F89E-2B65-4C06-9677-2FCACD699696}"/>
+              </a:ext>
+            </a:extLst>
+          </p:cNvPr>
+          <p:cNvSpPr>
+            <a:spLocks noGrp="1"/>
+          </p:cNvSpPr>
+          <p:nvPr>
+            <p:ph idx="1"/>
+          </p:nvPr>
+        </p:nvSpPr>
+        <p:spPr>
+          <a:xfrm>
+            <a:off x="838201" y="1825625"/>
+            <a:ext cx="4874702" cy="4351338"/>
+          </a:xfrm>
+        </p:spPr>
+        <p:txBody>
+          <a:bodyPr/>
+          <a:lstStyle/>
+          <a:p>
+            <a:pPr marL="0" indent="0">
+              <a:buNone/>
+            </a:pPr>
+            <a:r>
+              <a:rPr lang="en-US" dirty="0"/>
+              <a:t>Data Creation</a:t>
+            </a:r>
+          </a:p>
+          <a:p>
+            <a:r>
+              <a:rPr lang="en-US" dirty="0" err="1">
+                <a:solidFill>
+                  <a:schemeClr val="bg2">
+                    <a:lumMod val="50000"/>
+                  </a:schemeClr>
+                </a:solidFill>
+              </a:rPr>
+              <a:t>AlphaVantage</a:t>
+            </a:r>
+            <a:r>
+              <a:rPr lang="en-US" dirty="0">
+                <a:solidFill>
+                  <a:schemeClr val="bg2">
+                    <a:lumMod val="50000"/>
+                  </a:schemeClr>
+                </a:solidFill>
+              </a:rPr>
+              <a:t> API data</a:t>
+            </a:r>
+          </a:p>
+          <a:p>
+            <a:pPr lvl="1"/>
+            <a:r>
+              <a:rPr lang="en-US" dirty="0">
+                <a:solidFill>
+                  <a:schemeClr val="bg2">
+                    <a:lumMod val="50000"/>
+                  </a:schemeClr>
+                </a:solidFill>
+              </a:rPr>
+              <a:t>Created the technical analysis indicators including:</a:t>
+            </a:r>
+          </a:p>
+          <a:p>
+            <a:pPr lvl="2"/>
+            <a:r>
+              <a:rPr lang="en-US" dirty="0">
+                <a:solidFill>
+                  <a:schemeClr val="bg2">
+                    <a:lumMod val="50000"/>
+                  </a:schemeClr>
+                </a:solidFill>
+              </a:rPr>
+              <a:t>Relative strength index (RSI)</a:t>
+            </a:r>
+          </a:p>
+          <a:p>
+            <a:pPr lvl="2"/>
+            <a:r>
+              <a:rPr lang="en-US" dirty="0">
+                <a:solidFill>
+                  <a:schemeClr val="bg2">
+                    <a:lumMod val="50000"/>
+                  </a:schemeClr>
+                </a:solidFill>
+              </a:rPr>
+              <a:t>Bollinger bands</a:t>
+            </a:r>
+          </a:p>
+          <a:p>
+            <a:pPr lvl="2"/>
+            <a:r>
+              <a:rPr lang="en-US" dirty="0">
+                <a:solidFill>
+                  <a:schemeClr val="bg2">
+                    <a:lumMod val="50000"/>
+                  </a:schemeClr>
+                </a:solidFill>
+              </a:rPr>
+              <a:t>Stochastic oscillators</a:t>
+            </a:r>
+          </a:p>
+          <a:p>
+            <a:pPr lvl="1"/>
+            <a:r>
+              <a:rPr lang="en-US" dirty="0">
+                <a:solidFill>
+                  <a:schemeClr val="bg2">
+                    <a:lumMod val="50000"/>
+                  </a:schemeClr>
+                </a:solidFill>
+              </a:rPr>
+              <a:t>For more detail please review </a:t>
+            </a:r>
+            <a:r>
+              <a:rPr lang="en-US" dirty="0">
+                <a:solidFill>
+                  <a:schemeClr val="bg2">
+                    <a:lumMod val="50000"/>
+                  </a:schemeClr>
+                </a:solidFill>
+                <a:hlinkClick r:id="rId2"/>
+              </a:rPr>
+              <a:t>readme</a:t>
+            </a:r>
+            <a:endParaRPr lang="en-US" dirty="0">
+              <a:solidFill>
+                <a:schemeClr val="bg2">
+                  <a:lumMod val="50000"/>
+                </a:schemeClr>
+              </a:solidFill>
+            </a:endParaRPr>
+          </a:p>
+        </p:txBody>
+      </p:sp>
+      <p:cxnSp>
+        <p:nvCxnSpPr>
+          <p:cNvPr id="4" name="Straight Connector 3">
+            <a:extLst>
+              <a:ext uri="{FF2B5EF4-FFF2-40B4-BE49-F238E27FC236}">
+                <a16:creationId xmlns:a16="http://schemas.microsoft.com/office/drawing/2014/main" id="{2F02B04B-1139-4F04-B584-347D3F4D3766}"/>
+              </a:ext>
+            </a:extLst>
+          </p:cNvPr>
+          <p:cNvCxnSpPr>
+            <a:cxnSpLocks/>
+          </p:cNvCxnSpPr>
+          <p:nvPr/>
+        </p:nvCxnSpPr>
+        <p:spPr>
+          <a:xfrm>
+            <a:off x="896923" y="526589"/>
+            <a:ext cx="5721991" cy="0"/>
+          </a:xfrm>
+          <a:prstGeom prst="line">
+            <a:avLst/>
+          </a:prstGeom>
+          <a:ln w="19050">
+            <a:solidFill>
+              <a:srgbClr val="FF0000">
+                <a:alpha val="50196"/>
+              </a:srgbClr>
+            </a:solidFill>
+          </a:ln>
+        </p:spPr>
+        <p:style>
+          <a:lnRef idx="1">
+            <a:schemeClr val="accent2"/>
+          </a:lnRef>
+          <a:fillRef idx="0">
+            <a:schemeClr val="accent2"/>
+          </a:fillRef>
+          <a:effectRef idx="0">
+            <a:schemeClr val="accent2"/>
+          </a:effectRef>
+          <a:fontRef idx="minor">
+            <a:schemeClr val="tx1"/>
+          </a:fontRef>
+        </p:style>
+      </p:cxnSp>
+      <p:pic>
+        <p:nvPicPr>
+          <p:cNvPr id="7" name="Picture 6">
+            <a:extLst>
+              <a:ext uri="{FF2B5EF4-FFF2-40B4-BE49-F238E27FC236}">
+                <a16:creationId xmlns:a16="http://schemas.microsoft.com/office/drawing/2014/main" id="{9C038F9D-E3C2-42E5-8237-164BD7A953FF}"/>
+              </a:ext>
+            </a:extLst>
+          </p:cNvPr>
+          <p:cNvPicPr>
+            <a:picLocks noChangeAspect="1"/>
+          </p:cNvPicPr>
+          <p:nvPr/>
+        </p:nvPicPr>
+        <p:blipFill>
+          <a:blip r:embed="rId3">
+            <a:extLst>
+              <a:ext uri="{28A0092B-C50C-407E-A947-70E740481C1C}">
+                <a14:useLocalDpi xmlns:a14="http://schemas.microsoft.com/office/drawing/2010/main" val="0"/>
+              </a:ext>
+            </a:extLst>
+          </a:blip>
+          <a:stretch>
+            <a:fillRect/>
+          </a:stretch>
+        </p:blipFill>
+        <p:spPr>
+          <a:xfrm>
+            <a:off x="6096000" y="1516404"/>
+            <a:ext cx="5538098" cy="3818992"/>
+          </a:xfrm>
+          <a:prstGeom prst="rect">
+            <a:avLst/>
+          </a:prstGeom>
+        </p:spPr>
+      </p:pic>
+      <p:cxnSp>
+        <p:nvCxnSpPr>
+          <p:cNvPr id="8" name="Straight Connector 7">
+            <a:extLst>
+              <a:ext uri="{FF2B5EF4-FFF2-40B4-BE49-F238E27FC236}">
+                <a16:creationId xmlns:a16="http://schemas.microsoft.com/office/drawing/2014/main" id="{C7C06BF9-FCC7-4D57-AFB4-CEE5386D947C}"/>
+              </a:ext>
+            </a:extLst>
+          </p:cNvPr>
+          <p:cNvCxnSpPr>
+            <a:cxnSpLocks/>
+          </p:cNvCxnSpPr>
+          <p:nvPr/>
+        </p:nvCxnSpPr>
+        <p:spPr>
+          <a:xfrm>
+            <a:off x="5477311" y="6051128"/>
+            <a:ext cx="5721991" cy="0"/>
+          </a:xfrm>
+          <a:prstGeom prst="line">
+            <a:avLst/>
+          </a:prstGeom>
+          <a:ln w="19050">
+            <a:solidFill>
+              <a:srgbClr val="A9D18E">
+                <a:alpha val="74902"/>
+              </a:srgbClr>
+            </a:solidFill>
+          </a:ln>
+        </p:spPr>
+        <p:style>
+          <a:lnRef idx="1">
+            <a:schemeClr val="accent6"/>
+          </a:lnRef>
+          <a:fillRef idx="0">
+            <a:schemeClr val="accent6"/>
+          </a:fillRef>
+          <a:effectRef idx="0">
+            <a:schemeClr val="accent6"/>
+          </a:effectRef>
+          <a:fontRef idx="minor">
+            <a:schemeClr val="tx1"/>
+          </a:fontRef>
+        </p:style>
+      </p:cxnSp>
+    </p:spTree>
+    <p:extLst>
+      <p:ext uri="{BB962C8B-B14F-4D97-AF65-F5344CB8AC3E}">
+        <p14:creationId xmlns:p14="http://schemas.microsoft.com/office/powerpoint/2010/main" val="3344483658"/>
+      </p:ext>
+    </p:extLst>
+  </p:cSld>
+  <p:clrMapOvr>
+    <a:masterClrMapping/>
+  </p:clrMapOvr>
+</p:sld>
+</file>
+
+<file path=ppt/slides/slide6.xml><?xml version="1.0" encoding="utf-8"?>
+<p:sld xmlns:a="http://schemas.openxmlformats.org/drawingml/2006/main" xmlns:r="http://schemas.openxmlformats.org/officeDocument/2006/relationships" xmlns:p="http://schemas.openxmlformats.org/presentationml/2006/main">
+  <p:cSld>
+    <p:spTree>
+      <p:nvGrpSpPr>
+        <p:cNvPr id="1" name=""/>
+        <p:cNvGrpSpPr/>
+        <p:nvPr/>
+      </p:nvGrpSpPr>
+      <p:grpSpPr>
+        <a:xfrm>
+          <a:off x="0" y="0"/>
+          <a:ext cx="0" cy="0"/>
+          <a:chOff x="0" y="0"/>
+          <a:chExt cx="0" cy="0"/>
+        </a:xfrm>
+      </p:grpSpPr>
+      <p:sp>
+        <p:nvSpPr>
+          <p:cNvPr id="2" name="Title 1">
+            <a:extLst>
+              <a:ext uri="{FF2B5EF4-FFF2-40B4-BE49-F238E27FC236}">
+                <a16:creationId xmlns:a16="http://schemas.microsoft.com/office/drawing/2014/main" id="{2C6EE046-4BBD-4EFF-B5B2-FC6525FC6CA1}"/>
+              </a:ext>
+            </a:extLst>
+          </p:cNvPr>
+          <p:cNvSpPr>
+            <a:spLocks noGrp="1"/>
+          </p:cNvSpPr>
+          <p:nvPr>
+            <p:ph type="title"/>
+          </p:nvPr>
+        </p:nvSpPr>
+        <p:spPr/>
+        <p:txBody>
+          <a:bodyPr/>
+          <a:lstStyle/>
+          <a:p>
+            <a:r>
+              <a:rPr lang="en-US" dirty="0"/>
+              <a:t>The Data</a:t>
+            </a:r>
+          </a:p>
+        </p:txBody>
+      </p:sp>
+      <p:sp>
+        <p:nvSpPr>
+          <p:cNvPr id="3" name="Content Placeholder 2">
+            <a:extLst>
+              <a:ext uri="{FF2B5EF4-FFF2-40B4-BE49-F238E27FC236}">
+                <a16:creationId xmlns:a16="http://schemas.microsoft.com/office/drawing/2014/main" id="{DD892FA0-3165-4727-8D69-A79176A6116B}"/>
+              </a:ext>
+            </a:extLst>
+          </p:cNvPr>
+          <p:cNvSpPr>
+            <a:spLocks noGrp="1"/>
+          </p:cNvSpPr>
+          <p:nvPr>
+            <p:ph idx="1"/>
+          </p:nvPr>
+        </p:nvSpPr>
+        <p:spPr/>
+        <p:txBody>
+          <a:bodyPr/>
+          <a:lstStyle/>
+          <a:p>
+            <a:pPr marL="0" indent="0">
+              <a:buNone/>
+            </a:pPr>
+            <a:r>
+              <a:rPr lang="en-US" dirty="0"/>
+              <a:t>Twitter API</a:t>
+            </a:r>
+          </a:p>
+          <a:p>
+            <a:r>
+              <a:rPr lang="en-US" dirty="0">
+                <a:solidFill>
+                  <a:schemeClr val="bg2">
+                    <a:lumMod val="50000"/>
+                  </a:schemeClr>
+                </a:solidFill>
+              </a:rPr>
+              <a:t>Built a public sentiment analysis of the currency pair</a:t>
+            </a:r>
+          </a:p>
+          <a:p>
+            <a:r>
+              <a:rPr lang="en-US" dirty="0">
+                <a:solidFill>
+                  <a:schemeClr val="bg2">
+                    <a:lumMod val="50000"/>
+                  </a:schemeClr>
+                </a:solidFill>
+              </a:rPr>
+              <a:t>Identified a trader sentiment through the tracking of bot outcomes</a:t>
+            </a:r>
+          </a:p>
+          <a:p>
+            <a:pPr marL="0" indent="0">
+              <a:buNone/>
+            </a:pPr>
+            <a:r>
+              <a:rPr lang="en-US" dirty="0"/>
+              <a:t>Currency Strength</a:t>
+            </a:r>
+          </a:p>
+          <a:p>
+            <a:r>
+              <a:rPr lang="en-US" dirty="0">
+                <a:solidFill>
+                  <a:schemeClr val="bg2">
+                    <a:lumMod val="50000"/>
+                  </a:schemeClr>
+                </a:solidFill>
+              </a:rPr>
+              <a:t>Used to monitor increase or decrease in strength</a:t>
+            </a:r>
+          </a:p>
+          <a:p>
+            <a:pPr marL="0" indent="0">
+              <a:buNone/>
+            </a:pPr>
+            <a:r>
+              <a:rPr lang="en-US" dirty="0"/>
+              <a:t>Event Information</a:t>
+            </a:r>
+          </a:p>
+          <a:p>
+            <a:r>
+              <a:rPr lang="en-US" dirty="0">
+                <a:solidFill>
+                  <a:schemeClr val="bg2">
+                    <a:lumMod val="50000"/>
+                  </a:schemeClr>
+                </a:solidFill>
+              </a:rPr>
+              <a:t>Useful for fundamental analysis and identifying large movement in the market</a:t>
+            </a:r>
+          </a:p>
+        </p:txBody>
+      </p:sp>
+      <p:cxnSp>
+        <p:nvCxnSpPr>
+          <p:cNvPr id="4" name="Straight Connector 3">
+            <a:extLst>
+              <a:ext uri="{FF2B5EF4-FFF2-40B4-BE49-F238E27FC236}">
+                <a16:creationId xmlns:a16="http://schemas.microsoft.com/office/drawing/2014/main" id="{FD7B0349-B650-476A-BCC4-B01767C69688}"/>
+              </a:ext>
+            </a:extLst>
+          </p:cNvPr>
+          <p:cNvCxnSpPr>
+            <a:cxnSpLocks/>
+          </p:cNvCxnSpPr>
+          <p:nvPr/>
+        </p:nvCxnSpPr>
+        <p:spPr>
+          <a:xfrm>
+            <a:off x="896923" y="526589"/>
+            <a:ext cx="5721991" cy="0"/>
+          </a:xfrm>
+          <a:prstGeom prst="line">
+            <a:avLst/>
+          </a:prstGeom>
+          <a:ln w="19050">
+            <a:solidFill>
+              <a:srgbClr val="FF0000">
+                <a:alpha val="50196"/>
+              </a:srgbClr>
+            </a:solidFill>
+          </a:ln>
+        </p:spPr>
+        <p:style>
+          <a:lnRef idx="1">
+            <a:schemeClr val="accent2"/>
+          </a:lnRef>
+          <a:fillRef idx="0">
+            <a:schemeClr val="accent2"/>
+          </a:fillRef>
+          <a:effectRef idx="0">
+            <a:schemeClr val="accent2"/>
+          </a:effectRef>
+          <a:fontRef idx="minor">
+            <a:schemeClr val="tx1"/>
+          </a:fontRef>
+        </p:style>
+      </p:cxnSp>
+      <p:cxnSp>
+        <p:nvCxnSpPr>
+          <p:cNvPr id="5" name="Straight Connector 4">
+            <a:extLst>
+              <a:ext uri="{FF2B5EF4-FFF2-40B4-BE49-F238E27FC236}">
+                <a16:creationId xmlns:a16="http://schemas.microsoft.com/office/drawing/2014/main" id="{15710D15-C544-4A75-8401-5D3C1E96E64D}"/>
+              </a:ext>
+            </a:extLst>
+          </p:cNvPr>
+          <p:cNvCxnSpPr>
+            <a:cxnSpLocks/>
+          </p:cNvCxnSpPr>
+          <p:nvPr/>
+        </p:nvCxnSpPr>
+        <p:spPr>
+          <a:xfrm>
+            <a:off x="5477311" y="6051128"/>
+            <a:ext cx="5721991" cy="0"/>
+          </a:xfrm>
+          <a:prstGeom prst="line">
+            <a:avLst/>
+          </a:prstGeom>
+          <a:ln w="19050">
+            <a:solidFill>
+              <a:srgbClr val="A9D18E">
+                <a:alpha val="74902"/>
+              </a:srgbClr>
+            </a:solidFill>
+          </a:ln>
+        </p:spPr>
+        <p:style>
+          <a:lnRef idx="1">
+            <a:schemeClr val="accent6"/>
+          </a:lnRef>
+          <a:fillRef idx="0">
+            <a:schemeClr val="accent6"/>
+          </a:fillRef>
+          <a:effectRef idx="0">
+            <a:schemeClr val="accent6"/>
+          </a:effectRef>
+          <a:fontRef idx="minor">
+            <a:schemeClr val="tx1"/>
+          </a:fontRef>
+        </p:style>
+      </p:cxnSp>
+    </p:spTree>
+    <p:extLst>
+      <p:ext uri="{BB962C8B-B14F-4D97-AF65-F5344CB8AC3E}">
+        <p14:creationId xmlns:p14="http://schemas.microsoft.com/office/powerpoint/2010/main" val="2970251820"/>
+      </p:ext>
+    </p:extLst>
+  </p:cSld>
+  <p:clrMapOvr>
+    <a:masterClrMapping/>
+  </p:clrMapOvr>
+</p:sld>
+</file>
+
+<file path=ppt/slides/slide7.xml><?xml version="1.0" encoding="utf-8"?>
+<p:sld xmlns:a="http://schemas.openxmlformats.org/drawingml/2006/main" xmlns:r="http://schemas.openxmlformats.org/officeDocument/2006/relationships" xmlns:p="http://schemas.openxmlformats.org/presentationml/2006/main">
+  <p:cSld>
+    <p:spTree>
+      <p:nvGrpSpPr>
+        <p:cNvPr id="1" name=""/>
+        <p:cNvGrpSpPr/>
+        <p:nvPr/>
+      </p:nvGrpSpPr>
+      <p:grpSpPr>
+        <a:xfrm>
+          <a:off x="0" y="0"/>
+          <a:ext cx="0" cy="0"/>
+          <a:chOff x="0" y="0"/>
+          <a:chExt cx="0" cy="0"/>
+        </a:xfrm>
+      </p:grpSpPr>
+      <p:sp>
+        <p:nvSpPr>
+          <p:cNvPr id="2" name="Title 1">
+            <a:extLst>
+              <a:ext uri="{FF2B5EF4-FFF2-40B4-BE49-F238E27FC236}">
+                <a16:creationId xmlns:a16="http://schemas.microsoft.com/office/drawing/2014/main" id="{DEB113F4-2E7D-4B97-96DB-19692D33234C}"/>
+              </a:ext>
+            </a:extLst>
+          </p:cNvPr>
+          <p:cNvSpPr>
+            <a:spLocks noGrp="1"/>
+          </p:cNvSpPr>
+          <p:nvPr>
+            <p:ph type="title"/>
+          </p:nvPr>
+        </p:nvSpPr>
+        <p:spPr/>
+        <p:txBody>
+          <a:bodyPr/>
+          <a:lstStyle/>
+          <a:p>
+            <a:r>
+              <a:rPr lang="en-US" dirty="0"/>
+              <a:t>Feature Engineering</a:t>
+            </a:r>
+          </a:p>
+        </p:txBody>
+      </p:sp>
+      <p:sp>
+        <p:nvSpPr>
+          <p:cNvPr id="3" name="Content Placeholder 2">
+            <a:extLst>
+              <a:ext uri="{FF2B5EF4-FFF2-40B4-BE49-F238E27FC236}">
+                <a16:creationId xmlns:a16="http://schemas.microsoft.com/office/drawing/2014/main" id="{82402780-1D67-4FC4-89C9-2900ED736438}"/>
+              </a:ext>
+            </a:extLst>
+          </p:cNvPr>
+          <p:cNvSpPr>
+            <a:spLocks noGrp="1"/>
+          </p:cNvSpPr>
+          <p:nvPr>
+            <p:ph idx="1"/>
+          </p:nvPr>
+        </p:nvSpPr>
+        <p:spPr/>
+        <p:txBody>
+          <a:bodyPr/>
+          <a:lstStyle/>
+          <a:p>
+            <a:r>
+              <a:rPr lang="en-US" dirty="0">
+                <a:solidFill>
+                  <a:schemeClr val="bg2">
+                    <a:lumMod val="50000"/>
+                  </a:schemeClr>
+                </a:solidFill>
+              </a:rPr>
+              <a:t>Data was clean from local database creation</a:t>
+            </a:r>
+          </a:p>
+          <a:p>
+            <a:r>
+              <a:rPr lang="en-US" dirty="0">
+                <a:solidFill>
+                  <a:schemeClr val="bg2">
+                    <a:lumMod val="50000"/>
+                  </a:schemeClr>
+                </a:solidFill>
+              </a:rPr>
+              <a:t>Features were created through manipulating event data</a:t>
+            </a:r>
+          </a:p>
+          <a:p>
+            <a:pPr lvl="1"/>
+            <a:r>
+              <a:rPr lang="en-US" dirty="0">
+                <a:solidFill>
+                  <a:schemeClr val="bg2">
+                    <a:lumMod val="50000"/>
+                  </a:schemeClr>
+                </a:solidFill>
+              </a:rPr>
+              <a:t>Sentiment analysis of event news articles was created</a:t>
+            </a:r>
+          </a:p>
+          <a:p>
+            <a:pPr lvl="1"/>
+            <a:r>
+              <a:rPr lang="en-US" dirty="0">
+                <a:solidFill>
+                  <a:schemeClr val="bg2">
+                    <a:lumMod val="50000"/>
+                  </a:schemeClr>
+                </a:solidFill>
+              </a:rPr>
+              <a:t>Actual result vs predicted result of event</a:t>
+            </a:r>
+          </a:p>
+          <a:p>
+            <a:pPr lvl="1"/>
+            <a:r>
+              <a:rPr lang="en-US" dirty="0">
+                <a:solidFill>
+                  <a:schemeClr val="bg2">
+                    <a:lumMod val="50000"/>
+                  </a:schemeClr>
+                </a:solidFill>
+              </a:rPr>
+              <a:t>Time to/since the event</a:t>
+            </a:r>
+          </a:p>
+          <a:p>
+            <a:r>
+              <a:rPr lang="en-US" dirty="0">
+                <a:solidFill>
+                  <a:schemeClr val="bg2">
+                    <a:lumMod val="50000"/>
+                  </a:schemeClr>
+                </a:solidFill>
+              </a:rPr>
+              <a:t>Dropped highly correlated features with correlation coefficient</a:t>
+            </a:r>
+          </a:p>
+          <a:p>
+            <a:pPr lvl="1"/>
+            <a:r>
+              <a:rPr lang="en-US" dirty="0">
+                <a:solidFill>
+                  <a:schemeClr val="bg2">
+                    <a:lumMod val="50000"/>
+                  </a:schemeClr>
+                </a:solidFill>
+              </a:rPr>
+              <a:t>Some features were highly correlated due to being derived from price</a:t>
+            </a:r>
+          </a:p>
+          <a:p>
+            <a:r>
+              <a:rPr lang="en-US" dirty="0">
+                <a:solidFill>
+                  <a:schemeClr val="bg2">
+                    <a:lumMod val="50000"/>
+                  </a:schemeClr>
+                </a:solidFill>
+              </a:rPr>
+              <a:t>Dropped low variance features due to small data sample</a:t>
+            </a:r>
+          </a:p>
+        </p:txBody>
+      </p:sp>
+      <p:cxnSp>
+        <p:nvCxnSpPr>
+          <p:cNvPr id="4" name="Straight Connector 3">
+            <a:extLst>
+              <a:ext uri="{FF2B5EF4-FFF2-40B4-BE49-F238E27FC236}">
+                <a16:creationId xmlns:a16="http://schemas.microsoft.com/office/drawing/2014/main" id="{CC9B38D6-D000-42E1-B19C-BF709E3DF056}"/>
+              </a:ext>
+            </a:extLst>
+          </p:cNvPr>
+          <p:cNvCxnSpPr>
+            <a:cxnSpLocks/>
+          </p:cNvCxnSpPr>
+          <p:nvPr/>
+        </p:nvCxnSpPr>
+        <p:spPr>
+          <a:xfrm>
+            <a:off x="896923" y="526589"/>
+            <a:ext cx="5721991" cy="0"/>
+          </a:xfrm>
+          <a:prstGeom prst="line">
+            <a:avLst/>
+          </a:prstGeom>
+          <a:ln w="19050">
+            <a:solidFill>
+              <a:srgbClr val="FF0000">
+                <a:alpha val="50196"/>
+              </a:srgbClr>
+            </a:solidFill>
+          </a:ln>
+        </p:spPr>
+        <p:style>
+          <a:lnRef idx="1">
+            <a:schemeClr val="accent2"/>
+          </a:lnRef>
+          <a:fillRef idx="0">
+            <a:schemeClr val="accent2"/>
+          </a:fillRef>
+          <a:effectRef idx="0">
+            <a:schemeClr val="accent2"/>
+          </a:effectRef>
+          <a:fontRef idx="minor">
+            <a:schemeClr val="tx1"/>
+          </a:fontRef>
+        </p:style>
+      </p:cxnSp>
+      <p:cxnSp>
+        <p:nvCxnSpPr>
+          <p:cNvPr id="5" name="Straight Connector 4">
+            <a:extLst>
+              <a:ext uri="{FF2B5EF4-FFF2-40B4-BE49-F238E27FC236}">
+                <a16:creationId xmlns:a16="http://schemas.microsoft.com/office/drawing/2014/main" id="{0A783138-3189-48D0-AE91-D6FF6CC234BD}"/>
+              </a:ext>
+            </a:extLst>
+          </p:cNvPr>
+          <p:cNvCxnSpPr>
+            <a:cxnSpLocks/>
+          </p:cNvCxnSpPr>
+          <p:nvPr/>
+        </p:nvCxnSpPr>
+        <p:spPr>
+          <a:xfrm>
+            <a:off x="4887286" y="5564567"/>
+            <a:ext cx="5721991" cy="0"/>
+          </a:xfrm>
+          <a:prstGeom prst="line">
+            <a:avLst/>
+          </a:prstGeom>
+          <a:ln w="19050">
+            <a:solidFill>
+              <a:srgbClr val="A9D18E">
+                <a:alpha val="74902"/>
+              </a:srgbClr>
+            </a:solidFill>
+          </a:ln>
+        </p:spPr>
+        <p:style>
+          <a:lnRef idx="1">
+            <a:schemeClr val="accent6"/>
+          </a:lnRef>
+          <a:fillRef idx="0">
+            <a:schemeClr val="accent6"/>
+          </a:fillRef>
+          <a:effectRef idx="0">
+            <a:schemeClr val="accent6"/>
+          </a:effectRef>
+          <a:fontRef idx="minor">
+            <a:schemeClr val="tx1"/>
+          </a:fontRef>
+        </p:style>
+      </p:cxnSp>
+    </p:spTree>
+    <p:extLst>
+      <p:ext uri="{BB962C8B-B14F-4D97-AF65-F5344CB8AC3E}">
+        <p14:creationId xmlns:p14="http://schemas.microsoft.com/office/powerpoint/2010/main" val="1843811840"/>
+      </p:ext>
+    </p:extLst>
+  </p:cSld>
+  <p:clrMapOvr>
+    <a:masterClrMapping/>
+  </p:clrMapOvr>
+</p:sld>
+</file>
+
+<file path=ppt/slides/slide8.xml><?xml version="1.0" encoding="utf-8"?>
+<p:sld xmlns:a="http://schemas.openxmlformats.org/drawingml/2006/main" xmlns:r="http://schemas.openxmlformats.org/officeDocument/2006/relationships" xmlns:p="http://schemas.openxmlformats.org/presentationml/2006/main">
+  <p:cSld>
+    <p:spTree>
+      <p:nvGrpSpPr>
+        <p:cNvPr id="1" name=""/>
+        <p:cNvGrpSpPr/>
+        <p:nvPr/>
+      </p:nvGrpSpPr>
+      <p:grpSpPr>
+        <a:xfrm>
+          <a:off x="0" y="0"/>
+          <a:ext cx="0" cy="0"/>
+          <a:chOff x="0" y="0"/>
+          <a:chExt cx="0" cy="0"/>
+        </a:xfrm>
+      </p:grpSpPr>
+      <p:sp>
+        <p:nvSpPr>
+          <p:cNvPr id="2" name="Title 1">
+            <a:extLst>
+              <a:ext uri="{FF2B5EF4-FFF2-40B4-BE49-F238E27FC236}">
+                <a16:creationId xmlns:a16="http://schemas.microsoft.com/office/drawing/2014/main" id="{DEB113F4-2E7D-4B97-96DB-19692D33234C}"/>
+              </a:ext>
+            </a:extLst>
+          </p:cNvPr>
+          <p:cNvSpPr>
+            <a:spLocks noGrp="1"/>
+          </p:cNvSpPr>
+          <p:nvPr>
+            <p:ph type="title"/>
+          </p:nvPr>
+        </p:nvSpPr>
+        <p:spPr/>
+        <p:txBody>
+          <a:bodyPr/>
+          <a:lstStyle/>
+          <a:p>
+            <a:r>
+              <a:rPr lang="en-US" dirty="0"/>
+              <a:t>Modeling Process</a:t>
+            </a:r>
+          </a:p>
+        </p:txBody>
+      </p:sp>
+      <p:sp>
+        <p:nvSpPr>
+          <p:cNvPr id="3" name="Content Placeholder 2">
+            <a:extLst>
+              <a:ext uri="{FF2B5EF4-FFF2-40B4-BE49-F238E27FC236}">
+                <a16:creationId xmlns:a16="http://schemas.microsoft.com/office/drawing/2014/main" id="{82402780-1D67-4FC4-89C9-2900ED736438}"/>
+              </a:ext>
+            </a:extLst>
+          </p:cNvPr>
+          <p:cNvSpPr>
+            <a:spLocks noGrp="1"/>
+          </p:cNvSpPr>
+          <p:nvPr>
+            <p:ph idx="1"/>
+          </p:nvPr>
+        </p:nvSpPr>
+        <p:spPr/>
+        <p:txBody>
+          <a:bodyPr/>
+          <a:lstStyle/>
+          <a:p>
+            <a:pPr marL="514350" indent="-514350">
+              <a:buFont typeface="+mj-lt"/>
+              <a:buAutoNum type="arabicPeriod"/>
+            </a:pPr>
+            <a:r>
+              <a:rPr lang="en-US" dirty="0"/>
+              <a:t>Three data frames were created by filtering with different correlation coefficient</a:t>
+            </a:r>
+          </a:p>
+          <a:p>
+            <a:pPr lvl="1"/>
+            <a:r>
+              <a:rPr lang="en-US" dirty="0">
+                <a:solidFill>
+                  <a:schemeClr val="bg2">
+                    <a:lumMod val="50000"/>
+                  </a:schemeClr>
+                </a:solidFill>
+              </a:rPr>
+              <a:t>0.9, 0.75, 0.6 </a:t>
+            </a:r>
+          </a:p>
+          <a:p>
+            <a:pPr marL="514350" indent="-514350">
+              <a:buFont typeface="+mj-lt"/>
+              <a:buAutoNum type="arabicPeriod"/>
+            </a:pPr>
+            <a:r>
+              <a:rPr lang="en-US" dirty="0"/>
+              <a:t>These data frames were evaluated using the initial base estimators and cross validated</a:t>
+            </a:r>
+          </a:p>
+          <a:p>
+            <a:pPr lvl="1"/>
+            <a:r>
+              <a:rPr lang="en-US" dirty="0" err="1">
+                <a:solidFill>
+                  <a:schemeClr val="bg2">
+                    <a:lumMod val="50000"/>
+                  </a:schemeClr>
+                </a:solidFill>
+              </a:rPr>
+              <a:t>RandomForestClassifier</a:t>
+            </a:r>
+            <a:endParaRPr lang="en-US" dirty="0">
+              <a:solidFill>
+                <a:schemeClr val="bg2">
+                  <a:lumMod val="50000"/>
+                </a:schemeClr>
+              </a:solidFill>
+            </a:endParaRPr>
+          </a:p>
+          <a:p>
+            <a:pPr lvl="1"/>
+            <a:r>
+              <a:rPr lang="en-US" dirty="0" err="1">
+                <a:solidFill>
+                  <a:schemeClr val="bg2">
+                    <a:lumMod val="50000"/>
+                  </a:schemeClr>
+                </a:solidFill>
+              </a:rPr>
+              <a:t>AdaBoostClassifier</a:t>
+            </a:r>
+            <a:endParaRPr lang="en-US" dirty="0">
+              <a:solidFill>
+                <a:schemeClr val="bg2">
+                  <a:lumMod val="50000"/>
+                </a:schemeClr>
+              </a:solidFill>
+            </a:endParaRPr>
+          </a:p>
+          <a:p>
+            <a:pPr marL="514350" indent="-514350">
+              <a:buFont typeface="+mj-lt"/>
+              <a:buAutoNum type="arabicPeriod"/>
+            </a:pPr>
+            <a:r>
+              <a:rPr lang="en-US" dirty="0"/>
+              <a:t>Create ensembled model with top classifier in step two and tune hyperparameters with </a:t>
+            </a:r>
+            <a:r>
+              <a:rPr lang="en-US" dirty="0" err="1"/>
+              <a:t>RandomSearchCV</a:t>
+            </a:r>
+            <a:endParaRPr lang="en-US" dirty="0"/>
+          </a:p>
+        </p:txBody>
+      </p:sp>
+      <p:cxnSp>
+        <p:nvCxnSpPr>
+          <p:cNvPr id="4" name="Straight Connector 3">
+            <a:extLst>
+              <a:ext uri="{FF2B5EF4-FFF2-40B4-BE49-F238E27FC236}">
+                <a16:creationId xmlns:a16="http://schemas.microsoft.com/office/drawing/2014/main" id="{CC9B38D6-D000-42E1-B19C-BF709E3DF056}"/>
+              </a:ext>
+            </a:extLst>
+          </p:cNvPr>
+          <p:cNvCxnSpPr>
+            <a:cxnSpLocks/>
+          </p:cNvCxnSpPr>
+          <p:nvPr/>
+        </p:nvCxnSpPr>
+        <p:spPr>
+          <a:xfrm>
+            <a:off x="896923" y="526589"/>
+            <a:ext cx="5721991" cy="0"/>
+          </a:xfrm>
+          <a:prstGeom prst="line">
+            <a:avLst/>
+          </a:prstGeom>
+          <a:ln w="19050">
+            <a:solidFill>
+              <a:srgbClr val="FF0000">
+                <a:alpha val="50196"/>
+              </a:srgbClr>
+            </a:solidFill>
+          </a:ln>
+        </p:spPr>
+        <p:style>
+          <a:lnRef idx="1">
+            <a:schemeClr val="accent2"/>
+          </a:lnRef>
+          <a:fillRef idx="0">
+            <a:schemeClr val="accent2"/>
+          </a:fillRef>
+          <a:effectRef idx="0">
+            <a:schemeClr val="accent2"/>
+          </a:effectRef>
+          <a:fontRef idx="minor">
+            <a:schemeClr val="tx1"/>
+          </a:fontRef>
+        </p:style>
+      </p:cxnSp>
+      <p:cxnSp>
+        <p:nvCxnSpPr>
+          <p:cNvPr id="6" name="Straight Connector 5">
+            <a:extLst>
+              <a:ext uri="{FF2B5EF4-FFF2-40B4-BE49-F238E27FC236}">
+                <a16:creationId xmlns:a16="http://schemas.microsoft.com/office/drawing/2014/main" id="{370D5E76-6676-4E9F-9B90-426539D66633}"/>
+              </a:ext>
+            </a:extLst>
+          </p:cNvPr>
+          <p:cNvCxnSpPr>
+            <a:cxnSpLocks/>
+          </p:cNvCxnSpPr>
+          <p:nvPr/>
+        </p:nvCxnSpPr>
+        <p:spPr>
+          <a:xfrm>
+            <a:off x="5452144" y="5824626"/>
+            <a:ext cx="5721991" cy="0"/>
+          </a:xfrm>
+          <a:prstGeom prst="line">
+            <a:avLst/>
+          </a:prstGeom>
+          <a:ln w="19050">
+            <a:solidFill>
+              <a:srgbClr val="A9D18E">
+                <a:alpha val="74902"/>
+              </a:srgbClr>
+            </a:solidFill>
+          </a:ln>
+        </p:spPr>
+        <p:style>
+          <a:lnRef idx="1">
+            <a:schemeClr val="accent6"/>
+          </a:lnRef>
+          <a:fillRef idx="0">
+            <a:schemeClr val="accent6"/>
+          </a:fillRef>
+          <a:effectRef idx="0">
+            <a:schemeClr val="accent6"/>
+          </a:effectRef>
+          <a:fontRef idx="minor">
+            <a:schemeClr val="tx1"/>
+          </a:fontRef>
+        </p:style>
+      </p:cxnSp>
+    </p:spTree>
+    <p:extLst>
+      <p:ext uri="{BB962C8B-B14F-4D97-AF65-F5344CB8AC3E}">
+        <p14:creationId xmlns:p14="http://schemas.microsoft.com/office/powerpoint/2010/main" val="2896637304"/>
+      </p:ext>
+    </p:extLst>
+  </p:cSld>
+  <p:clrMapOvr>
+    <a:masterClrMapping/>
+  </p:clrMapOvr>
+</p:sld>
+</file>
+
+<file path=ppt/slides/slide9.xml><?xml version="1.0" encoding="utf-8"?>
+<p:sld xmlns:a="http://schemas.openxmlformats.org/drawingml/2006/main" xmlns:r="http://schemas.openxmlformats.org/officeDocument/2006/relationships" xmlns:p="http://schemas.openxmlformats.org/presentationml/2006/main">
+  <p:cSld>
+    <p:spTree>
+      <p:nvGrpSpPr>
+        <p:cNvPr id="1" name=""/>
+        <p:cNvGrpSpPr/>
+        <p:nvPr/>
+      </p:nvGrpSpPr>
+      <p:grpSpPr>
+        <a:xfrm>
+          <a:off x="0" y="0"/>
+          <a:ext cx="0" cy="0"/>
+          <a:chOff x="0" y="0"/>
+          <a:chExt cx="0" cy="0"/>
+        </a:xfrm>
+      </p:grpSpPr>
+      <p:sp>
+        <p:nvSpPr>
+          <p:cNvPr id="2" name="Title 1">
+            <a:extLst>
+              <a:ext uri="{FF2B5EF4-FFF2-40B4-BE49-F238E27FC236}">
+                <a16:creationId xmlns:a16="http://schemas.microsoft.com/office/drawing/2014/main" id="{DEB113F4-2E7D-4B97-96DB-19692D33234C}"/>
+              </a:ext>
+            </a:extLst>
+          </p:cNvPr>
+          <p:cNvSpPr>
+            <a:spLocks noGrp="1"/>
+          </p:cNvSpPr>
+          <p:nvPr>
+            <p:ph type="title"/>
+          </p:nvPr>
+        </p:nvSpPr>
+        <p:spPr/>
+        <p:txBody>
+          <a:bodyPr/>
+          <a:lstStyle/>
+          <a:p>
+            <a:r>
+              <a:rPr lang="en-US" dirty="0"/>
+              <a:t>Modeling Results</a:t>
+            </a:r>
+          </a:p>
+        </p:txBody>
+      </p:sp>
+      <p:pic>
+        <p:nvPicPr>
+          <p:cNvPr id="7" name="Content Placeholder 6">
+            <a:extLst>
+              <a:ext uri="{FF2B5EF4-FFF2-40B4-BE49-F238E27FC236}">
+                <a16:creationId xmlns:a16="http://schemas.microsoft.com/office/drawing/2014/main" id="{55BA9B40-7834-48CB-A258-C0072B44E4FA}"/>
+              </a:ext>
+            </a:extLst>
+          </p:cNvPr>
+          <p:cNvPicPr>
+            <a:picLocks noGrp="1" noChangeAspect="1"/>
+          </p:cNvPicPr>
+          <p:nvPr>
+            <p:ph idx="1"/>
+          </p:nvPr>
+        </p:nvPicPr>
+        <p:blipFill>
+          <a:blip r:embed="rId2">
+            <a:extLst>
+              <a:ext uri="{28A0092B-C50C-407E-A947-70E740481C1C}">
+                <a14:useLocalDpi xmlns:a14="http://schemas.microsoft.com/office/drawing/2010/main" val="0"/>
+              </a:ext>
+            </a:extLst>
+          </a:blip>
+          <a:stretch>
+            <a:fillRect/>
+          </a:stretch>
+        </p:blipFill>
+        <p:spPr>
+          <a:xfrm>
+            <a:off x="3407331" y="2509062"/>
+            <a:ext cx="5982534" cy="743054"/>
+          </a:xfrm>
+          <a:prstGeom prst="rect">
+            <a:avLst/>
+          </a:prstGeom>
+          <a:solidFill>
+            <a:srgbClr val="FFFFFF">
+              <a:shade val="85000"/>
+            </a:srgbClr>
+          </a:solidFill>
+          <a:ln w="88900" cap="sq">
+            <a:solidFill>
+              <a:srgbClr val="FFFFFF"/>
+            </a:solidFill>
+            <a:miter lim="800000"/>
+          </a:ln>
+          <a:effectLst>
+            <a:outerShdw blurRad="55000" dist="18000" dir="5400000" algn="tl" rotWithShape="0">
+              <a:srgbClr val="000000">
+                <a:alpha val="40000"/>
+              </a:srgbClr>
+            </a:outerShdw>
+          </a:effectLst>
+          <a:scene3d>
+            <a:camera prst="orthographicFront"/>
+            <a:lightRig rig="twoPt" dir="t">
+              <a:rot lat="0" lon="0" rev="7200000"/>
+            </a:lightRig>
+          </a:scene3d>
+          <a:sp3d>
+            <a:bevelT w="25400" h="19050"/>
+            <a:contourClr>
+              <a:srgbClr val="FFFFFF"/>
+            </a:contourClr>
+          </a:sp3d>
+        </p:spPr>
+      </p:pic>
+      <p:cxnSp>
+        <p:nvCxnSpPr>
+          <p:cNvPr id="4" name="Straight Connector 3">
+            <a:extLst>
+              <a:ext uri="{FF2B5EF4-FFF2-40B4-BE49-F238E27FC236}">
+                <a16:creationId xmlns:a16="http://schemas.microsoft.com/office/drawing/2014/main" id="{CC9B38D6-D000-42E1-B19C-BF709E3DF056}"/>
+              </a:ext>
+            </a:extLst>
+          </p:cNvPr>
+          <p:cNvCxnSpPr>
+            <a:cxnSpLocks/>
+          </p:cNvCxnSpPr>
+          <p:nvPr/>
+        </p:nvCxnSpPr>
+        <p:spPr>
+          <a:xfrm>
+            <a:off x="896923" y="526589"/>
+            <a:ext cx="5721991" cy="0"/>
+          </a:xfrm>
+          <a:prstGeom prst="line">
+            <a:avLst/>
+          </a:prstGeom>
+          <a:ln w="19050">
+            <a:solidFill>
+              <a:srgbClr val="FF0000">
+                <a:alpha val="50196"/>
+              </a:srgbClr>
+            </a:solidFill>
+          </a:ln>
+        </p:spPr>
+        <p:style>
+          <a:lnRef idx="1">
+            <a:schemeClr val="accent2"/>
+          </a:lnRef>
+          <a:fillRef idx="0">
+            <a:schemeClr val="accent2"/>
+          </a:fillRef>
+          <a:effectRef idx="0">
+            <a:schemeClr val="accent2"/>
+          </a:effectRef>
+          <a:fontRef idx="minor">
+            <a:schemeClr val="tx1"/>
+          </a:fontRef>
+        </p:style>
+      </p:cxnSp>
+      <p:cxnSp>
+        <p:nvCxnSpPr>
+          <p:cNvPr id="5" name="Straight Connector 4">
+            <a:extLst>
+              <a:ext uri="{FF2B5EF4-FFF2-40B4-BE49-F238E27FC236}">
+                <a16:creationId xmlns:a16="http://schemas.microsoft.com/office/drawing/2014/main" id="{0A783138-3189-48D0-AE91-D6FF6CC234BD}"/>
+              </a:ext>
+            </a:extLst>
+          </p:cNvPr>
+          <p:cNvCxnSpPr>
+            <a:cxnSpLocks/>
+          </p:cNvCxnSpPr>
+          <p:nvPr/>
+        </p:nvCxnSpPr>
+        <p:spPr>
+          <a:xfrm>
+            <a:off x="5477311" y="6051128"/>
+            <a:ext cx="5721991" cy="0"/>
+          </a:xfrm>
+          <a:prstGeom prst="line">
+            <a:avLst/>
+          </a:prstGeom>
+          <a:ln w="19050">
+            <a:solidFill>
+              <a:srgbClr val="A9D18E">
+                <a:alpha val="74902"/>
+              </a:srgbClr>
+            </a:solidFill>
+          </a:ln>
+        </p:spPr>
+        <p:style>
+          <a:lnRef idx="1">
+            <a:schemeClr val="accent6"/>
+          </a:lnRef>
+          <a:fillRef idx="0">
+            <a:schemeClr val="accent6"/>
+          </a:fillRef>
+          <a:effectRef idx="0">
+            <a:schemeClr val="accent6"/>
+          </a:effectRef>
+          <a:fontRef idx="minor">
+            <a:schemeClr val="tx1"/>
+          </a:fontRef>
+        </p:style>
+      </p:cxnSp>
+      <p:pic>
+        <p:nvPicPr>
+          <p:cNvPr id="9" name="Picture 8">
+            <a:extLst>
+              <a:ext uri="{FF2B5EF4-FFF2-40B4-BE49-F238E27FC236}">
+                <a16:creationId xmlns:a16="http://schemas.microsoft.com/office/drawing/2014/main" id="{83CBBDC5-964B-4D39-847C-D6D019072E3C}"/>
+              </a:ext>
+            </a:extLst>
+          </p:cNvPr>
+          <p:cNvPicPr>
+            <a:picLocks noChangeAspect="1"/>
+          </p:cNvPicPr>
+          <p:nvPr/>
+        </p:nvPicPr>
+        <p:blipFill>
+          <a:blip r:embed="rId3">
+            <a:extLst>
+              <a:ext uri="{28A0092B-C50C-407E-A947-70E740481C1C}">
+                <a14:useLocalDpi xmlns:a14="http://schemas.microsoft.com/office/drawing/2010/main" val="0"/>
+              </a:ext>
+            </a:extLst>
+          </a:blip>
+          <a:stretch>
+            <a:fillRect/>
+          </a:stretch>
+        </p:blipFill>
+        <p:spPr>
+          <a:xfrm>
+            <a:off x="3407331" y="3351639"/>
+            <a:ext cx="5982534" cy="762106"/>
+          </a:xfrm>
+          <a:prstGeom prst="rect">
+            <a:avLst/>
+          </a:prstGeom>
+          <a:solidFill>
+            <a:srgbClr val="FFFFFF">
+              <a:shade val="85000"/>
+            </a:srgbClr>
+          </a:solidFill>
+          <a:ln w="88900" cap="sq">
+            <a:solidFill>
+              <a:srgbClr val="FFFFFF"/>
+            </a:solidFill>
+            <a:miter lim="800000"/>
+          </a:ln>
+          <a:effectLst>
+            <a:outerShdw blurRad="55000" dist="18000" dir="5400000" algn="tl" rotWithShape="0">
+              <a:srgbClr val="000000">
+                <a:alpha val="40000"/>
+              </a:srgbClr>
+            </a:outerShdw>
+          </a:effectLst>
+          <a:scene3d>
+            <a:camera prst="orthographicFront"/>
+            <a:lightRig rig="twoPt" dir="t">
+              <a:rot lat="0" lon="0" rev="7200000"/>
+            </a:lightRig>
+          </a:scene3d>
+          <a:sp3d>
+            <a:bevelT w="25400" h="19050"/>
+            <a:contourClr>
+              <a:srgbClr val="FFFFFF"/>
+            </a:contourClr>
+          </a:sp3d>
+        </p:spPr>
+      </p:pic>
+      <p:pic>
+        <p:nvPicPr>
+          <p:cNvPr id="11" name="Picture 10">
+            <a:extLst>
+              <a:ext uri="{FF2B5EF4-FFF2-40B4-BE49-F238E27FC236}">
+                <a16:creationId xmlns:a16="http://schemas.microsoft.com/office/drawing/2014/main" id="{A65155AC-2B8E-43FB-91B9-57AFCEAEDC39}"/>
+              </a:ext>
+            </a:extLst>
+          </p:cNvPr>
+          <p:cNvPicPr>
+            <a:picLocks noChangeAspect="1"/>
+          </p:cNvPicPr>
+          <p:nvPr/>
+        </p:nvPicPr>
+        <p:blipFill>
+          <a:blip r:embed="rId4">
+            <a:extLst>
+              <a:ext uri="{28A0092B-C50C-407E-A947-70E740481C1C}">
+                <a14:useLocalDpi xmlns:a14="http://schemas.microsoft.com/office/drawing/2010/main" val="0"/>
+              </a:ext>
+            </a:extLst>
+          </a:blip>
+          <a:stretch>
+            <a:fillRect/>
+          </a:stretch>
+        </p:blipFill>
+        <p:spPr>
+          <a:xfrm>
+            <a:off x="3407331" y="4210832"/>
+            <a:ext cx="5982535" cy="714475"/>
+          </a:xfrm>
+          <a:prstGeom prst="rect">
+            <a:avLst/>
+          </a:prstGeom>
+          <a:solidFill>
+            <a:srgbClr val="FFFFFF">
+              <a:shade val="85000"/>
+            </a:srgbClr>
+          </a:solidFill>
+          <a:ln w="88900" cap="sq">
+            <a:solidFill>
+              <a:srgbClr val="FFFFFF"/>
+            </a:solidFill>
+            <a:miter lim="800000"/>
+          </a:ln>
+          <a:effectLst>
+            <a:outerShdw blurRad="55000" dist="18000" dir="5400000" algn="tl" rotWithShape="0">
+              <a:srgbClr val="000000">
+                <a:alpha val="40000"/>
+              </a:srgbClr>
+            </a:outerShdw>
+          </a:effectLst>
+          <a:scene3d>
+            <a:camera prst="orthographicFront"/>
+            <a:lightRig rig="twoPt" dir="t">
+              <a:rot lat="0" lon="0" rev="7200000"/>
+            </a:lightRig>
+          </a:scene3d>
+          <a:sp3d>
+            <a:bevelT w="25400" h="19050"/>
+            <a:contourClr>
+              <a:srgbClr val="FFFFFF"/>
+            </a:contourClr>
+          </a:sp3d>
+        </p:spPr>
+      </p:pic>
+      <p:sp>
+        <p:nvSpPr>
+          <p:cNvPr id="12" name="Content Placeholder 2">
+            <a:extLst>
+              <a:ext uri="{FF2B5EF4-FFF2-40B4-BE49-F238E27FC236}">
+                <a16:creationId xmlns:a16="http://schemas.microsoft.com/office/drawing/2014/main" id="{E271C425-22C0-46B6-863D-5329B1580870}"/>
+              </a:ext>
+            </a:extLst>
+          </p:cNvPr>
+          <p:cNvSpPr txBox="1">
+            <a:spLocks/>
+          </p:cNvSpPr>
+          <p:nvPr/>
+        </p:nvSpPr>
+        <p:spPr>
+          <a:xfrm>
+            <a:off x="838200" y="1825625"/>
+            <a:ext cx="10515600" cy="714473"/>
+          </a:xfrm>
+          <a:prstGeom prst="rect">
+            <a:avLst/>
+          </a:prstGeom>
+        </p:spPr>
+        <p:txBody>
+          <a:bodyPr vert="horz" lIns="91440" tIns="45720" rIns="91440" bIns="45720" rtlCol="0">
+            <a:normAutofit/>
+          </a:bodyPr>
+          <a:lstStyle>
+            <a:lvl1pPr marL="228600" indent="-228600" algn="l" defTabSz="914400" rtl="0" eaLnBrk="1" latinLnBrk="0" hangingPunct="1">
+              <a:lnSpc>
+                <a:spcPct val="90000"/>
+              </a:lnSpc>
+              <a:spcBef>
+                <a:spcPts val="1000"/>
+              </a:spcBef>
+              <a:buFont typeface="Arial" panose="020B0604020202020204" pitchFamily="34" charset="0"/>
+              <a:buChar char="•"/>
+              <a:defRPr sz="2800" kern="1200">
+                <a:solidFill>
+                  <a:schemeClr val="tx1"/>
+                </a:solidFill>
+                <a:latin typeface="+mn-lt"/>
+                <a:ea typeface="+mn-ea"/>
+                <a:cs typeface="+mn-cs"/>
+              </a:defRPr>
+            </a:lvl1pPr>
+            <a:lvl2pPr marL="685800" indent="-228600" algn="l" defTabSz="914400" rtl="0" eaLnBrk="1" latinLnBrk="0" hangingPunct="1">
+              <a:lnSpc>
+                <a:spcPct val="90000"/>
+              </a:lnSpc>
+              <a:spcBef>
+                <a:spcPts val="500"/>
+              </a:spcBef>
+              <a:buFont typeface="Arial" panose="020B0604020202020204" pitchFamily="34" charset="0"/>
+              <a:buChar char="•"/>
+              <a:defRPr sz="2400" kern="1200">
+                <a:solidFill>
+                  <a:schemeClr val="tx1"/>
+                </a:solidFill>
+                <a:latin typeface="+mn-lt"/>
+                <a:ea typeface="+mn-ea"/>
+                <a:cs typeface="+mn-cs"/>
+              </a:defRPr>
+            </a:lvl2pPr>
+            <a:lvl3pPr marL="1143000" indent="-228600" algn="l" defTabSz="914400" rtl="0" eaLnBrk="1" latinLnBrk="0" hangingPunct="1">
+              <a:lnSpc>
+                <a:spcPct val="90000"/>
+              </a:lnSpc>
+              <a:spcBef>
+                <a:spcPts val="500"/>
+              </a:spcBef>
+              <a:buFont typeface="Arial" panose="020B0604020202020204" pitchFamily="34" charset="0"/>
+              <a:buChar char="•"/>
+              <a:defRPr sz="2000" kern="1200">
+                <a:solidFill>
+                  <a:schemeClr val="tx1"/>
+                </a:solidFill>
+                <a:latin typeface="+mn-lt"/>
+                <a:ea typeface="+mn-ea"/>
+                <a:cs typeface="+mn-cs"/>
+              </a:defRPr>
+            </a:lvl3pPr>
+            <a:lvl4pPr marL="1600200" indent="-228600" algn="l" defTabSz="914400" rtl="0" eaLnBrk="1" latinLnBrk="0" hangingPunct="1">
+              <a:lnSpc>
+                <a:spcPct val="90000"/>
+              </a:lnSpc>
+              <a:spcBef>
+                <a:spcPts val="500"/>
+              </a:spcBef>
+              <a:buFont typeface="Arial" panose="020B0604020202020204" pitchFamily="34" charset="0"/>
+              <a:buChar char="•"/>
+              <a:defRPr sz="1800" kern="1200">
+                <a:solidFill>
+                  <a:schemeClr val="tx1"/>
+                </a:solidFill>
+                <a:latin typeface="+mn-lt"/>
+                <a:ea typeface="+mn-ea"/>
+                <a:cs typeface="+mn-cs"/>
+              </a:defRPr>
+            </a:lvl4pPr>
+            <a:lvl5pPr marL="2057400" indent="-228600" algn="l" defTabSz="914400" rtl="0" eaLnBrk="1" latinLnBrk="0" hangingPunct="1">
+              <a:lnSpc>
+                <a:spcPct val="90000"/>
+              </a:lnSpc>
+              <a:spcBef>
+                <a:spcPts val="500"/>
+              </a:spcBef>
+              <a:buFont typeface="Arial" panose="020B0604020202020204" pitchFamily="34" charset="0"/>
+              <a:buChar char="•"/>
+              <a:defRPr sz="1800" kern="1200">
+                <a:solidFill>
+                  <a:schemeClr val="tx1"/>
+                </a:solidFill>
+                <a:latin typeface="+mn-lt"/>
+                <a:ea typeface="+mn-ea"/>
+                <a:cs typeface="+mn-cs"/>
+              </a:defRPr>
+            </a:lvl5pPr>
+            <a:lvl6pPr marL="2514600" indent="-228600" algn="l" defTabSz="914400" rtl="0" eaLnBrk="1" latinLnBrk="0" hangingPunct="1">
+              <a:lnSpc>
+                <a:spcPct val="90000"/>
+              </a:lnSpc>
+              <a:spcBef>
+                <a:spcPts val="500"/>
+              </a:spcBef>
+              <a:buFont typeface="Arial" panose="020B0604020202020204" pitchFamily="34" charset="0"/>
+              <a:buChar char="•"/>
+              <a:defRPr sz="1800" kern="1200">
+                <a:solidFill>
+                  <a:schemeClr val="tx1"/>
+                </a:solidFill>
+                <a:latin typeface="+mn-lt"/>
+                <a:ea typeface="+mn-ea"/>
+                <a:cs typeface="+mn-cs"/>
+              </a:defRPr>
+            </a:lvl6pPr>
+            <a:lvl7pPr marL="2971800" indent="-228600" algn="l" defTabSz="914400" rtl="0" eaLnBrk="1" latinLnBrk="0" hangingPunct="1">
+              <a:lnSpc>
+                <a:spcPct val="90000"/>
+              </a:lnSpc>
+              <a:spcBef>
+                <a:spcPts val="500"/>
+              </a:spcBef>
+              <a:buFont typeface="Arial" panose="020B0604020202020204" pitchFamily="34" charset="0"/>
+              <a:buChar char="•"/>
+              <a:defRPr sz="1800" kern="1200">
+                <a:solidFill>
+                  <a:schemeClr val="tx1"/>
+                </a:solidFill>
+                <a:latin typeface="+mn-lt"/>
+                <a:ea typeface="+mn-ea"/>
+                <a:cs typeface="+mn-cs"/>
+              </a:defRPr>
+            </a:lvl7pPr>
+            <a:lvl8pPr marL="3429000" indent="-228600" algn="l" defTabSz="914400" rtl="0" eaLnBrk="1" latinLnBrk="0" hangingPunct="1">
+              <a:lnSpc>
+                <a:spcPct val="90000"/>
+              </a:lnSpc>
+              <a:spcBef>
+                <a:spcPts val="500"/>
+              </a:spcBef>
+              <a:buFont typeface="Arial" panose="020B0604020202020204" pitchFamily="34" charset="0"/>
+              <a:buChar char="•"/>
+              <a:defRPr sz="1800" kern="1200">
+                <a:solidFill>
+                  <a:schemeClr val="tx1"/>
+                </a:solidFill>
+                <a:latin typeface="+mn-lt"/>
+                <a:ea typeface="+mn-ea"/>
+                <a:cs typeface="+mn-cs"/>
+              </a:defRPr>
+            </a:lvl8pPr>
+            <a:lvl9pPr marL="3886200" indent="-228600" algn="l" defTabSz="914400" rtl="0" eaLnBrk="1" latinLnBrk="0" hangingPunct="1">
+              <a:lnSpc>
+                <a:spcPct val="90000"/>
+              </a:lnSpc>
+              <a:spcBef>
+                <a:spcPts val="500"/>
+              </a:spcBef>
+              <a:buFont typeface="Arial" panose="020B0604020202020204" pitchFamily="34" charset="0"/>
+              <a:buChar char="•"/>
+              <a:defRPr sz="1800" kern="1200">
+                <a:solidFill>
+                  <a:schemeClr val="tx1"/>
+                </a:solidFill>
+                <a:latin typeface="+mn-lt"/>
+                <a:ea typeface="+mn-ea"/>
+                <a:cs typeface="+mn-cs"/>
+              </a:defRPr>
+            </a:lvl9pPr>
+          </a:lstStyle>
+          <a:p>
+            <a:pPr marL="0" indent="0">
+              <a:buNone/>
+            </a:pPr>
+            <a:r>
+              <a:rPr lang="en-US" dirty="0"/>
+              <a:t>Base estimator analysis (CC = correlation coefficient)</a:t>
+            </a:r>
+          </a:p>
+        </p:txBody>
+      </p:sp>
+      <p:sp>
+        <p:nvSpPr>
+          <p:cNvPr id="14" name="Content Placeholder 2">
+            <a:extLst>
+              <a:ext uri="{FF2B5EF4-FFF2-40B4-BE49-F238E27FC236}">
+                <a16:creationId xmlns:a16="http://schemas.microsoft.com/office/drawing/2014/main" id="{A25A95B9-C033-4A19-A3CD-339193B9464E}"/>
+              </a:ext>
+            </a:extLst>
+          </p:cNvPr>
+          <p:cNvSpPr txBox="1">
+            <a:spLocks/>
+          </p:cNvSpPr>
+          <p:nvPr/>
+        </p:nvSpPr>
+        <p:spPr>
+          <a:xfrm>
+            <a:off x="1936836" y="2779362"/>
+            <a:ext cx="1383484" cy="551280"/>
+          </a:xfrm>
+          <a:prstGeom prst="rect">
+            <a:avLst/>
+          </a:prstGeom>
+        </p:spPr>
+        <p:txBody>
+          <a:bodyPr vert="horz" lIns="91440" tIns="45720" rIns="91440" bIns="45720" rtlCol="0">
+            <a:normAutofit/>
+          </a:bodyPr>
+          <a:lstStyle>
+            <a:lvl1pPr marL="228600" indent="-228600" algn="l" defTabSz="914400" rtl="0" eaLnBrk="1" latinLnBrk="0" hangingPunct="1">
+              <a:lnSpc>
+                <a:spcPct val="90000"/>
+              </a:lnSpc>
+              <a:spcBef>
+                <a:spcPts val="1000"/>
+              </a:spcBef>
+              <a:buFont typeface="Arial" panose="020B0604020202020204" pitchFamily="34" charset="0"/>
+              <a:buChar char="•"/>
+              <a:defRPr sz="2800" kern="1200">
+                <a:solidFill>
+                  <a:schemeClr val="tx1"/>
+                </a:solidFill>
+                <a:latin typeface="+mn-lt"/>
+                <a:ea typeface="+mn-ea"/>
+                <a:cs typeface="+mn-cs"/>
+              </a:defRPr>
+            </a:lvl1pPr>
+            <a:lvl2pPr marL="685800" indent="-228600" algn="l" defTabSz="914400" rtl="0" eaLnBrk="1" latinLnBrk="0" hangingPunct="1">
+              <a:lnSpc>
+                <a:spcPct val="90000"/>
+              </a:lnSpc>
+              <a:spcBef>
+                <a:spcPts val="500"/>
+              </a:spcBef>
+              <a:buFont typeface="Arial" panose="020B0604020202020204" pitchFamily="34" charset="0"/>
+              <a:buChar char="•"/>
+              <a:defRPr sz="2400" kern="1200">
+                <a:solidFill>
+                  <a:schemeClr val="tx1"/>
+                </a:solidFill>
+                <a:latin typeface="+mn-lt"/>
+                <a:ea typeface="+mn-ea"/>
+                <a:cs typeface="+mn-cs"/>
+              </a:defRPr>
+            </a:lvl2pPr>
+            <a:lvl3pPr marL="1143000" indent="-228600" algn="l" defTabSz="914400" rtl="0" eaLnBrk="1" latinLnBrk="0" hangingPunct="1">
+              <a:lnSpc>
+                <a:spcPct val="90000"/>
+              </a:lnSpc>
+              <a:spcBef>
+                <a:spcPts val="500"/>
+              </a:spcBef>
+              <a:buFont typeface="Arial" panose="020B0604020202020204" pitchFamily="34" charset="0"/>
+              <a:buChar char="•"/>
+              <a:defRPr sz="2000" kern="1200">
+                <a:solidFill>
+                  <a:schemeClr val="tx1"/>
+                </a:solidFill>
+                <a:latin typeface="+mn-lt"/>
+                <a:ea typeface="+mn-ea"/>
+                <a:cs typeface="+mn-cs"/>
+              </a:defRPr>
+            </a:lvl3pPr>
+            <a:lvl4pPr marL="1600200" indent="-228600" algn="l" defTabSz="914400" rtl="0" eaLnBrk="1" latinLnBrk="0" hangingPunct="1">
+              <a:lnSpc>
+                <a:spcPct val="90000"/>
+              </a:lnSpc>
+              <a:spcBef>
+                <a:spcPts val="500"/>
+              </a:spcBef>
+              <a:buFont typeface="Arial" panose="020B0604020202020204" pitchFamily="34" charset="0"/>
+              <a:buChar char="•"/>
+              <a:defRPr sz="1800" kern="1200">
+                <a:solidFill>
+                  <a:schemeClr val="tx1"/>
+                </a:solidFill>
+                <a:latin typeface="+mn-lt"/>
+                <a:ea typeface="+mn-ea"/>
+                <a:cs typeface="+mn-cs"/>
+              </a:defRPr>
+            </a:lvl4pPr>
+            <a:lvl5pPr marL="2057400" indent="-228600" algn="l" defTabSz="914400" rtl="0" eaLnBrk="1" latinLnBrk="0" hangingPunct="1">
+              <a:lnSpc>
+                <a:spcPct val="90000"/>
+              </a:lnSpc>
+              <a:spcBef>
+                <a:spcPts val="500"/>
+              </a:spcBef>
+              <a:buFont typeface="Arial" panose="020B0604020202020204" pitchFamily="34" charset="0"/>
+              <a:buChar char="•"/>
+              <a:defRPr sz="1800" kern="1200">
+                <a:solidFill>
+                  <a:schemeClr val="tx1"/>
+                </a:solidFill>
+                <a:latin typeface="+mn-lt"/>
+                <a:ea typeface="+mn-ea"/>
+                <a:cs typeface="+mn-cs"/>
+              </a:defRPr>
+            </a:lvl5pPr>
+            <a:lvl6pPr marL="2514600" indent="-228600" algn="l" defTabSz="914400" rtl="0" eaLnBrk="1" latinLnBrk="0" hangingPunct="1">
+              <a:lnSpc>
+                <a:spcPct val="90000"/>
+              </a:lnSpc>
+              <a:spcBef>
+                <a:spcPts val="500"/>
+              </a:spcBef>
+              <a:buFont typeface="Arial" panose="020B0604020202020204" pitchFamily="34" charset="0"/>
+              <a:buChar char="•"/>
+              <a:defRPr sz="1800" kern="1200">
+                <a:solidFill>
+                  <a:schemeClr val="tx1"/>
+                </a:solidFill>
+                <a:latin typeface="+mn-lt"/>
+                <a:ea typeface="+mn-ea"/>
+                <a:cs typeface="+mn-cs"/>
+              </a:defRPr>
+            </a:lvl6pPr>
+            <a:lvl7pPr marL="2971800" indent="-228600" algn="l" defTabSz="914400" rtl="0" eaLnBrk="1" latinLnBrk="0" hangingPunct="1">
+              <a:lnSpc>
+                <a:spcPct val="90000"/>
+              </a:lnSpc>
+              <a:spcBef>
+                <a:spcPts val="500"/>
+              </a:spcBef>
+              <a:buFont typeface="Arial" panose="020B0604020202020204" pitchFamily="34" charset="0"/>
+              <a:buChar char="•"/>
+              <a:defRPr sz="1800" kern="1200">
+                <a:solidFill>
+                  <a:schemeClr val="tx1"/>
+                </a:solidFill>
+                <a:latin typeface="+mn-lt"/>
+                <a:ea typeface="+mn-ea"/>
+                <a:cs typeface="+mn-cs"/>
+              </a:defRPr>
+            </a:lvl7pPr>
+            <a:lvl8pPr marL="3429000" indent="-228600" algn="l" defTabSz="914400" rtl="0" eaLnBrk="1" latinLnBrk="0" hangingPunct="1">
+              <a:lnSpc>
+                <a:spcPct val="90000"/>
+              </a:lnSpc>
+              <a:spcBef>
+                <a:spcPts val="500"/>
+              </a:spcBef>
+              <a:buFont typeface="Arial" panose="020B0604020202020204" pitchFamily="34" charset="0"/>
+              <a:buChar char="•"/>
+              <a:defRPr sz="1800" kern="1200">
+                <a:solidFill>
+                  <a:schemeClr val="tx1"/>
+                </a:solidFill>
+                <a:latin typeface="+mn-lt"/>
+                <a:ea typeface="+mn-ea"/>
+                <a:cs typeface="+mn-cs"/>
+              </a:defRPr>
+            </a:lvl8pPr>
+            <a:lvl9pPr marL="3886200" indent="-228600" algn="l" defTabSz="914400" rtl="0" eaLnBrk="1" latinLnBrk="0" hangingPunct="1">
+              <a:lnSpc>
+                <a:spcPct val="90000"/>
+              </a:lnSpc>
+              <a:spcBef>
+                <a:spcPts val="500"/>
+              </a:spcBef>
+              <a:buFont typeface="Arial" panose="020B0604020202020204" pitchFamily="34" charset="0"/>
+              <a:buChar char="•"/>
+              <a:defRPr sz="1800" kern="1200">
+                <a:solidFill>
+                  <a:schemeClr val="tx1"/>
+                </a:solidFill>
+                <a:latin typeface="+mn-lt"/>
+                <a:ea typeface="+mn-ea"/>
+                <a:cs typeface="+mn-cs"/>
+              </a:defRPr>
+            </a:lvl9pPr>
+          </a:lstStyle>
+          <a:p>
+            <a:pPr marL="0" indent="0">
+              <a:buNone/>
+            </a:pPr>
+            <a:r>
+              <a:rPr lang="en-US" dirty="0">
+                <a:solidFill>
+                  <a:schemeClr val="bg2">
+                    <a:lumMod val="50000"/>
+                  </a:schemeClr>
+                </a:solidFill>
+              </a:rPr>
+              <a:t>CC = 0.9</a:t>
+            </a:r>
+          </a:p>
+        </p:txBody>
+      </p:sp>
+      <p:sp>
+        <p:nvSpPr>
+          <p:cNvPr id="15" name="Content Placeholder 2">
+            <a:extLst>
+              <a:ext uri="{FF2B5EF4-FFF2-40B4-BE49-F238E27FC236}">
+                <a16:creationId xmlns:a16="http://schemas.microsoft.com/office/drawing/2014/main" id="{A6A0F7B1-0502-496C-84A0-6BD993B73459}"/>
+              </a:ext>
+            </a:extLst>
+          </p:cNvPr>
+          <p:cNvSpPr txBox="1">
+            <a:spLocks/>
+          </p:cNvSpPr>
+          <p:nvPr/>
+        </p:nvSpPr>
+        <p:spPr>
+          <a:xfrm>
+            <a:off x="1906725" y="3620621"/>
+            <a:ext cx="1500606" cy="551280"/>
+          </a:xfrm>
+          <a:prstGeom prst="rect">
+            <a:avLst/>
+          </a:prstGeom>
+        </p:spPr>
+        <p:txBody>
+          <a:bodyPr vert="horz" lIns="91440" tIns="45720" rIns="91440" bIns="45720" rtlCol="0">
+            <a:normAutofit fontScale="92500"/>
+          </a:bodyPr>
+          <a:lstStyle>
+            <a:lvl1pPr marL="228600" indent="-228600" algn="l" defTabSz="914400" rtl="0" eaLnBrk="1" latinLnBrk="0" hangingPunct="1">
+              <a:lnSpc>
+                <a:spcPct val="90000"/>
+              </a:lnSpc>
+              <a:spcBef>
+                <a:spcPts val="1000"/>
+              </a:spcBef>
+              <a:buFont typeface="Arial" panose="020B0604020202020204" pitchFamily="34" charset="0"/>
+              <a:buChar char="•"/>
+              <a:defRPr sz="2800" kern="1200">
+                <a:solidFill>
+                  <a:schemeClr val="tx1"/>
+                </a:solidFill>
+                <a:latin typeface="+mn-lt"/>
+                <a:ea typeface="+mn-ea"/>
+                <a:cs typeface="+mn-cs"/>
+              </a:defRPr>
+            </a:lvl1pPr>
+            <a:lvl2pPr marL="685800" indent="-228600" algn="l" defTabSz="914400" rtl="0" eaLnBrk="1" latinLnBrk="0" hangingPunct="1">
+              <a:lnSpc>
+                <a:spcPct val="90000"/>
+              </a:lnSpc>
+              <a:spcBef>
+                <a:spcPts val="500"/>
+              </a:spcBef>
+              <a:buFont typeface="Arial" panose="020B0604020202020204" pitchFamily="34" charset="0"/>
+              <a:buChar char="•"/>
+              <a:defRPr sz="2400" kern="1200">
+                <a:solidFill>
+                  <a:schemeClr val="tx1"/>
+                </a:solidFill>
+                <a:latin typeface="+mn-lt"/>
+                <a:ea typeface="+mn-ea"/>
+                <a:cs typeface="+mn-cs"/>
+              </a:defRPr>
+            </a:lvl2pPr>
+            <a:lvl3pPr marL="1143000" indent="-228600" algn="l" defTabSz="914400" rtl="0" eaLnBrk="1" latinLnBrk="0" hangingPunct="1">
+              <a:lnSpc>
+                <a:spcPct val="90000"/>
+              </a:lnSpc>
+              <a:spcBef>
+                <a:spcPts val="500"/>
+              </a:spcBef>
+              <a:buFont typeface="Arial" panose="020B0604020202020204" pitchFamily="34" charset="0"/>
+              <a:buChar char="•"/>
+              <a:defRPr sz="2000" kern="1200">
+                <a:solidFill>
+                  <a:schemeClr val="tx1"/>
+                </a:solidFill>
+                <a:latin typeface="+mn-lt"/>
+                <a:ea typeface="+mn-ea"/>
+                <a:cs typeface="+mn-cs"/>
+              </a:defRPr>
+            </a:lvl3pPr>
+            <a:lvl4pPr marL="1600200" indent="-228600" algn="l" defTabSz="914400" rtl="0" eaLnBrk="1" latinLnBrk="0" hangingPunct="1">
+              <a:lnSpc>
+                <a:spcPct val="90000"/>
+              </a:lnSpc>
+              <a:spcBef>
+                <a:spcPts val="500"/>
+              </a:spcBef>
+              <a:buFont typeface="Arial" panose="020B0604020202020204" pitchFamily="34" charset="0"/>
+              <a:buChar char="•"/>
+              <a:defRPr sz="1800" kern="1200">
+                <a:solidFill>
+                  <a:schemeClr val="tx1"/>
+                </a:solidFill>
+                <a:latin typeface="+mn-lt"/>
+                <a:ea typeface="+mn-ea"/>
+                <a:cs typeface="+mn-cs"/>
+              </a:defRPr>
+            </a:lvl4pPr>
+            <a:lvl5pPr marL="2057400" indent="-228600" algn="l" defTabSz="914400" rtl="0" eaLnBrk="1" latinLnBrk="0" hangingPunct="1">
+              <a:lnSpc>
+                <a:spcPct val="90000"/>
+              </a:lnSpc>
+              <a:spcBef>
+                <a:spcPts val="500"/>
+              </a:spcBef>
+              <a:buFont typeface="Arial" panose="020B0604020202020204" pitchFamily="34" charset="0"/>
+              <a:buChar char="•"/>
+              <a:defRPr sz="1800" kern="1200">
+                <a:solidFill>
+                  <a:schemeClr val="tx1"/>
+                </a:solidFill>
+                <a:latin typeface="+mn-lt"/>
+                <a:ea typeface="+mn-ea"/>
+                <a:cs typeface="+mn-cs"/>
+              </a:defRPr>
+            </a:lvl5pPr>
+            <a:lvl6pPr marL="2514600" indent="-228600" algn="l" defTabSz="914400" rtl="0" eaLnBrk="1" latinLnBrk="0" hangingPunct="1">
+              <a:lnSpc>
+                <a:spcPct val="90000"/>
+              </a:lnSpc>
+              <a:spcBef>
+                <a:spcPts val="500"/>
+              </a:spcBef>
+              <a:buFont typeface="Arial" panose="020B0604020202020204" pitchFamily="34" charset="0"/>
+              <a:buChar char="•"/>
+              <a:defRPr sz="1800" kern="1200">
+                <a:solidFill>
+                  <a:schemeClr val="tx1"/>
+                </a:solidFill>
+                <a:latin typeface="+mn-lt"/>
+                <a:ea typeface="+mn-ea"/>
+                <a:cs typeface="+mn-cs"/>
+              </a:defRPr>
+            </a:lvl6pPr>
+            <a:lvl7pPr marL="2971800" indent="-228600" algn="l" defTabSz="914400" rtl="0" eaLnBrk="1" latinLnBrk="0" hangingPunct="1">
+              <a:lnSpc>
+                <a:spcPct val="90000"/>
+              </a:lnSpc>
+              <a:spcBef>
+                <a:spcPts val="500"/>
+              </a:spcBef>
+              <a:buFont typeface="Arial" panose="020B0604020202020204" pitchFamily="34" charset="0"/>
+              <a:buChar char="•"/>
+              <a:defRPr sz="1800" kern="1200">
+                <a:solidFill>
+                  <a:schemeClr val="tx1"/>
+                </a:solidFill>
+                <a:latin typeface="+mn-lt"/>
+                <a:ea typeface="+mn-ea"/>
+                <a:cs typeface="+mn-cs"/>
+              </a:defRPr>
+            </a:lvl7pPr>
+            <a:lvl8pPr marL="3429000" indent="-228600" algn="l" defTabSz="914400" rtl="0" eaLnBrk="1" latinLnBrk="0" hangingPunct="1">
+              <a:lnSpc>
+                <a:spcPct val="90000"/>
+              </a:lnSpc>
+              <a:spcBef>
+                <a:spcPts val="500"/>
+              </a:spcBef>
+              <a:buFont typeface="Arial" panose="020B0604020202020204" pitchFamily="34" charset="0"/>
+              <a:buChar char="•"/>
+              <a:defRPr sz="1800" kern="1200">
+                <a:solidFill>
+                  <a:schemeClr val="tx1"/>
+                </a:solidFill>
+                <a:latin typeface="+mn-lt"/>
+                <a:ea typeface="+mn-ea"/>
+                <a:cs typeface="+mn-cs"/>
+              </a:defRPr>
+            </a:lvl8pPr>
+            <a:lvl9pPr marL="3886200" indent="-228600" algn="l" defTabSz="914400" rtl="0" eaLnBrk="1" latinLnBrk="0" hangingPunct="1">
+              <a:lnSpc>
+                <a:spcPct val="90000"/>
+              </a:lnSpc>
+              <a:spcBef>
+                <a:spcPts val="500"/>
+              </a:spcBef>
+              <a:buFont typeface="Arial" panose="020B0604020202020204" pitchFamily="34" charset="0"/>
+              <a:buChar char="•"/>
+              <a:defRPr sz="1800" kern="1200">
+                <a:solidFill>
+                  <a:schemeClr val="tx1"/>
+                </a:solidFill>
+                <a:latin typeface="+mn-lt"/>
+                <a:ea typeface="+mn-ea"/>
+                <a:cs typeface="+mn-cs"/>
+              </a:defRPr>
+            </a:lvl9pPr>
+          </a:lstStyle>
+          <a:p>
+            <a:pPr marL="0" indent="0">
+              <a:buNone/>
+            </a:pPr>
+            <a:r>
+              <a:rPr lang="en-US" dirty="0">
+                <a:solidFill>
+                  <a:schemeClr val="bg2">
+                    <a:lumMod val="50000"/>
+                  </a:schemeClr>
+                </a:solidFill>
+              </a:rPr>
+              <a:t>CC = 0.75</a:t>
+            </a:r>
+          </a:p>
+        </p:txBody>
+      </p:sp>
+      <p:sp>
+        <p:nvSpPr>
+          <p:cNvPr id="16" name="Content Placeholder 2">
+            <a:extLst>
+              <a:ext uri="{FF2B5EF4-FFF2-40B4-BE49-F238E27FC236}">
+                <a16:creationId xmlns:a16="http://schemas.microsoft.com/office/drawing/2014/main" id="{B3949E1C-F191-4B0B-B961-0B9967A0637E}"/>
+              </a:ext>
+            </a:extLst>
+          </p:cNvPr>
+          <p:cNvSpPr txBox="1">
+            <a:spLocks/>
+          </p:cNvSpPr>
+          <p:nvPr/>
+        </p:nvSpPr>
+        <p:spPr>
+          <a:xfrm>
+            <a:off x="1936836" y="4400906"/>
+            <a:ext cx="1383484" cy="551280"/>
+          </a:xfrm>
+          <a:prstGeom prst="rect">
+            <a:avLst/>
+          </a:prstGeom>
+        </p:spPr>
+        <p:txBody>
+          <a:bodyPr vert="horz" lIns="91440" tIns="45720" rIns="91440" bIns="45720" rtlCol="0">
+            <a:normAutofit/>
+          </a:bodyPr>
+          <a:lstStyle>
+            <a:lvl1pPr marL="228600" indent="-228600" algn="l" defTabSz="914400" rtl="0" eaLnBrk="1" latinLnBrk="0" hangingPunct="1">
+              <a:lnSpc>
+                <a:spcPct val="90000"/>
+              </a:lnSpc>
+              <a:spcBef>
+                <a:spcPts val="1000"/>
+              </a:spcBef>
+              <a:buFont typeface="Arial" panose="020B0604020202020204" pitchFamily="34" charset="0"/>
+              <a:buChar char="•"/>
+              <a:defRPr sz="2800" kern="1200">
+                <a:solidFill>
+                  <a:schemeClr val="tx1"/>
+                </a:solidFill>
+                <a:latin typeface="+mn-lt"/>
+                <a:ea typeface="+mn-ea"/>
+                <a:cs typeface="+mn-cs"/>
+              </a:defRPr>
+            </a:lvl1pPr>
+            <a:lvl2pPr marL="685800" indent="-228600" algn="l" defTabSz="914400" rtl="0" eaLnBrk="1" latinLnBrk="0" hangingPunct="1">
+              <a:lnSpc>
+                <a:spcPct val="90000"/>
+              </a:lnSpc>
+              <a:spcBef>
+                <a:spcPts val="500"/>
+              </a:spcBef>
+              <a:buFont typeface="Arial" panose="020B0604020202020204" pitchFamily="34" charset="0"/>
+              <a:buChar char="•"/>
+              <a:defRPr sz="2400" kern="1200">
+                <a:solidFill>
+                  <a:schemeClr val="tx1"/>
+                </a:solidFill>
+                <a:latin typeface="+mn-lt"/>
+                <a:ea typeface="+mn-ea"/>
+                <a:cs typeface="+mn-cs"/>
+              </a:defRPr>
+            </a:lvl2pPr>
+            <a:lvl3pPr marL="1143000" indent="-228600" algn="l" defTabSz="914400" rtl="0" eaLnBrk="1" latinLnBrk="0" hangingPunct="1">
+              <a:lnSpc>
+                <a:spcPct val="90000"/>
+              </a:lnSpc>
+              <a:spcBef>
+                <a:spcPts val="500"/>
+              </a:spcBef>
+              <a:buFont typeface="Arial" panose="020B0604020202020204" pitchFamily="34" charset="0"/>
+              <a:buChar char="•"/>
+              <a:defRPr sz="2000" kern="1200">
+                <a:solidFill>
+                  <a:schemeClr val="tx1"/>
+                </a:solidFill>
+                <a:latin typeface="+mn-lt"/>
+                <a:ea typeface="+mn-ea"/>
+                <a:cs typeface="+mn-cs"/>
+              </a:defRPr>
+            </a:lvl3pPr>
+            <a:lvl4pPr marL="1600200" indent="-228600" algn="l" defTabSz="914400" rtl="0" eaLnBrk="1" latinLnBrk="0" hangingPunct="1">
+              <a:lnSpc>
+                <a:spcPct val="90000"/>
+              </a:lnSpc>
+              <a:spcBef>
+                <a:spcPts val="500"/>
+              </a:spcBef>
+              <a:buFont typeface="Arial" panose="020B0604020202020204" pitchFamily="34" charset="0"/>
+              <a:buChar char="•"/>
+              <a:defRPr sz="1800" kern="1200">
+                <a:solidFill>
+                  <a:schemeClr val="tx1"/>
+                </a:solidFill>
+                <a:latin typeface="+mn-lt"/>
+                <a:ea typeface="+mn-ea"/>
+                <a:cs typeface="+mn-cs"/>
+              </a:defRPr>
+            </a:lvl4pPr>
+            <a:lvl5pPr marL="2057400" indent="-228600" algn="l" defTabSz="914400" rtl="0" eaLnBrk="1" latinLnBrk="0" hangingPunct="1">
+              <a:lnSpc>
+                <a:spcPct val="90000"/>
+              </a:lnSpc>
+              <a:spcBef>
+                <a:spcPts val="500"/>
+              </a:spcBef>
+              <a:buFont typeface="Arial" panose="020B0604020202020204" pitchFamily="34" charset="0"/>
+              <a:buChar char="•"/>
+              <a:defRPr sz="1800" kern="1200">
+                <a:solidFill>
+                  <a:schemeClr val="tx1"/>
+                </a:solidFill>
+                <a:latin typeface="+mn-lt"/>
+                <a:ea typeface="+mn-ea"/>
+                <a:cs typeface="+mn-cs"/>
+              </a:defRPr>
+            </a:lvl5pPr>
+            <a:lvl6pPr marL="2514600" indent="-228600" algn="l" defTabSz="914400" rtl="0" eaLnBrk="1" latinLnBrk="0" hangingPunct="1">
+              <a:lnSpc>
+                <a:spcPct val="90000"/>
+              </a:lnSpc>
+              <a:spcBef>
+                <a:spcPts val="500"/>
+              </a:spcBef>
+              <a:buFont typeface="Arial" panose="020B0604020202020204" pitchFamily="34" charset="0"/>
+              <a:buChar char="•"/>
+              <a:defRPr sz="1800" kern="1200">
+                <a:solidFill>
+                  <a:schemeClr val="tx1"/>
+                </a:solidFill>
+                <a:latin typeface="+mn-lt"/>
+                <a:ea typeface="+mn-ea"/>
+                <a:cs typeface="+mn-cs"/>
+              </a:defRPr>
+            </a:lvl6pPr>
+            <a:lvl7pPr marL="2971800" indent="-228600" algn="l" defTabSz="914400" rtl="0" eaLnBrk="1" latinLnBrk="0" hangingPunct="1">
+              <a:lnSpc>
+                <a:spcPct val="90000"/>
+              </a:lnSpc>
+              <a:spcBef>
+                <a:spcPts val="500"/>
+              </a:spcBef>
+              <a:buFont typeface="Arial" panose="020B0604020202020204" pitchFamily="34" charset="0"/>
+              <a:buChar char="•"/>
+              <a:defRPr sz="1800" kern="1200">
+                <a:solidFill>
+                  <a:schemeClr val="tx1"/>
+                </a:solidFill>
+                <a:latin typeface="+mn-lt"/>
+                <a:ea typeface="+mn-ea"/>
+                <a:cs typeface="+mn-cs"/>
+              </a:defRPr>
+            </a:lvl7pPr>
+            <a:lvl8pPr marL="3429000" indent="-228600" algn="l" defTabSz="914400" rtl="0" eaLnBrk="1" latinLnBrk="0" hangingPunct="1">
+              <a:lnSpc>
+                <a:spcPct val="90000"/>
+              </a:lnSpc>
+              <a:spcBef>
+                <a:spcPts val="500"/>
+              </a:spcBef>
+              <a:buFont typeface="Arial" panose="020B0604020202020204" pitchFamily="34" charset="0"/>
+              <a:buChar char="•"/>
+              <a:defRPr sz="1800" kern="1200">
+                <a:solidFill>
+                  <a:schemeClr val="tx1"/>
+                </a:solidFill>
+                <a:latin typeface="+mn-lt"/>
+                <a:ea typeface="+mn-ea"/>
+                <a:cs typeface="+mn-cs"/>
+              </a:defRPr>
+            </a:lvl8pPr>
+            <a:lvl9pPr marL="3886200" indent="-228600" algn="l" defTabSz="914400" rtl="0" eaLnBrk="1" latinLnBrk="0" hangingPunct="1">
+              <a:lnSpc>
+                <a:spcPct val="90000"/>
+              </a:lnSpc>
+              <a:spcBef>
+                <a:spcPts val="500"/>
+              </a:spcBef>
+              <a:buFont typeface="Arial" panose="020B0604020202020204" pitchFamily="34" charset="0"/>
+              <a:buChar char="•"/>
+              <a:defRPr sz="1800" kern="1200">
+                <a:solidFill>
+                  <a:schemeClr val="tx1"/>
+                </a:solidFill>
+                <a:latin typeface="+mn-lt"/>
+                <a:ea typeface="+mn-ea"/>
+                <a:cs typeface="+mn-cs"/>
+              </a:defRPr>
+            </a:lvl9pPr>
+          </a:lstStyle>
+          <a:p>
+            <a:pPr marL="0" indent="0">
+              <a:buNone/>
+            </a:pPr>
+            <a:r>
+              <a:rPr lang="en-US" dirty="0">
+                <a:solidFill>
+                  <a:schemeClr val="bg2">
+                    <a:lumMod val="50000"/>
+                  </a:schemeClr>
+                </a:solidFill>
+              </a:rPr>
+              <a:t>CC = 0.6</a:t>
+            </a:r>
+          </a:p>
+        </p:txBody>
+      </p:sp>
+      <p:sp>
+        <p:nvSpPr>
+          <p:cNvPr id="17" name="Content Placeholder 2">
+            <a:extLst>
+              <a:ext uri="{FF2B5EF4-FFF2-40B4-BE49-F238E27FC236}">
+                <a16:creationId xmlns:a16="http://schemas.microsoft.com/office/drawing/2014/main" id="{4B16726C-5DE7-40E3-BDB3-E249EC1D027C}"/>
+              </a:ext>
+            </a:extLst>
+          </p:cNvPr>
+          <p:cNvSpPr txBox="1">
+            <a:spLocks/>
+          </p:cNvSpPr>
+          <p:nvPr/>
+        </p:nvSpPr>
+        <p:spPr>
+          <a:xfrm>
+            <a:off x="838200" y="4963155"/>
+            <a:ext cx="10515600" cy="1211141"/>
+          </a:xfrm>
+          <a:prstGeom prst="rect">
+            <a:avLst/>
+          </a:prstGeom>
+        </p:spPr>
+        <p:txBody>
+          <a:bodyPr vert="horz" lIns="91440" tIns="45720" rIns="91440" bIns="45720" rtlCol="0">
+            <a:normAutofit/>
+          </a:bodyPr>
+          <a:lstStyle>
+            <a:lvl1pPr marL="228600" indent="-228600" algn="l" defTabSz="914400" rtl="0" eaLnBrk="1" latinLnBrk="0" hangingPunct="1">
+              <a:lnSpc>
+                <a:spcPct val="90000"/>
+              </a:lnSpc>
+              <a:spcBef>
+                <a:spcPts val="1000"/>
+              </a:spcBef>
+              <a:buFont typeface="Arial" panose="020B0604020202020204" pitchFamily="34" charset="0"/>
+              <a:buChar char="•"/>
+              <a:defRPr sz="2800" kern="1200">
+                <a:solidFill>
+                  <a:schemeClr val="tx1"/>
+                </a:solidFill>
+                <a:latin typeface="+mn-lt"/>
+                <a:ea typeface="+mn-ea"/>
+                <a:cs typeface="+mn-cs"/>
+              </a:defRPr>
+            </a:lvl1pPr>
+            <a:lvl2pPr marL="685800" indent="-228600" algn="l" defTabSz="914400" rtl="0" eaLnBrk="1" latinLnBrk="0" hangingPunct="1">
+              <a:lnSpc>
+                <a:spcPct val="90000"/>
+              </a:lnSpc>
+              <a:spcBef>
+                <a:spcPts val="500"/>
+              </a:spcBef>
+              <a:buFont typeface="Arial" panose="020B0604020202020204" pitchFamily="34" charset="0"/>
+              <a:buChar char="•"/>
+              <a:defRPr sz="2400" kern="1200">
+                <a:solidFill>
+                  <a:schemeClr val="tx1"/>
+                </a:solidFill>
+                <a:latin typeface="+mn-lt"/>
+                <a:ea typeface="+mn-ea"/>
+                <a:cs typeface="+mn-cs"/>
+              </a:defRPr>
+            </a:lvl2pPr>
+            <a:lvl3pPr marL="1143000" indent="-228600" algn="l" defTabSz="914400" rtl="0" eaLnBrk="1" latinLnBrk="0" hangingPunct="1">
+              <a:lnSpc>
+                <a:spcPct val="90000"/>
+              </a:lnSpc>
+              <a:spcBef>
+                <a:spcPts val="500"/>
+              </a:spcBef>
+              <a:buFont typeface="Arial" panose="020B0604020202020204" pitchFamily="34" charset="0"/>
+              <a:buChar char="•"/>
+              <a:defRPr sz="2000" kern="1200">
+                <a:solidFill>
+                  <a:schemeClr val="tx1"/>
+                </a:solidFill>
+                <a:latin typeface="+mn-lt"/>
+                <a:ea typeface="+mn-ea"/>
+                <a:cs typeface="+mn-cs"/>
+              </a:defRPr>
+            </a:lvl3pPr>
+            <a:lvl4pPr marL="1600200" indent="-228600" algn="l" defTabSz="914400" rtl="0" eaLnBrk="1" latinLnBrk="0" hangingPunct="1">
+              <a:lnSpc>
+                <a:spcPct val="90000"/>
+              </a:lnSpc>
+              <a:spcBef>
+                <a:spcPts val="500"/>
+              </a:spcBef>
+              <a:buFont typeface="Arial" panose="020B0604020202020204" pitchFamily="34" charset="0"/>
+              <a:buChar char="•"/>
+              <a:defRPr sz="1800" kern="1200">
+                <a:solidFill>
+                  <a:schemeClr val="tx1"/>
+                </a:solidFill>
+                <a:latin typeface="+mn-lt"/>
+                <a:ea typeface="+mn-ea"/>
+                <a:cs typeface="+mn-cs"/>
+              </a:defRPr>
+            </a:lvl4pPr>
+            <a:lvl5pPr marL="2057400" indent="-228600" algn="l" defTabSz="914400" rtl="0" eaLnBrk="1" latinLnBrk="0" hangingPunct="1">
+              <a:lnSpc>
+                <a:spcPct val="90000"/>
+              </a:lnSpc>
+              <a:spcBef>
+                <a:spcPts val="500"/>
+              </a:spcBef>
+              <a:buFont typeface="Arial" panose="020B0604020202020204" pitchFamily="34" charset="0"/>
+              <a:buChar char="•"/>
+              <a:defRPr sz="1800" kern="1200">
+                <a:solidFill>
+                  <a:schemeClr val="tx1"/>
+                </a:solidFill>
+                <a:latin typeface="+mn-lt"/>
+                <a:ea typeface="+mn-ea"/>
+                <a:cs typeface="+mn-cs"/>
+              </a:defRPr>
+            </a:lvl5pPr>
+            <a:lvl6pPr marL="2514600" indent="-228600" algn="l" defTabSz="914400" rtl="0" eaLnBrk="1" latinLnBrk="0" hangingPunct="1">
+              <a:lnSpc>
+                <a:spcPct val="90000"/>
+              </a:lnSpc>
+              <a:spcBef>
+                <a:spcPts val="500"/>
+              </a:spcBef>
+              <a:buFont typeface="Arial" panose="020B0604020202020204" pitchFamily="34" charset="0"/>
+              <a:buChar char="•"/>
+              <a:defRPr sz="1800" kern="1200">
+                <a:solidFill>
+                  <a:schemeClr val="tx1"/>
+                </a:solidFill>
+                <a:latin typeface="+mn-lt"/>
+                <a:ea typeface="+mn-ea"/>
+                <a:cs typeface="+mn-cs"/>
+              </a:defRPr>
+            </a:lvl6pPr>
+            <a:lvl7pPr marL="2971800" indent="-228600" algn="l" defTabSz="914400" rtl="0" eaLnBrk="1" latinLnBrk="0" hangingPunct="1">
+              <a:lnSpc>
+                <a:spcPct val="90000"/>
+              </a:lnSpc>
+              <a:spcBef>
+                <a:spcPts val="500"/>
+              </a:spcBef>
+              <a:buFont typeface="Arial" panose="020B0604020202020204" pitchFamily="34" charset="0"/>
+              <a:buChar char="•"/>
+              <a:defRPr sz="1800" kern="1200">
+                <a:solidFill>
+                  <a:schemeClr val="tx1"/>
+                </a:solidFill>
+                <a:latin typeface="+mn-lt"/>
+                <a:ea typeface="+mn-ea"/>
+                <a:cs typeface="+mn-cs"/>
+              </a:defRPr>
+            </a:lvl7pPr>
+            <a:lvl8pPr marL="3429000" indent="-228600" algn="l" defTabSz="914400" rtl="0" eaLnBrk="1" latinLnBrk="0" hangingPunct="1">
+              <a:lnSpc>
+                <a:spcPct val="90000"/>
+              </a:lnSpc>
+              <a:spcBef>
+                <a:spcPts val="500"/>
+              </a:spcBef>
+              <a:buFont typeface="Arial" panose="020B0604020202020204" pitchFamily="34" charset="0"/>
+              <a:buChar char="•"/>
+              <a:defRPr sz="1800" kern="1200">
+                <a:solidFill>
+                  <a:schemeClr val="tx1"/>
+                </a:solidFill>
+                <a:latin typeface="+mn-lt"/>
+                <a:ea typeface="+mn-ea"/>
+                <a:cs typeface="+mn-cs"/>
+              </a:defRPr>
+            </a:lvl8pPr>
+            <a:lvl9pPr marL="3886200" indent="-228600" algn="l" defTabSz="914400" rtl="0" eaLnBrk="1" latinLnBrk="0" hangingPunct="1">
+              <a:lnSpc>
+                <a:spcPct val="90000"/>
+              </a:lnSpc>
+              <a:spcBef>
+                <a:spcPts val="500"/>
+              </a:spcBef>
+              <a:buFont typeface="Arial" panose="020B0604020202020204" pitchFamily="34" charset="0"/>
+              <a:buChar char="•"/>
+              <a:defRPr sz="1800" kern="1200">
+                <a:solidFill>
+                  <a:schemeClr val="tx1"/>
+                </a:solidFill>
+                <a:latin typeface="+mn-lt"/>
+                <a:ea typeface="+mn-ea"/>
+                <a:cs typeface="+mn-cs"/>
+              </a:defRPr>
+            </a:lvl9pPr>
+          </a:lstStyle>
+          <a:p>
+            <a:pPr marL="0" indent="0">
+              <a:buNone/>
+            </a:pPr>
+            <a:r>
+              <a:rPr lang="en-US" dirty="0"/>
+              <a:t>Result</a:t>
+            </a:r>
+          </a:p>
+          <a:p>
+            <a:r>
+              <a:rPr lang="en-US" dirty="0">
+                <a:solidFill>
+                  <a:schemeClr val="bg2">
+                    <a:lumMod val="50000"/>
+                  </a:schemeClr>
+                </a:solidFill>
+              </a:rPr>
+              <a:t>Use data frame with CC = 0.75 (removes highly correlated features)</a:t>
+            </a:r>
+          </a:p>
+          <a:p>
+            <a:pPr marL="0" indent="0">
+              <a:buNone/>
+            </a:pPr>
+            <a:endParaRPr lang="en-US" dirty="0"/>
+          </a:p>
+        </p:txBody>
+      </p:sp>
+    </p:spTree>
+    <p:extLst>
+      <p:ext uri="{BB962C8B-B14F-4D97-AF65-F5344CB8AC3E}">
+        <p14:creationId xmlns:p14="http://schemas.microsoft.com/office/powerpoint/2010/main" val="635666173"/>
       </p:ext>
     </p:extLst>
   </p:cSld>
